--- a/Slides/Atividade Licoes Aprendidas.pptx
+++ b/Slides/Atividade Licoes Aprendidas.pptx
@@ -5,14 +5,13 @@
     <p:sldMasterId id="2147483648" r:id="rId4"/>
   </p:sldMasterIdLst>
   <p:notesMasterIdLst>
-    <p:notesMasterId r:id="rId10"/>
+    <p:notesMasterId r:id="rId9"/>
   </p:notesMasterIdLst>
   <p:sldIdLst>
     <p:sldId id="257" r:id="rId5"/>
-    <p:sldId id="890" r:id="rId6"/>
-    <p:sldId id="321" r:id="rId7"/>
-    <p:sldId id="345" r:id="rId8"/>
-    <p:sldId id="893" r:id="rId9"/>
+    <p:sldId id="256" r:id="rId6"/>
+    <p:sldId id="894" r:id="rId7"/>
+    <p:sldId id="895" r:id="rId8"/>
   </p:sldIdLst>
   <p:sldSz cx="12192000" cy="6858000"/>
   <p:notesSz cx="6858000" cy="9144000"/>
@@ -785,7 +784,7 @@
           <a:p>
             <a:fld id="{59DFAF6B-3E96-4408-B623-B0A75E7457D9}" type="datetimeFigureOut">
               <a:rPr lang="en-US" smtClean="0"/>
-              <a:t>2/7/2022</a:t>
+              <a:t>3/12/2022</a:t>
             </a:fld>
             <a:endParaRPr lang="en-US"/>
           </a:p>
@@ -1053,268 +1052,6 @@
 </p:notesMaster>
 </file>
 
-<file path=ppt/notesSlides/notesSlide1.xml><?xml version="1.0" encoding="utf-8"?>
-<p:notes xmlns:a="http://schemas.openxmlformats.org/drawingml/2006/main" xmlns:r="http://schemas.openxmlformats.org/officeDocument/2006/relationships" xmlns:p="http://schemas.openxmlformats.org/presentationml/2006/main">
-  <p:cSld>
-    <p:spTree>
-      <p:nvGrpSpPr>
-        <p:cNvPr id="1" name=""/>
-        <p:cNvGrpSpPr/>
-        <p:nvPr/>
-      </p:nvGrpSpPr>
-      <p:grpSpPr>
-        <a:xfrm>
-          <a:off x="0" y="0"/>
-          <a:ext cx="0" cy="0"/>
-          <a:chOff x="0" y="0"/>
-          <a:chExt cx="0" cy="0"/>
-        </a:xfrm>
-      </p:grpSpPr>
-      <p:sp>
-        <p:nvSpPr>
-          <p:cNvPr id="2" name="Espaço Reservado para Imagem de Slide 1"/>
-          <p:cNvSpPr>
-            <a:spLocks noGrp="1" noRot="1" noChangeAspect="1"/>
-          </p:cNvSpPr>
-          <p:nvPr>
-            <p:ph type="sldImg"/>
-          </p:nvPr>
-        </p:nvSpPr>
-        <p:spPr/>
-      </p:sp>
-      <p:sp>
-        <p:nvSpPr>
-          <p:cNvPr id="3" name="Espaço Reservado para Anotações 2"/>
-          <p:cNvSpPr>
-            <a:spLocks noGrp="1"/>
-          </p:cNvSpPr>
-          <p:nvPr>
-            <p:ph type="body" idx="1"/>
-          </p:nvPr>
-        </p:nvSpPr>
-        <p:spPr/>
-        <p:txBody>
-          <a:bodyPr/>
-          <a:lstStyle/>
-          <a:p>
-            <a:r>
-              <a:rPr lang="pt-BR"/>
-              <a:t>Com o grupo novo, quando formado, com o grupo anterior, quando não formado</a:t>
-            </a:r>
-          </a:p>
-          <a:p>
-            <a:r>
-              <a:rPr lang="pt-BR"/>
-              <a:t>Começar na aula, terminar no OpenLab</a:t>
-            </a:r>
-          </a:p>
-        </p:txBody>
-      </p:sp>
-      <p:sp>
-        <p:nvSpPr>
-          <p:cNvPr id="4" name="Espaço Reservado para Número de Slide 3"/>
-          <p:cNvSpPr>
-            <a:spLocks noGrp="1"/>
-          </p:cNvSpPr>
-          <p:nvPr>
-            <p:ph type="sldNum" sz="quarter" idx="5"/>
-          </p:nvPr>
-        </p:nvSpPr>
-        <p:spPr/>
-        <p:txBody>
-          <a:bodyPr/>
-          <a:lstStyle/>
-          <a:p>
-            <a:fld id="{75B3645A-D0AE-4F6E-A17E-E0036A9041AF}" type="slidenum">
-              <a:rPr lang="pt-BR" smtClean="0"/>
-              <a:pPr/>
-              <a:t>3</a:t>
-            </a:fld>
-            <a:endParaRPr lang="pt-BR"/>
-          </a:p>
-        </p:txBody>
-      </p:sp>
-    </p:spTree>
-    <p:extLst>
-      <p:ext uri="{BB962C8B-B14F-4D97-AF65-F5344CB8AC3E}">
-        <p14:creationId xmlns:p14="http://schemas.microsoft.com/office/powerpoint/2010/main" val="3779012067"/>
-      </p:ext>
-    </p:extLst>
-  </p:cSld>
-  <p:clrMapOvr>
-    <a:masterClrMapping/>
-  </p:clrMapOvr>
-</p:notes>
-</file>
-
-<file path=ppt/notesSlides/notesSlide2.xml><?xml version="1.0" encoding="utf-8"?>
-<p:notes xmlns:a="http://schemas.openxmlformats.org/drawingml/2006/main" xmlns:r="http://schemas.openxmlformats.org/officeDocument/2006/relationships" xmlns:p="http://schemas.openxmlformats.org/presentationml/2006/main">
-  <p:cSld>
-    <p:spTree>
-      <p:nvGrpSpPr>
-        <p:cNvPr id="1" name=""/>
-        <p:cNvGrpSpPr/>
-        <p:nvPr/>
-      </p:nvGrpSpPr>
-      <p:grpSpPr>
-        <a:xfrm>
-          <a:off x="0" y="0"/>
-          <a:ext cx="0" cy="0"/>
-          <a:chOff x="0" y="0"/>
-          <a:chExt cx="0" cy="0"/>
-        </a:xfrm>
-      </p:grpSpPr>
-      <p:sp>
-        <p:nvSpPr>
-          <p:cNvPr id="2" name="Espaço Reservado para Imagem de Slide 1"/>
-          <p:cNvSpPr>
-            <a:spLocks noGrp="1" noRot="1" noChangeAspect="1"/>
-          </p:cNvSpPr>
-          <p:nvPr>
-            <p:ph type="sldImg"/>
-          </p:nvPr>
-        </p:nvSpPr>
-        <p:spPr/>
-      </p:sp>
-      <p:sp>
-        <p:nvSpPr>
-          <p:cNvPr id="3" name="Espaço Reservado para Anotações 2"/>
-          <p:cNvSpPr>
-            <a:spLocks noGrp="1"/>
-          </p:cNvSpPr>
-          <p:nvPr>
-            <p:ph type="body" idx="1"/>
-          </p:nvPr>
-        </p:nvSpPr>
-        <p:spPr/>
-        <p:txBody>
-          <a:bodyPr/>
-          <a:lstStyle/>
-          <a:p>
-            <a:endParaRPr lang="pt-BR"/>
-          </a:p>
-        </p:txBody>
-      </p:sp>
-      <p:sp>
-        <p:nvSpPr>
-          <p:cNvPr id="4" name="Espaço Reservado para Número de Slide 3"/>
-          <p:cNvSpPr>
-            <a:spLocks noGrp="1"/>
-          </p:cNvSpPr>
-          <p:nvPr>
-            <p:ph type="sldNum" sz="quarter" idx="10"/>
-          </p:nvPr>
-        </p:nvSpPr>
-        <p:spPr/>
-        <p:txBody>
-          <a:bodyPr/>
-          <a:lstStyle/>
-          <a:p>
-            <a:fld id="{60FDDCFD-7C3E-4B92-97DB-7B9CECB613AA}" type="slidenum">
-              <a:rPr lang="pt-BR" smtClean="0"/>
-              <a:t>4</a:t>
-            </a:fld>
-            <a:endParaRPr lang="pt-BR"/>
-          </a:p>
-        </p:txBody>
-      </p:sp>
-    </p:spTree>
-    <p:extLst>
-      <p:ext uri="{BB962C8B-B14F-4D97-AF65-F5344CB8AC3E}">
-        <p14:creationId xmlns:p14="http://schemas.microsoft.com/office/powerpoint/2010/main" val="3302149613"/>
-      </p:ext>
-    </p:extLst>
-  </p:cSld>
-  <p:clrMapOvr>
-    <a:masterClrMapping/>
-  </p:clrMapOvr>
-</p:notes>
-</file>
-
-<file path=ppt/notesSlides/notesSlide3.xml><?xml version="1.0" encoding="utf-8"?>
-<p:notes xmlns:a="http://schemas.openxmlformats.org/drawingml/2006/main" xmlns:r="http://schemas.openxmlformats.org/officeDocument/2006/relationships" xmlns:p="http://schemas.openxmlformats.org/presentationml/2006/main">
-  <p:cSld>
-    <p:spTree>
-      <p:nvGrpSpPr>
-        <p:cNvPr id="1" name=""/>
-        <p:cNvGrpSpPr/>
-        <p:nvPr/>
-      </p:nvGrpSpPr>
-      <p:grpSpPr>
-        <a:xfrm>
-          <a:off x="0" y="0"/>
-          <a:ext cx="0" cy="0"/>
-          <a:chOff x="0" y="0"/>
-          <a:chExt cx="0" cy="0"/>
-        </a:xfrm>
-      </p:grpSpPr>
-      <p:sp>
-        <p:nvSpPr>
-          <p:cNvPr id="2" name="Espaço Reservado para Imagem de Slide 1"/>
-          <p:cNvSpPr>
-            <a:spLocks noGrp="1" noRot="1" noChangeAspect="1"/>
-          </p:cNvSpPr>
-          <p:nvPr>
-            <p:ph type="sldImg"/>
-          </p:nvPr>
-        </p:nvSpPr>
-        <p:spPr/>
-      </p:sp>
-      <p:sp>
-        <p:nvSpPr>
-          <p:cNvPr id="3" name="Espaço Reservado para Anotações 2"/>
-          <p:cNvSpPr>
-            <a:spLocks noGrp="1"/>
-          </p:cNvSpPr>
-          <p:nvPr>
-            <p:ph type="body" idx="1"/>
-          </p:nvPr>
-        </p:nvSpPr>
-        <p:spPr/>
-        <p:txBody>
-          <a:bodyPr/>
-          <a:lstStyle/>
-          <a:p>
-            <a:endParaRPr lang="pt-BR"/>
-          </a:p>
-        </p:txBody>
-      </p:sp>
-      <p:sp>
-        <p:nvSpPr>
-          <p:cNvPr id="4" name="Espaço Reservado para Número de Slide 3"/>
-          <p:cNvSpPr>
-            <a:spLocks noGrp="1"/>
-          </p:cNvSpPr>
-          <p:nvPr>
-            <p:ph type="sldNum" sz="quarter" idx="10"/>
-          </p:nvPr>
-        </p:nvSpPr>
-        <p:spPr/>
-        <p:txBody>
-          <a:bodyPr/>
-          <a:lstStyle/>
-          <a:p>
-            <a:fld id="{60FDDCFD-7C3E-4B92-97DB-7B9CECB613AA}" type="slidenum">
-              <a:rPr lang="pt-BR" smtClean="0"/>
-              <a:t>5</a:t>
-            </a:fld>
-            <a:endParaRPr lang="pt-BR"/>
-          </a:p>
-        </p:txBody>
-      </p:sp>
-    </p:spTree>
-    <p:extLst>
-      <p:ext uri="{BB962C8B-B14F-4D97-AF65-F5344CB8AC3E}">
-        <p14:creationId xmlns:p14="http://schemas.microsoft.com/office/powerpoint/2010/main" val="3626068798"/>
-      </p:ext>
-    </p:extLst>
-  </p:cSld>
-  <p:clrMapOvr>
-    <a:masterClrMapping/>
-  </p:clrMapOvr>
-</p:notes>
-</file>
-
 <file path=ppt/slideLayouts/slideLayout1.xml><?xml version="1.0" encoding="utf-8"?>
 <p:sldLayout xmlns:a="http://schemas.openxmlformats.org/drawingml/2006/main" xmlns:r="http://schemas.openxmlformats.org/officeDocument/2006/relationships" xmlns:p="http://schemas.openxmlformats.org/presentationml/2006/main" preserve="1" userDrawn="1">
   <p:cSld name="Bkg Cinza">
@@ -8685,6 +8422,401 @@
     <p:extLst>
       <p:ext uri="{BB962C8B-B14F-4D97-AF65-F5344CB8AC3E}">
         <p14:creationId xmlns:p14="http://schemas.microsoft.com/office/powerpoint/2010/main" val="3231168412"/>
+      </p:ext>
+    </p:extLst>
+  </p:cSld>
+  <p:clrMapOvr>
+    <a:masterClrMapping/>
+  </p:clrMapOvr>
+</p:sldLayout>
+</file>
+
+<file path=ppt/slideLayouts/slideLayout30.xml><?xml version="1.0" encoding="utf-8"?>
+<p:sldLayout xmlns:a="http://schemas.openxmlformats.org/drawingml/2006/main" xmlns:r="http://schemas.openxmlformats.org/officeDocument/2006/relationships" xmlns:p="http://schemas.openxmlformats.org/presentationml/2006/main" type="obj">
+  <p:cSld name="Two Content">
+    <p:spTree>
+      <p:nvGrpSpPr>
+        <p:cNvPr id="1" name=""/>
+        <p:cNvGrpSpPr/>
+        <p:nvPr/>
+      </p:nvGrpSpPr>
+      <p:grpSpPr>
+        <a:xfrm>
+          <a:off x="0" y="0"/>
+          <a:ext cx="0" cy="0"/>
+          <a:chOff x="0" y="0"/>
+          <a:chExt cx="0" cy="0"/>
+        </a:xfrm>
+      </p:grpSpPr>
+      <p:sp>
+        <p:nvSpPr>
+          <p:cNvPr id="2" name="Holder 2"/>
+          <p:cNvSpPr>
+            <a:spLocks noGrp="1"/>
+          </p:cNvSpPr>
+          <p:nvPr>
+            <p:ph type="title"/>
+          </p:nvPr>
+        </p:nvSpPr>
+        <p:spPr/>
+        <p:txBody>
+          <a:bodyPr lIns="0" tIns="0" rIns="0" bIns="0"/>
+          <a:lstStyle>
+            <a:lvl1pPr>
+              <a:defRPr sz="2750" b="0" i="0">
+                <a:solidFill>
+                  <a:srgbClr val="545454"/>
+                </a:solidFill>
+                <a:latin typeface="Verdana"/>
+                <a:cs typeface="Verdana"/>
+              </a:defRPr>
+            </a:lvl1pPr>
+          </a:lstStyle>
+          <a:p>
+            <a:endParaRPr/>
+          </a:p>
+        </p:txBody>
+      </p:sp>
+      <p:sp>
+        <p:nvSpPr>
+          <p:cNvPr id="3" name="Holder 3"/>
+          <p:cNvSpPr>
+            <a:spLocks noGrp="1"/>
+          </p:cNvSpPr>
+          <p:nvPr>
+            <p:ph sz="half" idx="2"/>
+          </p:nvPr>
+        </p:nvSpPr>
+        <p:spPr>
+          <a:xfrm>
+            <a:off x="609600" y="1577340"/>
+            <a:ext cx="5303520" cy="4526280"/>
+          </a:xfrm>
+          <a:prstGeom prst="rect">
+            <a:avLst/>
+          </a:prstGeom>
+        </p:spPr>
+        <p:txBody>
+          <a:bodyPr wrap="square" lIns="0" tIns="0" rIns="0" bIns="0">
+            <a:spAutoFit/>
+          </a:bodyPr>
+          <a:lstStyle>
+            <a:lvl1pPr>
+              <a:defRPr/>
+            </a:lvl1pPr>
+          </a:lstStyle>
+          <a:p>
+            <a:endParaRPr/>
+          </a:p>
+        </p:txBody>
+      </p:sp>
+      <p:sp>
+        <p:nvSpPr>
+          <p:cNvPr id="4" name="Holder 4"/>
+          <p:cNvSpPr>
+            <a:spLocks noGrp="1"/>
+          </p:cNvSpPr>
+          <p:nvPr>
+            <p:ph sz="half" idx="3"/>
+          </p:nvPr>
+        </p:nvSpPr>
+        <p:spPr>
+          <a:xfrm>
+            <a:off x="6278880" y="1577340"/>
+            <a:ext cx="5303520" cy="4526280"/>
+          </a:xfrm>
+          <a:prstGeom prst="rect">
+            <a:avLst/>
+          </a:prstGeom>
+        </p:spPr>
+        <p:txBody>
+          <a:bodyPr wrap="square" lIns="0" tIns="0" rIns="0" bIns="0">
+            <a:spAutoFit/>
+          </a:bodyPr>
+          <a:lstStyle>
+            <a:lvl1pPr>
+              <a:defRPr/>
+            </a:lvl1pPr>
+          </a:lstStyle>
+          <a:p>
+            <a:endParaRPr/>
+          </a:p>
+        </p:txBody>
+      </p:sp>
+      <p:sp>
+        <p:nvSpPr>
+          <p:cNvPr id="5" name="Holder 5"/>
+          <p:cNvSpPr>
+            <a:spLocks noGrp="1"/>
+          </p:cNvSpPr>
+          <p:nvPr>
+            <p:ph type="ftr" sz="quarter" idx="5"/>
+          </p:nvPr>
+        </p:nvSpPr>
+        <p:spPr/>
+        <p:txBody>
+          <a:bodyPr lIns="0" tIns="0" rIns="0" bIns="0"/>
+          <a:lstStyle>
+            <a:lvl1pPr algn="ctr">
+              <a:defRPr>
+                <a:solidFill>
+                  <a:schemeClr val="tx1">
+                    <a:tint val="75000"/>
+                  </a:schemeClr>
+                </a:solidFill>
+              </a:defRPr>
+            </a:lvl1pPr>
+          </a:lstStyle>
+          <a:p>
+            <a:endParaRPr/>
+          </a:p>
+        </p:txBody>
+      </p:sp>
+      <p:sp>
+        <p:nvSpPr>
+          <p:cNvPr id="6" name="Holder 6"/>
+          <p:cNvSpPr>
+            <a:spLocks noGrp="1"/>
+          </p:cNvSpPr>
+          <p:nvPr>
+            <p:ph type="dt" sz="half" idx="6"/>
+          </p:nvPr>
+        </p:nvSpPr>
+        <p:spPr/>
+        <p:txBody>
+          <a:bodyPr lIns="0" tIns="0" rIns="0" bIns="0"/>
+          <a:lstStyle>
+            <a:lvl1pPr algn="l">
+              <a:defRPr>
+                <a:solidFill>
+                  <a:schemeClr val="tx1">
+                    <a:tint val="75000"/>
+                  </a:schemeClr>
+                </a:solidFill>
+              </a:defRPr>
+            </a:lvl1pPr>
+          </a:lstStyle>
+          <a:p>
+            <a:fld id="{1D8BD707-D9CF-40AE-B4C6-C98DA3205C09}" type="datetimeFigureOut">
+              <a:rPr lang="en-US"/>
+              <a:t>3/12/2022</a:t>
+            </a:fld>
+            <a:endParaRPr lang="en-US"/>
+          </a:p>
+        </p:txBody>
+      </p:sp>
+      <p:sp>
+        <p:nvSpPr>
+          <p:cNvPr id="7" name="Holder 7"/>
+          <p:cNvSpPr>
+            <a:spLocks noGrp="1"/>
+          </p:cNvSpPr>
+          <p:nvPr>
+            <p:ph type="sldNum" sz="quarter" idx="7"/>
+          </p:nvPr>
+        </p:nvSpPr>
+        <p:spPr/>
+        <p:txBody>
+          <a:bodyPr lIns="0" tIns="0" rIns="0" bIns="0"/>
+          <a:lstStyle>
+            <a:lvl1pPr algn="r">
+              <a:defRPr>
+                <a:solidFill>
+                  <a:schemeClr val="tx1">
+                    <a:tint val="75000"/>
+                  </a:schemeClr>
+                </a:solidFill>
+              </a:defRPr>
+            </a:lvl1pPr>
+          </a:lstStyle>
+          <a:p>
+            <a:fld id="{B6F15528-21DE-4FAA-801E-634DDDAF4B2B}" type="slidenum">
+              <a:t>‹nº›</a:t>
+            </a:fld>
+            <a:endParaRPr/>
+          </a:p>
+        </p:txBody>
+      </p:sp>
+    </p:spTree>
+    <p:extLst>
+      <p:ext uri="{BB962C8B-B14F-4D97-AF65-F5344CB8AC3E}">
+        <p14:creationId xmlns:p14="http://schemas.microsoft.com/office/powerpoint/2010/main" val="3638293165"/>
+      </p:ext>
+    </p:extLst>
+  </p:cSld>
+  <p:clrMapOvr>
+    <a:masterClrMapping/>
+  </p:clrMapOvr>
+</p:sldLayout>
+</file>
+
+<file path=ppt/slideLayouts/slideLayout31.xml><?xml version="1.0" encoding="utf-8"?>
+<p:sldLayout xmlns:a="http://schemas.openxmlformats.org/drawingml/2006/main" xmlns:r="http://schemas.openxmlformats.org/officeDocument/2006/relationships" xmlns:p="http://schemas.openxmlformats.org/presentationml/2006/main" type="obj">
+  <p:cSld name="Title and Content">
+    <p:spTree>
+      <p:nvGrpSpPr>
+        <p:cNvPr id="1" name=""/>
+        <p:cNvGrpSpPr/>
+        <p:nvPr/>
+      </p:nvGrpSpPr>
+      <p:grpSpPr>
+        <a:xfrm>
+          <a:off x="0" y="0"/>
+          <a:ext cx="0" cy="0"/>
+          <a:chOff x="0" y="0"/>
+          <a:chExt cx="0" cy="0"/>
+        </a:xfrm>
+      </p:grpSpPr>
+      <p:sp>
+        <p:nvSpPr>
+          <p:cNvPr id="2" name="Holder 2"/>
+          <p:cNvSpPr>
+            <a:spLocks noGrp="1"/>
+          </p:cNvSpPr>
+          <p:nvPr>
+            <p:ph type="title"/>
+          </p:nvPr>
+        </p:nvSpPr>
+        <p:spPr/>
+        <p:txBody>
+          <a:bodyPr lIns="0" tIns="0" rIns="0" bIns="0"/>
+          <a:lstStyle>
+            <a:lvl1pPr>
+              <a:defRPr sz="2750" b="0" i="0">
+                <a:solidFill>
+                  <a:srgbClr val="545454"/>
+                </a:solidFill>
+                <a:latin typeface="Verdana"/>
+                <a:cs typeface="Verdana"/>
+              </a:defRPr>
+            </a:lvl1pPr>
+          </a:lstStyle>
+          <a:p>
+            <a:endParaRPr/>
+          </a:p>
+        </p:txBody>
+      </p:sp>
+      <p:sp>
+        <p:nvSpPr>
+          <p:cNvPr id="3" name="Holder 3"/>
+          <p:cNvSpPr>
+            <a:spLocks noGrp="1"/>
+          </p:cNvSpPr>
+          <p:nvPr>
+            <p:ph type="body" idx="1"/>
+          </p:nvPr>
+        </p:nvSpPr>
+        <p:spPr/>
+        <p:txBody>
+          <a:bodyPr lIns="0" tIns="0" rIns="0" bIns="0"/>
+          <a:lstStyle>
+            <a:lvl1pPr>
+              <a:defRPr/>
+            </a:lvl1pPr>
+          </a:lstStyle>
+          <a:p>
+            <a:endParaRPr/>
+          </a:p>
+        </p:txBody>
+      </p:sp>
+      <p:sp>
+        <p:nvSpPr>
+          <p:cNvPr id="4" name="Holder 4"/>
+          <p:cNvSpPr>
+            <a:spLocks noGrp="1"/>
+          </p:cNvSpPr>
+          <p:nvPr>
+            <p:ph type="ftr" sz="quarter" idx="5"/>
+          </p:nvPr>
+        </p:nvSpPr>
+        <p:spPr/>
+        <p:txBody>
+          <a:bodyPr lIns="0" tIns="0" rIns="0" bIns="0"/>
+          <a:lstStyle>
+            <a:lvl1pPr algn="ctr">
+              <a:defRPr>
+                <a:solidFill>
+                  <a:schemeClr val="tx1">
+                    <a:tint val="75000"/>
+                  </a:schemeClr>
+                </a:solidFill>
+              </a:defRPr>
+            </a:lvl1pPr>
+          </a:lstStyle>
+          <a:p>
+            <a:endParaRPr/>
+          </a:p>
+        </p:txBody>
+      </p:sp>
+      <p:sp>
+        <p:nvSpPr>
+          <p:cNvPr id="5" name="Holder 5"/>
+          <p:cNvSpPr>
+            <a:spLocks noGrp="1"/>
+          </p:cNvSpPr>
+          <p:nvPr>
+            <p:ph type="dt" sz="half" idx="6"/>
+          </p:nvPr>
+        </p:nvSpPr>
+        <p:spPr/>
+        <p:txBody>
+          <a:bodyPr lIns="0" tIns="0" rIns="0" bIns="0"/>
+          <a:lstStyle>
+            <a:lvl1pPr algn="l">
+              <a:defRPr>
+                <a:solidFill>
+                  <a:schemeClr val="tx1">
+                    <a:tint val="75000"/>
+                  </a:schemeClr>
+                </a:solidFill>
+              </a:defRPr>
+            </a:lvl1pPr>
+          </a:lstStyle>
+          <a:p>
+            <a:fld id="{1D8BD707-D9CF-40AE-B4C6-C98DA3205C09}" type="datetimeFigureOut">
+              <a:rPr lang="en-US"/>
+              <a:t>3/12/2022</a:t>
+            </a:fld>
+            <a:endParaRPr lang="en-US"/>
+          </a:p>
+        </p:txBody>
+      </p:sp>
+      <p:sp>
+        <p:nvSpPr>
+          <p:cNvPr id="6" name="Holder 6"/>
+          <p:cNvSpPr>
+            <a:spLocks noGrp="1"/>
+          </p:cNvSpPr>
+          <p:nvPr>
+            <p:ph type="sldNum" sz="quarter" idx="7"/>
+          </p:nvPr>
+        </p:nvSpPr>
+        <p:spPr/>
+        <p:txBody>
+          <a:bodyPr lIns="0" tIns="0" rIns="0" bIns="0"/>
+          <a:lstStyle>
+            <a:lvl1pPr algn="r">
+              <a:defRPr>
+                <a:solidFill>
+                  <a:schemeClr val="tx1">
+                    <a:tint val="75000"/>
+                  </a:schemeClr>
+                </a:solidFill>
+              </a:defRPr>
+            </a:lvl1pPr>
+          </a:lstStyle>
+          <a:p>
+            <a:fld id="{B6F15528-21DE-4FAA-801E-634DDDAF4B2B}" type="slidenum">
+              <a:t>‹nº›</a:t>
+            </a:fld>
+            <a:endParaRPr/>
+          </a:p>
+        </p:txBody>
+      </p:sp>
+    </p:spTree>
+    <p:extLst>
+      <p:ext uri="{BB962C8B-B14F-4D97-AF65-F5344CB8AC3E}">
+        <p14:creationId xmlns:p14="http://schemas.microsoft.com/office/powerpoint/2010/main" val="1247180975"/>
       </p:ext>
     </p:extLst>
   </p:cSld>
@@ -9820,6 +9952,8 @@
     <p:sldLayoutId id="2147483675" r:id="rId27"/>
     <p:sldLayoutId id="2147483676" r:id="rId28"/>
     <p:sldLayoutId id="2147483677" r:id="rId29"/>
+    <p:sldLayoutId id="2147483680" r:id="rId30"/>
+    <p:sldLayoutId id="2147483681" r:id="rId31"/>
   </p:sldLayoutIdLst>
   <p:txStyles>
     <p:titleStyle>
@@ -10293,14 +10427,8 @@
       </p:grpSpPr>
       <p:sp>
         <p:nvSpPr>
-          <p:cNvPr id="27" name="Título 26">
-            <a:extLst>
-              <a:ext uri="{FF2B5EF4-FFF2-40B4-BE49-F238E27FC236}">
-                <a16:creationId xmlns:a16="http://schemas.microsoft.com/office/drawing/2014/main" id="{A27E9D17-6C34-4203-8F45-DE1967C057E8}"/>
-              </a:ext>
-            </a:extLst>
-          </p:cNvPr>
-          <p:cNvSpPr>
+          <p:cNvPr id="2" name="object 2"/>
+          <p:cNvSpPr txBox="1">
             <a:spLocks noGrp="1"/>
           </p:cNvSpPr>
           <p:nvPr>
@@ -10309,102 +10437,542 @@
         </p:nvSpPr>
         <p:spPr>
           <a:xfrm>
-            <a:off x="2316163" y="1051326"/>
-            <a:ext cx="7559676" cy="721912"/>
-          </a:xfrm>
-        </p:spPr>
-        <p:txBody>
-          <a:bodyPr/>
+            <a:off x="3562350" y="590550"/>
+            <a:ext cx="5067300" cy="657225"/>
+          </a:xfrm>
+          <a:prstGeom prst="rect">
+            <a:avLst/>
+          </a:prstGeom>
+          <a:solidFill>
+            <a:srgbClr val="F4F5F5"/>
+          </a:solidFill>
+          <a:ln w="57150">
+            <a:solidFill>
+              <a:srgbClr val="00AFEF"/>
+            </a:solidFill>
+          </a:ln>
+        </p:spPr>
+        <p:txBody>
+          <a:bodyPr vert="horz" wrap="square" lIns="0" tIns="117475" rIns="0" bIns="0" rtlCol="0">
+            <a:spAutoFit/>
+          </a:bodyPr>
           <a:lstStyle/>
           <a:p>
-            <a:r>
-              <a:rPr lang="pt-BR" dirty="0">
-                <a:latin typeface="Verdana" panose="020B0604030504040204" pitchFamily="34" charset="0"/>
-                <a:ea typeface="Verdana" panose="020B0604030504040204" pitchFamily="34" charset="0"/>
-              </a:rPr>
-              <a:t>Pesquisa e Inovação</a:t>
-            </a:r>
-          </a:p>
-        </p:txBody>
-      </p:sp>
-      <p:sp>
-        <p:nvSpPr>
-          <p:cNvPr id="28" name="Espaço Reservado para Texto 27">
+            <a:pPr marL="4445" algn="ctr">
+              <a:lnSpc>
+                <a:spcPct val="100000"/>
+              </a:lnSpc>
+              <a:spcBef>
+                <a:spcPts val="925"/>
+              </a:spcBef>
+            </a:pPr>
+            <a:r>
+              <a:rPr dirty="0">
+                <a:solidFill>
+                  <a:srgbClr val="1C1C1C"/>
+                </a:solidFill>
+              </a:rPr>
+              <a:t>Lições</a:t>
+            </a:r>
+            <a:r>
+              <a:rPr spc="100" dirty="0">
+                <a:solidFill>
+                  <a:srgbClr val="1C1C1C"/>
+                </a:solidFill>
+              </a:rPr>
+              <a:t> </a:t>
+            </a:r>
+            <a:r>
+              <a:rPr dirty="0">
+                <a:solidFill>
+                  <a:srgbClr val="1C1C1C"/>
+                </a:solidFill>
+              </a:rPr>
+              <a:t>Aprendidas</a:t>
+            </a:r>
+          </a:p>
+        </p:txBody>
+      </p:sp>
+      <p:sp>
+        <p:nvSpPr>
+          <p:cNvPr id="3" name="object 3"/>
+          <p:cNvSpPr txBox="1"/>
+          <p:nvPr/>
+        </p:nvSpPr>
+        <p:spPr>
+          <a:xfrm>
+            <a:off x="9053576" y="6394767"/>
+            <a:ext cx="2886710" cy="391795"/>
+          </a:xfrm>
+          <a:prstGeom prst="rect">
+            <a:avLst/>
+          </a:prstGeom>
+        </p:spPr>
+        <p:txBody>
+          <a:bodyPr vert="horz" wrap="square" lIns="0" tIns="12700" rIns="0" bIns="0" rtlCol="0">
+            <a:spAutoFit/>
+          </a:bodyPr>
+          <a:lstStyle/>
+          <a:p>
+            <a:pPr marL="12700">
+              <a:lnSpc>
+                <a:spcPct val="100000"/>
+              </a:lnSpc>
+              <a:spcBef>
+                <a:spcPts val="100"/>
+              </a:spcBef>
+            </a:pPr>
+            <a:r>
+              <a:rPr sz="2400" spc="-5" dirty="0">
+                <a:solidFill>
+                  <a:srgbClr val="1C1C1C"/>
+                </a:solidFill>
+                <a:latin typeface="Verdana"/>
+                <a:cs typeface="Verdana"/>
+              </a:rPr>
+              <a:t>Projeto</a:t>
+            </a:r>
+            <a:r>
+              <a:rPr sz="2400" spc="-15" dirty="0">
+                <a:solidFill>
+                  <a:srgbClr val="1C1C1C"/>
+                </a:solidFill>
+                <a:latin typeface="Verdana"/>
+                <a:cs typeface="Verdana"/>
+              </a:rPr>
+              <a:t> </a:t>
+            </a:r>
+            <a:r>
+              <a:rPr sz="2400" dirty="0">
+                <a:solidFill>
+                  <a:srgbClr val="1C1C1C"/>
+                </a:solidFill>
+                <a:latin typeface="Verdana"/>
+                <a:cs typeface="Verdana"/>
+              </a:rPr>
+              <a:t>e</a:t>
+            </a:r>
+            <a:r>
+              <a:rPr sz="2400" spc="-55" dirty="0">
+                <a:solidFill>
+                  <a:srgbClr val="1C1C1C"/>
+                </a:solidFill>
+                <a:latin typeface="Verdana"/>
+                <a:cs typeface="Verdana"/>
+              </a:rPr>
+              <a:t> </a:t>
+            </a:r>
+            <a:r>
+              <a:rPr sz="2400" spc="-25" dirty="0">
+                <a:solidFill>
+                  <a:srgbClr val="1C1C1C"/>
+                </a:solidFill>
+                <a:latin typeface="Verdana"/>
+                <a:cs typeface="Verdana"/>
+              </a:rPr>
+              <a:t>Inovação</a:t>
+            </a:r>
+            <a:endParaRPr sz="2400">
+              <a:latin typeface="Verdana"/>
+              <a:cs typeface="Verdana"/>
+            </a:endParaRPr>
+          </a:p>
+        </p:txBody>
+      </p:sp>
+      <p:sp>
+        <p:nvSpPr>
+          <p:cNvPr id="4" name="object 4"/>
+          <p:cNvSpPr txBox="1"/>
+          <p:nvPr/>
+        </p:nvSpPr>
+        <p:spPr>
+          <a:xfrm>
+            <a:off x="503555" y="4752340"/>
+            <a:ext cx="1064382" cy="324448"/>
+          </a:xfrm>
+          <a:prstGeom prst="rect">
+            <a:avLst/>
+          </a:prstGeom>
+        </p:spPr>
+        <p:txBody>
+          <a:bodyPr vert="horz" wrap="square" lIns="0" tIns="16510" rIns="0" bIns="0" rtlCol="0">
+            <a:spAutoFit/>
+          </a:bodyPr>
+          <a:lstStyle/>
+          <a:p>
+            <a:pPr marL="12700">
+              <a:lnSpc>
+                <a:spcPct val="100000"/>
+              </a:lnSpc>
+              <a:spcBef>
+                <a:spcPts val="130"/>
+              </a:spcBef>
+            </a:pPr>
+            <a:r>
+              <a:rPr sz="2000" b="1" dirty="0">
+                <a:solidFill>
+                  <a:srgbClr val="1C1C1C"/>
+                </a:solidFill>
+                <a:latin typeface="Verdana"/>
+                <a:cs typeface="Verdana"/>
+              </a:rPr>
+              <a:t>N</a:t>
+            </a:r>
+            <a:r>
+              <a:rPr sz="2000" b="1" spc="-20" dirty="0">
+                <a:solidFill>
+                  <a:srgbClr val="1C1C1C"/>
+                </a:solidFill>
+                <a:latin typeface="Verdana"/>
+                <a:cs typeface="Verdana"/>
+              </a:rPr>
+              <a:t>o</a:t>
+            </a:r>
+            <a:r>
+              <a:rPr sz="2000" b="1" dirty="0">
+                <a:solidFill>
+                  <a:srgbClr val="1C1C1C"/>
+                </a:solidFill>
+                <a:latin typeface="Verdana"/>
+                <a:cs typeface="Verdana"/>
+              </a:rPr>
+              <a:t>m</a:t>
+            </a:r>
+            <a:r>
+              <a:rPr sz="2000" b="1" spc="5" dirty="0">
+                <a:solidFill>
+                  <a:srgbClr val="1C1C1C"/>
+                </a:solidFill>
+                <a:latin typeface="Verdana"/>
+                <a:cs typeface="Verdana"/>
+              </a:rPr>
+              <a:t>e</a:t>
+            </a:r>
+            <a:r>
+              <a:rPr sz="2000" b="1" spc="10" dirty="0">
+                <a:solidFill>
+                  <a:srgbClr val="1C1C1C"/>
+                </a:solidFill>
+                <a:latin typeface="Verdana"/>
+                <a:cs typeface="Verdana"/>
+              </a:rPr>
+              <a:t>:</a:t>
+            </a:r>
+            <a:endParaRPr sz="2000" b="1">
+              <a:latin typeface="Verdana"/>
+              <a:cs typeface="Verdana"/>
+            </a:endParaRPr>
+          </a:p>
+        </p:txBody>
+      </p:sp>
+      <p:sp>
+        <p:nvSpPr>
+          <p:cNvPr id="6" name="object 6"/>
+          <p:cNvSpPr txBox="1"/>
+          <p:nvPr/>
+        </p:nvSpPr>
+        <p:spPr>
+          <a:xfrm>
+            <a:off x="8829675" y="4467225"/>
+            <a:ext cx="2133600" cy="663708"/>
+          </a:xfrm>
+          <a:prstGeom prst="rect">
+            <a:avLst/>
+          </a:prstGeom>
+          <a:solidFill>
+            <a:srgbClr val="F4F5F5"/>
+          </a:solidFill>
+          <a:ln w="57150">
+            <a:solidFill>
+              <a:srgbClr val="00AFEF"/>
+            </a:solidFill>
+          </a:ln>
+        </p:spPr>
+        <p:txBody>
+          <a:bodyPr vert="horz" wrap="square" lIns="0" tIns="50165" rIns="0" bIns="0" rtlCol="0">
+            <a:spAutoFit/>
+          </a:bodyPr>
+          <a:lstStyle/>
+          <a:p>
+            <a:pPr marL="93980" marR="156845" algn="ctr">
+              <a:lnSpc>
+                <a:spcPct val="137300"/>
+              </a:lnSpc>
+              <a:spcBef>
+                <a:spcPts val="395"/>
+              </a:spcBef>
+            </a:pPr>
+            <a:r>
+              <a:rPr sz="1550" spc="20" dirty="0">
+                <a:solidFill>
+                  <a:srgbClr val="1C1C1C"/>
+                </a:solidFill>
+                <a:latin typeface="Verdana"/>
+                <a:cs typeface="Verdana"/>
+              </a:rPr>
+              <a:t>Leonardo Marques </a:t>
+            </a:r>
+            <a:r>
+              <a:rPr sz="1550" spc="-530" dirty="0">
+                <a:solidFill>
+                  <a:srgbClr val="1C1C1C"/>
+                </a:solidFill>
+                <a:latin typeface="Verdana"/>
+                <a:cs typeface="Verdana"/>
+              </a:rPr>
+              <a:t> </a:t>
+            </a:r>
+            <a:r>
+              <a:rPr sz="1550" spc="15" dirty="0">
+                <a:solidFill>
+                  <a:srgbClr val="1C1C1C"/>
+                </a:solidFill>
+                <a:latin typeface="Verdana"/>
+                <a:cs typeface="Verdana"/>
+              </a:rPr>
+              <a:t>Matheus</a:t>
+            </a:r>
+            <a:r>
+              <a:rPr sz="1550" spc="50" dirty="0">
+                <a:solidFill>
+                  <a:srgbClr val="1C1C1C"/>
+                </a:solidFill>
+                <a:latin typeface="Verdana"/>
+                <a:cs typeface="Verdana"/>
+              </a:rPr>
+              <a:t> </a:t>
+            </a:r>
+            <a:r>
+              <a:rPr sz="1550" spc="10" dirty="0">
+                <a:solidFill>
+                  <a:srgbClr val="1C1C1C"/>
+                </a:solidFill>
+                <a:latin typeface="Verdana"/>
+                <a:cs typeface="Verdana"/>
+              </a:rPr>
+              <a:t>Huk</a:t>
+            </a:r>
+            <a:endParaRPr sz="1550" dirty="0">
+              <a:latin typeface="Verdana"/>
+              <a:cs typeface="Verdana"/>
+            </a:endParaRPr>
+          </a:p>
+        </p:txBody>
+      </p:sp>
+      <p:sp>
+        <p:nvSpPr>
+          <p:cNvPr id="7" name="object 7"/>
+          <p:cNvSpPr txBox="1"/>
+          <p:nvPr/>
+        </p:nvSpPr>
+        <p:spPr>
+          <a:xfrm>
+            <a:off x="5853049" y="4654167"/>
+            <a:ext cx="2976626" cy="289823"/>
+          </a:xfrm>
+          <a:prstGeom prst="rect">
+            <a:avLst/>
+          </a:prstGeom>
+        </p:spPr>
+        <p:txBody>
+          <a:bodyPr vert="horz" wrap="square" lIns="0" tIns="12700" rIns="0" bIns="0" rtlCol="0">
+            <a:spAutoFit/>
+          </a:bodyPr>
+          <a:lstStyle/>
+          <a:p>
+            <a:pPr marL="12700">
+              <a:lnSpc>
+                <a:spcPct val="100000"/>
+              </a:lnSpc>
+              <a:spcBef>
+                <a:spcPts val="100"/>
+              </a:spcBef>
+            </a:pPr>
+            <a:r>
+              <a:rPr sz="1800" b="1" spc="-10" dirty="0">
+                <a:solidFill>
+                  <a:srgbClr val="1C1C1C"/>
+                </a:solidFill>
+                <a:latin typeface="Verdana"/>
+                <a:cs typeface="Verdana"/>
+              </a:rPr>
+              <a:t>Professor/Orientador:</a:t>
+            </a:r>
+            <a:endParaRPr sz="1800" b="1" dirty="0">
+              <a:latin typeface="Verdana"/>
+              <a:cs typeface="Verdana"/>
+            </a:endParaRPr>
+          </a:p>
+        </p:txBody>
+      </p:sp>
+      <p:sp>
+        <p:nvSpPr>
+          <p:cNvPr id="8" name="object 8"/>
+          <p:cNvSpPr txBox="1"/>
+          <p:nvPr/>
+        </p:nvSpPr>
+        <p:spPr>
+          <a:xfrm>
+            <a:off x="4743450" y="1962150"/>
+            <a:ext cx="2714625" cy="723900"/>
+          </a:xfrm>
+          <a:prstGeom prst="rect">
+            <a:avLst/>
+          </a:prstGeom>
+          <a:solidFill>
+            <a:srgbClr val="F4F5F5"/>
+          </a:solidFill>
+          <a:ln w="57150">
+            <a:solidFill>
+              <a:srgbClr val="00AFEF"/>
+            </a:solidFill>
+          </a:ln>
+        </p:spPr>
+        <p:txBody>
+          <a:bodyPr vert="horz" wrap="square" lIns="0" tIns="156845" rIns="0" bIns="0" rtlCol="0">
+            <a:spAutoFit/>
+          </a:bodyPr>
+          <a:lstStyle/>
+          <a:p>
+            <a:pPr marL="628015">
+              <a:lnSpc>
+                <a:spcPct val="100000"/>
+              </a:lnSpc>
+              <a:spcBef>
+                <a:spcPts val="1235"/>
+              </a:spcBef>
+            </a:pPr>
+            <a:r>
+              <a:rPr sz="2750" spc="15" dirty="0">
+                <a:solidFill>
+                  <a:srgbClr val="1C1C1C"/>
+                </a:solidFill>
+                <a:latin typeface="Verdana"/>
+                <a:cs typeface="Verdana"/>
+              </a:rPr>
+              <a:t>Grupo</a:t>
+            </a:r>
+            <a:r>
+              <a:rPr sz="2750" spc="65" dirty="0">
+                <a:solidFill>
+                  <a:srgbClr val="1C1C1C"/>
+                </a:solidFill>
+                <a:latin typeface="Verdana"/>
+                <a:cs typeface="Verdana"/>
+              </a:rPr>
+              <a:t> </a:t>
+            </a:r>
+            <a:r>
+              <a:rPr sz="2750" spc="15" dirty="0">
+                <a:solidFill>
+                  <a:srgbClr val="1C1C1C"/>
+                </a:solidFill>
+                <a:latin typeface="Verdana"/>
+                <a:cs typeface="Verdana"/>
+              </a:rPr>
+              <a:t>6</a:t>
+            </a:r>
+            <a:endParaRPr sz="2750" dirty="0">
+              <a:latin typeface="Verdana"/>
+              <a:cs typeface="Verdana"/>
+            </a:endParaRPr>
+          </a:p>
+        </p:txBody>
+      </p:sp>
+      <p:sp>
+        <p:nvSpPr>
+          <p:cNvPr id="10" name="CaixaDeTexto 9">
             <a:extLst>
               <a:ext uri="{FF2B5EF4-FFF2-40B4-BE49-F238E27FC236}">
-                <a16:creationId xmlns:a16="http://schemas.microsoft.com/office/drawing/2014/main" id="{3300A780-28D6-4142-AAFF-8AB7F0F82E46}"/>
+                <a16:creationId xmlns:a16="http://schemas.microsoft.com/office/drawing/2014/main" id="{AB49E922-3B08-48E2-8D52-2BAD830EA6F1}"/>
               </a:ext>
             </a:extLst>
           </p:cNvPr>
-          <p:cNvSpPr>
-            <a:spLocks noGrp="1"/>
-          </p:cNvSpPr>
-          <p:nvPr>
-            <p:ph type="body" sz="quarter" idx="10"/>
-          </p:nvPr>
-        </p:nvSpPr>
-        <p:spPr>
-          <a:xfrm>
-            <a:off x="2316163" y="3927546"/>
-            <a:ext cx="7559675" cy="471055"/>
-          </a:xfrm>
-        </p:spPr>
-        <p:txBody>
-          <a:bodyPr/>
-          <a:lstStyle/>
-          <a:p>
-            <a:r>
-              <a:rPr lang="pt-BR" dirty="0">
-                <a:latin typeface="Verdana" panose="020B0604030504040204" pitchFamily="34" charset="0"/>
-                <a:ea typeface="Verdana" panose="020B0604030504040204" pitchFamily="34" charset="0"/>
-              </a:rPr>
-              <a:t>Atividade – Lições Aprendidas</a:t>
-            </a:r>
-          </a:p>
-        </p:txBody>
-      </p:sp>
-      <p:sp>
-        <p:nvSpPr>
-          <p:cNvPr id="29" name="Espaço Reservado para Texto 28">
-            <a:extLst>
-              <a:ext uri="{FF2B5EF4-FFF2-40B4-BE49-F238E27FC236}">
-                <a16:creationId xmlns:a16="http://schemas.microsoft.com/office/drawing/2014/main" id="{2E38C0ED-DA4C-459D-BC16-DFDD3225C5BA}"/>
-              </a:ext>
-            </a:extLst>
-          </p:cNvPr>
-          <p:cNvSpPr>
-            <a:spLocks noGrp="1"/>
-          </p:cNvSpPr>
-          <p:nvPr>
-            <p:ph type="body" sz="quarter" idx="11"/>
-          </p:nvPr>
-        </p:nvSpPr>
-        <p:spPr>
-          <a:xfrm>
-            <a:off x="2316163" y="2713038"/>
-            <a:ext cx="7559675" cy="644525"/>
-          </a:xfrm>
-        </p:spPr>
-        <p:txBody>
-          <a:bodyPr/>
-          <a:lstStyle/>
-          <a:p>
-            <a:r>
-              <a:rPr lang="pt-BR" dirty="0">
-                <a:latin typeface="Verdana" panose="020B0604030504040204" pitchFamily="34" charset="0"/>
-                <a:ea typeface="Verdana" panose="020B0604030504040204" pitchFamily="34" charset="0"/>
-              </a:rPr>
-              <a:t>Aula 01</a:t>
+          <p:cNvSpPr txBox="1"/>
+          <p:nvPr/>
+        </p:nvSpPr>
+        <p:spPr>
+          <a:xfrm>
+            <a:off x="1567937" y="4076025"/>
+            <a:ext cx="2133601" cy="1811393"/>
+          </a:xfrm>
+          <a:prstGeom prst="rect">
+            <a:avLst/>
+          </a:prstGeom>
+          <a:solidFill>
+            <a:srgbClr val="F4F5F5"/>
+          </a:solidFill>
+          <a:ln w="57150">
+            <a:solidFill>
+              <a:srgbClr val="00AFEF"/>
+            </a:solidFill>
+          </a:ln>
+        </p:spPr>
+        <p:txBody>
+          <a:bodyPr vert="horz" wrap="square" lIns="0" tIns="117475" rIns="0" bIns="0" rtlCol="0" anchor="ctr">
+            <a:spAutoFit/>
+          </a:bodyPr>
+          <a:lstStyle>
+            <a:lvl1pPr marL="4445" algn="ctr">
+              <a:lnSpc>
+                <a:spcPct val="100000"/>
+              </a:lnSpc>
+              <a:spcBef>
+                <a:spcPts val="925"/>
+              </a:spcBef>
+              <a:buNone/>
+              <a:defRPr sz="2750" b="0" i="0">
+                <a:solidFill>
+                  <a:srgbClr val="1C1C1C"/>
+                </a:solidFill>
+                <a:latin typeface="Verdana"/>
+                <a:ea typeface="+mj-ea"/>
+                <a:cs typeface="Verdana"/>
+              </a:defRPr>
+            </a:lvl1pPr>
+          </a:lstStyle>
+          <a:p>
+            <a:r>
+              <a:rPr lang="pt-BR" sz="1600" dirty="0"/>
+              <a:t>Gustavo Moraes</a:t>
+            </a:r>
+          </a:p>
+          <a:p>
+            <a:r>
+              <a:rPr lang="pt-BR" sz="1600" dirty="0"/>
+              <a:t>Lucas </a:t>
+            </a:r>
+            <a:r>
+              <a:rPr lang="pt-BR" sz="1600" dirty="0" err="1"/>
+              <a:t>Osakwe</a:t>
+            </a:r>
+            <a:endParaRPr lang="pt-BR" sz="1600" dirty="0"/>
+          </a:p>
+          <a:p>
+            <a:r>
+              <a:rPr lang="pt-BR" sz="1600" dirty="0"/>
+              <a:t>Lucas Lacerda</a:t>
+            </a:r>
+          </a:p>
+          <a:p>
+            <a:r>
+              <a:rPr lang="pt-BR" sz="1600" dirty="0"/>
+              <a:t>Renan Oliveira</a:t>
+            </a:r>
+          </a:p>
+          <a:p>
+            <a:r>
+              <a:rPr lang="pt-BR" sz="1600" dirty="0" err="1"/>
+              <a:t>Vincius</a:t>
+            </a:r>
+            <a:r>
+              <a:rPr lang="pt-BR" sz="1600" dirty="0"/>
+              <a:t> Augusto</a:t>
             </a:r>
           </a:p>
         </p:txBody>
       </p:sp>
     </p:spTree>
-    <p:extLst>
-      <p:ext uri="{BB962C8B-B14F-4D97-AF65-F5344CB8AC3E}">
-        <p14:creationId xmlns:p14="http://schemas.microsoft.com/office/powerpoint/2010/main" val="61971491"/>
-      </p:ext>
-    </p:extLst>
   </p:cSld>
   <p:clrMapOvr>
     <a:masterClrMapping/>
@@ -10431,47 +10999,3630 @@
       </p:grpSpPr>
       <p:sp>
         <p:nvSpPr>
-          <p:cNvPr id="3" name="Espaço Reservado para Número de Slide 2"/>
-          <p:cNvSpPr>
-            <a:spLocks noGrp="1"/>
-          </p:cNvSpPr>
-          <p:nvPr>
-            <p:ph type="sldNum" sz="quarter" idx="4294967295"/>
-          </p:nvPr>
-        </p:nvSpPr>
-        <p:spPr>
-          <a:xfrm>
-            <a:off x="11620500" y="6564313"/>
-            <a:ext cx="571500" cy="193675"/>
-          </a:xfrm>
-          <a:prstGeom prst="rect">
-            <a:avLst/>
-          </a:prstGeom>
-        </p:spPr>
-        <p:txBody>
-          <a:bodyPr/>
+          <p:cNvPr id="3" name="object 3"/>
+          <p:cNvSpPr txBox="1"/>
+          <p:nvPr/>
+        </p:nvSpPr>
+        <p:spPr>
+          <a:xfrm>
+            <a:off x="1397888" y="1032255"/>
+            <a:ext cx="1398905" cy="428322"/>
+          </a:xfrm>
+          <a:prstGeom prst="rect">
+            <a:avLst/>
+          </a:prstGeom>
+          <a:solidFill>
+            <a:srgbClr val="EEB660"/>
+          </a:solidFill>
+        </p:spPr>
+        <p:txBody>
+          <a:bodyPr vert="horz" wrap="square" lIns="0" tIns="5080" rIns="0" bIns="0" rtlCol="0" anchor="ctr">
+            <a:spAutoFit/>
+          </a:bodyPr>
           <a:lstStyle/>
           <a:p>
-            <a:pPr>
-              <a:defRPr/>
+            <a:pPr marL="635" algn="ctr">
+              <a:lnSpc>
+                <a:spcPts val="3260"/>
+              </a:lnSpc>
+              <a:spcBef>
+                <a:spcPts val="40"/>
+              </a:spcBef>
             </a:pPr>
-            <a:fld id="{B66251D2-9488-44CD-87B4-F793A73C4A01}" type="slidenum">
-              <a:rPr lang="pt-BR" smtClean="0"/>
-              <a:pPr>
-                <a:defRPr/>
-              </a:pPr>
-              <a:t>3</a:t>
-            </a:fld>
-            <a:endParaRPr lang="pt-BR" sz="798"/>
-          </a:p>
-        </p:txBody>
-      </p:sp>
-      <p:sp>
-        <p:nvSpPr>
-          <p:cNvPr id="2" name="Título 1">
+            <a:r>
+              <a:rPr lang="pt-BR" sz="2750" b="1" dirty="0">
+                <a:solidFill>
+                  <a:srgbClr val="1C1C1C"/>
+                </a:solidFill>
+                <a:latin typeface="Tahoma"/>
+                <a:cs typeface="Tahoma"/>
+              </a:rPr>
+              <a:t>LOUCO</a:t>
+            </a:r>
+            <a:endParaRPr sz="2750" dirty="0">
+              <a:latin typeface="Tahoma"/>
+              <a:cs typeface="Tahoma"/>
+            </a:endParaRPr>
+          </a:p>
+        </p:txBody>
+      </p:sp>
+      <p:sp>
+        <p:nvSpPr>
+          <p:cNvPr id="4" name="object 4"/>
+          <p:cNvSpPr txBox="1"/>
+          <p:nvPr/>
+        </p:nvSpPr>
+        <p:spPr>
+          <a:xfrm>
+            <a:off x="5449570" y="1053211"/>
+            <a:ext cx="1398905" cy="428322"/>
+          </a:xfrm>
+          <a:prstGeom prst="rect">
+            <a:avLst/>
+          </a:prstGeom>
+          <a:solidFill>
+            <a:srgbClr val="62B0BB"/>
+          </a:solidFill>
+        </p:spPr>
+        <p:txBody>
+          <a:bodyPr vert="horz" wrap="square" lIns="0" tIns="5080" rIns="0" bIns="0" rtlCol="0" anchor="ctr">
+            <a:spAutoFit/>
+          </a:bodyPr>
+          <a:lstStyle/>
+          <a:p>
+            <a:pPr marL="3810" algn="ctr">
+              <a:lnSpc>
+                <a:spcPts val="3260"/>
+              </a:lnSpc>
+              <a:spcBef>
+                <a:spcPts val="40"/>
+              </a:spcBef>
+            </a:pPr>
+            <a:r>
+              <a:rPr lang="pt-BR" sz="2750" b="1" spc="-40" dirty="0">
+                <a:solidFill>
+                  <a:srgbClr val="1F2A44"/>
+                </a:solidFill>
+                <a:latin typeface="Tahoma"/>
+                <a:cs typeface="Tahoma"/>
+              </a:rPr>
+              <a:t>TRISTE</a:t>
+            </a:r>
+            <a:endParaRPr sz="2750" dirty="0">
+              <a:latin typeface="Tahoma"/>
+              <a:cs typeface="Tahoma"/>
+            </a:endParaRPr>
+          </a:p>
+        </p:txBody>
+      </p:sp>
+      <p:sp>
+        <p:nvSpPr>
+          <p:cNvPr id="5" name="object 5"/>
+          <p:cNvSpPr txBox="1"/>
+          <p:nvPr/>
+        </p:nvSpPr>
+        <p:spPr>
+          <a:xfrm>
+            <a:off x="9150714" y="1053211"/>
+            <a:ext cx="2120805" cy="428322"/>
+          </a:xfrm>
+          <a:prstGeom prst="rect">
+            <a:avLst/>
+          </a:prstGeom>
+          <a:solidFill>
+            <a:srgbClr val="EC135B"/>
+          </a:solidFill>
+        </p:spPr>
+        <p:txBody>
+          <a:bodyPr vert="horz" wrap="square" lIns="0" tIns="5080" rIns="0" bIns="0" rtlCol="0" anchor="ctr">
+            <a:spAutoFit/>
+          </a:bodyPr>
+          <a:lstStyle/>
+          <a:p>
+            <a:pPr marL="6350" algn="ctr">
+              <a:lnSpc>
+                <a:spcPts val="3260"/>
+              </a:lnSpc>
+              <a:spcBef>
+                <a:spcPts val="40"/>
+              </a:spcBef>
+            </a:pPr>
+            <a:r>
+              <a:rPr lang="pt-BR" sz="2750" b="1" spc="-120" dirty="0">
+                <a:solidFill>
+                  <a:srgbClr val="1F2A44"/>
+                </a:solidFill>
+                <a:latin typeface="Tahoma"/>
+                <a:cs typeface="Tahoma"/>
+              </a:rPr>
+              <a:t>CONTENTE</a:t>
+            </a:r>
+            <a:endParaRPr sz="2750" dirty="0">
+              <a:latin typeface="Tahoma"/>
+              <a:cs typeface="Tahoma"/>
+            </a:endParaRPr>
+          </a:p>
+        </p:txBody>
+      </p:sp>
+      <p:sp>
+        <p:nvSpPr>
+          <p:cNvPr id="7" name="object 7"/>
+          <p:cNvSpPr/>
+          <p:nvPr/>
+        </p:nvSpPr>
+        <p:spPr>
+          <a:xfrm>
+            <a:off x="3886200" y="1295400"/>
+            <a:ext cx="14604" cy="4370070"/>
+          </a:xfrm>
+          <a:custGeom>
+            <a:avLst/>
+            <a:gdLst/>
+            <a:ahLst/>
+            <a:cxnLst/>
+            <a:rect l="l" t="t" r="r" b="b"/>
+            <a:pathLst>
+              <a:path w="14604" h="4370070">
+                <a:moveTo>
+                  <a:pt x="0" y="0"/>
+                </a:moveTo>
+                <a:lnTo>
+                  <a:pt x="14350" y="4369930"/>
+                </a:lnTo>
+              </a:path>
+            </a:pathLst>
+          </a:custGeom>
+          <a:ln w="38100">
+            <a:solidFill>
+              <a:srgbClr val="1C1C1C"/>
+            </a:solidFill>
+          </a:ln>
+        </p:spPr>
+        <p:txBody>
+          <a:bodyPr wrap="square" lIns="0" tIns="0" rIns="0" bIns="0" rtlCol="0" anchor="ctr"/>
+          <a:lstStyle/>
+          <a:p>
+            <a:pPr algn="ctr"/>
+            <a:endParaRPr/>
+          </a:p>
+        </p:txBody>
+      </p:sp>
+      <p:sp>
+        <p:nvSpPr>
+          <p:cNvPr id="8" name="object 8"/>
+          <p:cNvSpPr/>
+          <p:nvPr/>
+        </p:nvSpPr>
+        <p:spPr>
+          <a:xfrm>
+            <a:off x="7924800" y="1504950"/>
+            <a:ext cx="7620" cy="4338320"/>
+          </a:xfrm>
+          <a:custGeom>
+            <a:avLst/>
+            <a:gdLst/>
+            <a:ahLst/>
+            <a:cxnLst/>
+            <a:rect l="l" t="t" r="r" b="b"/>
+            <a:pathLst>
+              <a:path w="7620" h="4338320">
+                <a:moveTo>
+                  <a:pt x="7239" y="0"/>
+                </a:moveTo>
+                <a:lnTo>
+                  <a:pt x="0" y="4338256"/>
+                </a:lnTo>
+              </a:path>
+            </a:pathLst>
+          </a:custGeom>
+          <a:ln w="38100">
+            <a:solidFill>
+              <a:srgbClr val="1C1C1C"/>
+            </a:solidFill>
+          </a:ln>
+        </p:spPr>
+        <p:txBody>
+          <a:bodyPr wrap="square" lIns="0" tIns="0" rIns="0" bIns="0" rtlCol="0" anchor="ctr"/>
+          <a:lstStyle/>
+          <a:p>
+            <a:pPr algn="ctr"/>
+            <a:endParaRPr/>
+          </a:p>
+        </p:txBody>
+      </p:sp>
+      <p:sp>
+        <p:nvSpPr>
+          <p:cNvPr id="10" name="object 10"/>
+          <p:cNvSpPr txBox="1"/>
+          <p:nvPr/>
+        </p:nvSpPr>
+        <p:spPr>
+          <a:xfrm>
+            <a:off x="1219200" y="2381250"/>
+            <a:ext cx="2524125" cy="358431"/>
+          </a:xfrm>
+          <a:prstGeom prst="rect">
+            <a:avLst/>
+          </a:prstGeom>
+          <a:solidFill>
+            <a:srgbClr val="F4719D"/>
+          </a:solidFill>
+        </p:spPr>
+        <p:txBody>
+          <a:bodyPr vert="horz" wrap="square" lIns="0" tIns="50165" rIns="0" bIns="0" rtlCol="0" anchor="ctr">
+            <a:spAutoFit/>
+          </a:bodyPr>
+          <a:lstStyle/>
+          <a:p>
+            <a:pPr algn="ctr">
+              <a:lnSpc>
+                <a:spcPct val="100000"/>
+              </a:lnSpc>
+              <a:spcBef>
+                <a:spcPts val="395"/>
+              </a:spcBef>
+            </a:pPr>
+            <a:r>
+              <a:rPr sz="2000" spc="80" dirty="0">
+                <a:solidFill>
+                  <a:srgbClr val="FFFFFF"/>
+                </a:solidFill>
+                <a:latin typeface="Tahoma"/>
+                <a:cs typeface="Tahoma"/>
+              </a:rPr>
+              <a:t>F</a:t>
+            </a:r>
+            <a:r>
+              <a:rPr sz="2000" spc="-5" dirty="0">
+                <a:solidFill>
+                  <a:srgbClr val="FFFFFF"/>
+                </a:solidFill>
+                <a:latin typeface="Tahoma"/>
+                <a:cs typeface="Tahoma"/>
+              </a:rPr>
+              <a:t>a</a:t>
+            </a:r>
+            <a:r>
+              <a:rPr sz="2000" spc="-10" dirty="0">
+                <a:solidFill>
+                  <a:srgbClr val="FFFFFF"/>
+                </a:solidFill>
+                <a:latin typeface="Tahoma"/>
+                <a:cs typeface="Tahoma"/>
+              </a:rPr>
+              <a:t>l</a:t>
+            </a:r>
+            <a:r>
+              <a:rPr sz="2000" spc="75" dirty="0">
+                <a:solidFill>
+                  <a:srgbClr val="FFFFFF"/>
+                </a:solidFill>
+                <a:latin typeface="Tahoma"/>
+                <a:cs typeface="Tahoma"/>
+              </a:rPr>
+              <a:t>t</a:t>
+            </a:r>
+            <a:r>
+              <a:rPr sz="2000" spc="-15" dirty="0">
+                <a:solidFill>
+                  <a:srgbClr val="FFFFFF"/>
+                </a:solidFill>
+                <a:latin typeface="Tahoma"/>
+                <a:cs typeface="Tahoma"/>
+              </a:rPr>
+              <a:t>a</a:t>
+            </a:r>
+            <a:r>
+              <a:rPr sz="2000" spc="-235" dirty="0">
+                <a:solidFill>
+                  <a:srgbClr val="FFFFFF"/>
+                </a:solidFill>
+                <a:latin typeface="Tahoma"/>
+                <a:cs typeface="Tahoma"/>
+              </a:rPr>
+              <a:t> </a:t>
+            </a:r>
+            <a:r>
+              <a:rPr sz="2000" spc="15" dirty="0">
+                <a:solidFill>
+                  <a:srgbClr val="FFFFFF"/>
+                </a:solidFill>
+                <a:latin typeface="Tahoma"/>
+                <a:cs typeface="Tahoma"/>
+              </a:rPr>
+              <a:t>d</a:t>
+            </a:r>
+            <a:r>
+              <a:rPr sz="2000" spc="25" dirty="0">
+                <a:solidFill>
+                  <a:srgbClr val="FFFFFF"/>
+                </a:solidFill>
+                <a:latin typeface="Tahoma"/>
+                <a:cs typeface="Tahoma"/>
+              </a:rPr>
+              <a:t>e</a:t>
+            </a:r>
+            <a:r>
+              <a:rPr sz="2000" spc="-280" dirty="0">
+                <a:solidFill>
+                  <a:srgbClr val="FFFFFF"/>
+                </a:solidFill>
+                <a:latin typeface="Tahoma"/>
+                <a:cs typeface="Tahoma"/>
+              </a:rPr>
+              <a:t> </a:t>
+            </a:r>
+            <a:r>
+              <a:rPr sz="2000" spc="25" dirty="0">
+                <a:solidFill>
+                  <a:srgbClr val="FFFFFF"/>
+                </a:solidFill>
+                <a:latin typeface="Tahoma"/>
+                <a:cs typeface="Tahoma"/>
+              </a:rPr>
+              <a:t>R</a:t>
+            </a:r>
+            <a:r>
+              <a:rPr sz="2000" spc="-5" dirty="0">
+                <a:solidFill>
+                  <a:srgbClr val="FFFFFF"/>
+                </a:solidFill>
+                <a:latin typeface="Tahoma"/>
+                <a:cs typeface="Tahoma"/>
+              </a:rPr>
+              <a:t>e</a:t>
+            </a:r>
+            <a:r>
+              <a:rPr sz="2000" spc="40" dirty="0">
+                <a:solidFill>
+                  <a:srgbClr val="FFFFFF"/>
+                </a:solidFill>
+                <a:latin typeface="Tahoma"/>
+                <a:cs typeface="Tahoma"/>
+              </a:rPr>
+              <a:t>s</a:t>
+            </a:r>
+            <a:r>
+              <a:rPr sz="2000" spc="55" dirty="0">
+                <a:solidFill>
+                  <a:srgbClr val="FFFFFF"/>
+                </a:solidFill>
+                <a:latin typeface="Tahoma"/>
+                <a:cs typeface="Tahoma"/>
+              </a:rPr>
+              <a:t>p</a:t>
+            </a:r>
+            <a:r>
+              <a:rPr sz="2000" spc="-5" dirty="0">
+                <a:solidFill>
+                  <a:srgbClr val="FFFFFF"/>
+                </a:solidFill>
+                <a:latin typeface="Tahoma"/>
+                <a:cs typeface="Tahoma"/>
+              </a:rPr>
+              <a:t>e</a:t>
+            </a:r>
+            <a:r>
+              <a:rPr sz="2000" spc="65" dirty="0">
+                <a:solidFill>
+                  <a:srgbClr val="FFFFFF"/>
+                </a:solidFill>
+                <a:latin typeface="Tahoma"/>
+                <a:cs typeface="Tahoma"/>
+              </a:rPr>
+              <a:t>i</a:t>
+            </a:r>
+            <a:r>
+              <a:rPr sz="2000" spc="75" dirty="0">
+                <a:solidFill>
+                  <a:srgbClr val="FFFFFF"/>
+                </a:solidFill>
+                <a:latin typeface="Tahoma"/>
+                <a:cs typeface="Tahoma"/>
+              </a:rPr>
+              <a:t>t</a:t>
+            </a:r>
+            <a:r>
+              <a:rPr sz="2000" spc="15" dirty="0">
+                <a:solidFill>
+                  <a:srgbClr val="FFFFFF"/>
+                </a:solidFill>
+                <a:latin typeface="Tahoma"/>
+                <a:cs typeface="Tahoma"/>
+              </a:rPr>
+              <a:t>o</a:t>
+            </a:r>
+            <a:endParaRPr sz="2000" dirty="0">
+              <a:latin typeface="Tahoma"/>
+              <a:cs typeface="Tahoma"/>
+            </a:endParaRPr>
+          </a:p>
+        </p:txBody>
+      </p:sp>
+      <p:sp>
+        <p:nvSpPr>
+          <p:cNvPr id="11" name="object 11"/>
+          <p:cNvSpPr txBox="1"/>
+          <p:nvPr/>
+        </p:nvSpPr>
+        <p:spPr>
+          <a:xfrm>
+            <a:off x="152400" y="1819275"/>
+            <a:ext cx="1638300" cy="359073"/>
+          </a:xfrm>
+          <a:prstGeom prst="rect">
+            <a:avLst/>
+          </a:prstGeom>
+          <a:solidFill>
+            <a:srgbClr val="7188BE"/>
+          </a:solidFill>
+        </p:spPr>
+        <p:txBody>
+          <a:bodyPr vert="horz" wrap="square" lIns="0" tIns="50800" rIns="0" bIns="0" rtlCol="0" anchor="ctr">
+            <a:spAutoFit/>
+          </a:bodyPr>
+          <a:lstStyle/>
+          <a:p>
+            <a:pPr algn="ctr">
+              <a:lnSpc>
+                <a:spcPct val="100000"/>
+              </a:lnSpc>
+              <a:spcBef>
+                <a:spcPts val="400"/>
+              </a:spcBef>
+            </a:pPr>
+            <a:r>
+              <a:rPr sz="2000" spc="40" dirty="0">
+                <a:solidFill>
+                  <a:srgbClr val="F1F1F1"/>
+                </a:solidFill>
+                <a:latin typeface="Tahoma"/>
+                <a:cs typeface="Tahoma"/>
+              </a:rPr>
+              <a:t>Pressão</a:t>
+            </a:r>
+            <a:endParaRPr sz="2000" dirty="0">
+              <a:latin typeface="Tahoma"/>
+              <a:cs typeface="Tahoma"/>
+            </a:endParaRPr>
+          </a:p>
+        </p:txBody>
+      </p:sp>
+      <p:sp>
+        <p:nvSpPr>
+          <p:cNvPr id="12" name="object 12"/>
+          <p:cNvSpPr txBox="1"/>
+          <p:nvPr/>
+        </p:nvSpPr>
+        <p:spPr>
+          <a:xfrm>
+            <a:off x="4818247" y="1655178"/>
+            <a:ext cx="2982728" cy="362920"/>
+          </a:xfrm>
+          <a:prstGeom prst="rect">
+            <a:avLst/>
+          </a:prstGeom>
+          <a:solidFill>
+            <a:srgbClr val="00AFEF"/>
+          </a:solidFill>
+        </p:spPr>
+        <p:txBody>
+          <a:bodyPr vert="horz" wrap="square" lIns="0" tIns="54610" rIns="0" bIns="0" rtlCol="0" anchor="ctr">
+            <a:spAutoFit/>
+          </a:bodyPr>
+          <a:lstStyle/>
+          <a:p>
+            <a:pPr algn="ctr">
+              <a:lnSpc>
+                <a:spcPct val="100000"/>
+              </a:lnSpc>
+              <a:spcBef>
+                <a:spcPts val="430"/>
+              </a:spcBef>
+            </a:pPr>
+            <a:r>
+              <a:rPr lang="pt-BR" sz="2000" spc="5" dirty="0">
+                <a:solidFill>
+                  <a:srgbClr val="F1F1F1"/>
+                </a:solidFill>
+                <a:latin typeface="Tahoma"/>
+                <a:cs typeface="Tahoma"/>
+              </a:rPr>
+              <a:t>Falta de </a:t>
+            </a:r>
+            <a:r>
+              <a:rPr sz="2000" spc="5" dirty="0" err="1">
+                <a:solidFill>
+                  <a:srgbClr val="F1F1F1"/>
+                </a:solidFill>
+                <a:latin typeface="Tahoma"/>
+                <a:cs typeface="Tahoma"/>
+              </a:rPr>
+              <a:t>Planejamento</a:t>
+            </a:r>
+            <a:endParaRPr sz="2000" dirty="0">
+              <a:latin typeface="Tahoma"/>
+              <a:cs typeface="Tahoma"/>
+            </a:endParaRPr>
+          </a:p>
+        </p:txBody>
+      </p:sp>
+      <p:sp>
+        <p:nvSpPr>
+          <p:cNvPr id="13" name="object 13"/>
+          <p:cNvSpPr txBox="1"/>
+          <p:nvPr/>
+        </p:nvSpPr>
+        <p:spPr>
+          <a:xfrm>
+            <a:off x="8286750" y="1714500"/>
+            <a:ext cx="2000250" cy="362920"/>
+          </a:xfrm>
+          <a:prstGeom prst="rect">
+            <a:avLst/>
+          </a:prstGeom>
+          <a:solidFill>
+            <a:srgbClr val="E49217"/>
+          </a:solidFill>
+        </p:spPr>
+        <p:txBody>
+          <a:bodyPr vert="horz" wrap="square" lIns="0" tIns="54610" rIns="0" bIns="0" rtlCol="0" anchor="ctr">
+            <a:spAutoFit/>
+          </a:bodyPr>
+          <a:lstStyle/>
+          <a:p>
+            <a:pPr algn="ctr">
+              <a:lnSpc>
+                <a:spcPct val="100000"/>
+              </a:lnSpc>
+              <a:spcBef>
+                <a:spcPts val="430"/>
+              </a:spcBef>
+            </a:pPr>
+            <a:r>
+              <a:rPr sz="2000" spc="15" dirty="0">
+                <a:solidFill>
+                  <a:srgbClr val="F1F1F1"/>
+                </a:solidFill>
+                <a:latin typeface="Tahoma"/>
+                <a:cs typeface="Tahoma"/>
+              </a:rPr>
+              <a:t>Aprendizado</a:t>
+            </a:r>
+            <a:endParaRPr sz="2000" dirty="0">
+              <a:latin typeface="Tahoma"/>
+              <a:cs typeface="Tahoma"/>
+            </a:endParaRPr>
+          </a:p>
+        </p:txBody>
+      </p:sp>
+      <p:sp>
+        <p:nvSpPr>
+          <p:cNvPr id="14" name="object 14"/>
+          <p:cNvSpPr txBox="1"/>
+          <p:nvPr/>
+        </p:nvSpPr>
+        <p:spPr>
+          <a:xfrm>
+            <a:off x="9772650" y="2219325"/>
+            <a:ext cx="2305050" cy="362279"/>
+          </a:xfrm>
+          <a:prstGeom prst="rect">
+            <a:avLst/>
+          </a:prstGeom>
+          <a:solidFill>
+            <a:srgbClr val="418B96"/>
+          </a:solidFill>
+        </p:spPr>
+        <p:txBody>
+          <a:bodyPr vert="horz" wrap="square" lIns="0" tIns="53975" rIns="0" bIns="0" rtlCol="0" anchor="ctr">
+            <a:spAutoFit/>
+          </a:bodyPr>
+          <a:lstStyle/>
+          <a:p>
+            <a:pPr algn="ctr">
+              <a:lnSpc>
+                <a:spcPct val="100000"/>
+              </a:lnSpc>
+              <a:spcBef>
+                <a:spcPts val="425"/>
+              </a:spcBef>
+            </a:pPr>
+            <a:r>
+              <a:rPr sz="2000" spc="70" dirty="0">
+                <a:solidFill>
+                  <a:srgbClr val="F1F1F1"/>
+                </a:solidFill>
+                <a:latin typeface="Tahoma"/>
+                <a:cs typeface="Tahoma"/>
+              </a:rPr>
+              <a:t>E</a:t>
+            </a:r>
+            <a:r>
+              <a:rPr sz="2000" spc="5" dirty="0">
+                <a:solidFill>
+                  <a:srgbClr val="F1F1F1"/>
+                </a:solidFill>
+                <a:latin typeface="Tahoma"/>
+                <a:cs typeface="Tahoma"/>
+              </a:rPr>
+              <a:t>n</a:t>
+            </a:r>
+            <a:r>
+              <a:rPr sz="2000" spc="75" dirty="0">
+                <a:solidFill>
+                  <a:srgbClr val="F1F1F1"/>
+                </a:solidFill>
+                <a:latin typeface="Tahoma"/>
+                <a:cs typeface="Tahoma"/>
+              </a:rPr>
+              <a:t>t</a:t>
+            </a:r>
+            <a:r>
+              <a:rPr sz="2000" spc="25" dirty="0">
+                <a:solidFill>
+                  <a:srgbClr val="F1F1F1"/>
+                </a:solidFill>
+                <a:latin typeface="Tahoma"/>
+                <a:cs typeface="Tahoma"/>
+              </a:rPr>
+              <a:t>r</a:t>
+            </a:r>
+            <a:r>
+              <a:rPr sz="2000" spc="-10" dirty="0">
+                <a:solidFill>
+                  <a:srgbClr val="F1F1F1"/>
+                </a:solidFill>
+                <a:latin typeface="Tahoma"/>
+                <a:cs typeface="Tahoma"/>
+              </a:rPr>
+              <a:t>e</a:t>
+            </a:r>
+            <a:r>
+              <a:rPr sz="2000" spc="-60" dirty="0">
+                <a:solidFill>
+                  <a:srgbClr val="F1F1F1"/>
+                </a:solidFill>
+                <a:latin typeface="Tahoma"/>
+                <a:cs typeface="Tahoma"/>
+              </a:rPr>
+              <a:t>g</a:t>
+            </a:r>
+            <a:r>
+              <a:rPr sz="2000" spc="-15" dirty="0">
+                <a:solidFill>
+                  <a:srgbClr val="F1F1F1"/>
+                </a:solidFill>
+                <a:latin typeface="Tahoma"/>
+                <a:cs typeface="Tahoma"/>
+              </a:rPr>
+              <a:t>a</a:t>
+            </a:r>
+            <a:r>
+              <a:rPr sz="2000" spc="-315" dirty="0">
+                <a:solidFill>
+                  <a:srgbClr val="F1F1F1"/>
+                </a:solidFill>
+                <a:latin typeface="Tahoma"/>
+                <a:cs typeface="Tahoma"/>
+              </a:rPr>
+              <a:t> </a:t>
+            </a:r>
+            <a:r>
+              <a:rPr sz="2000" spc="15" dirty="0">
+                <a:solidFill>
+                  <a:srgbClr val="F1F1F1"/>
+                </a:solidFill>
+                <a:latin typeface="Tahoma"/>
+                <a:cs typeface="Tahoma"/>
+              </a:rPr>
+              <a:t>do</a:t>
+            </a:r>
+            <a:r>
+              <a:rPr sz="2000" spc="-235" dirty="0">
+                <a:solidFill>
+                  <a:srgbClr val="F1F1F1"/>
+                </a:solidFill>
+                <a:latin typeface="Tahoma"/>
+                <a:cs typeface="Tahoma"/>
+              </a:rPr>
+              <a:t> </a:t>
+            </a:r>
+            <a:r>
+              <a:rPr sz="2000" spc="65" dirty="0">
+                <a:solidFill>
+                  <a:srgbClr val="F1F1F1"/>
+                </a:solidFill>
+                <a:latin typeface="Tahoma"/>
+                <a:cs typeface="Tahoma"/>
+              </a:rPr>
+              <a:t>P</a:t>
+            </a:r>
+            <a:r>
+              <a:rPr sz="2000" spc="55" dirty="0">
+                <a:solidFill>
+                  <a:srgbClr val="F1F1F1"/>
+                </a:solidFill>
+                <a:latin typeface="Tahoma"/>
+                <a:cs typeface="Tahoma"/>
+              </a:rPr>
+              <a:t>r</a:t>
+            </a:r>
+            <a:r>
+              <a:rPr sz="2000" spc="30" dirty="0">
+                <a:solidFill>
+                  <a:srgbClr val="F1F1F1"/>
+                </a:solidFill>
+                <a:latin typeface="Tahoma"/>
+                <a:cs typeface="Tahoma"/>
+              </a:rPr>
+              <a:t>o</a:t>
+            </a:r>
+            <a:r>
+              <a:rPr sz="2000" spc="-45" dirty="0">
+                <a:solidFill>
+                  <a:srgbClr val="F1F1F1"/>
+                </a:solidFill>
+                <a:latin typeface="Tahoma"/>
+                <a:cs typeface="Tahoma"/>
+              </a:rPr>
+              <a:t>j</a:t>
+            </a:r>
+            <a:r>
+              <a:rPr sz="2000" spc="-10" dirty="0">
+                <a:solidFill>
+                  <a:srgbClr val="F1F1F1"/>
+                </a:solidFill>
+                <a:latin typeface="Tahoma"/>
+                <a:cs typeface="Tahoma"/>
+              </a:rPr>
+              <a:t>e</a:t>
+            </a:r>
+            <a:r>
+              <a:rPr sz="2000" spc="75" dirty="0">
+                <a:solidFill>
+                  <a:srgbClr val="F1F1F1"/>
+                </a:solidFill>
+                <a:latin typeface="Tahoma"/>
+                <a:cs typeface="Tahoma"/>
+              </a:rPr>
+              <a:t>t</a:t>
+            </a:r>
+            <a:r>
+              <a:rPr sz="2000" spc="15" dirty="0">
+                <a:solidFill>
+                  <a:srgbClr val="F1F1F1"/>
+                </a:solidFill>
+                <a:latin typeface="Tahoma"/>
+                <a:cs typeface="Tahoma"/>
+              </a:rPr>
+              <a:t>o</a:t>
+            </a:r>
+            <a:endParaRPr sz="2000" dirty="0">
+              <a:latin typeface="Tahoma"/>
+              <a:cs typeface="Tahoma"/>
+            </a:endParaRPr>
+          </a:p>
+        </p:txBody>
+      </p:sp>
+      <p:sp>
+        <p:nvSpPr>
+          <p:cNvPr id="15" name="object 15"/>
+          <p:cNvSpPr/>
+          <p:nvPr/>
+        </p:nvSpPr>
+        <p:spPr>
+          <a:xfrm>
+            <a:off x="9525" y="3028950"/>
+            <a:ext cx="3400425" cy="400050"/>
+          </a:xfrm>
+          <a:custGeom>
+            <a:avLst/>
+            <a:gdLst/>
+            <a:ahLst/>
+            <a:cxnLst/>
+            <a:rect l="l" t="t" r="r" b="b"/>
+            <a:pathLst>
+              <a:path w="3400425" h="400050">
+                <a:moveTo>
+                  <a:pt x="3400425" y="0"/>
+                </a:moveTo>
+                <a:lnTo>
+                  <a:pt x="0" y="0"/>
+                </a:lnTo>
+                <a:lnTo>
+                  <a:pt x="0" y="400050"/>
+                </a:lnTo>
+                <a:lnTo>
+                  <a:pt x="3400425" y="400050"/>
+                </a:lnTo>
+                <a:lnTo>
+                  <a:pt x="3400425" y="0"/>
+                </a:lnTo>
+                <a:close/>
+              </a:path>
+            </a:pathLst>
+          </a:custGeom>
+          <a:solidFill>
+            <a:srgbClr val="418B96"/>
+          </a:solidFill>
+        </p:spPr>
+        <p:txBody>
+          <a:bodyPr wrap="square" lIns="0" tIns="0" rIns="0" bIns="0" rtlCol="0" anchor="ctr"/>
+          <a:lstStyle/>
+          <a:p>
+            <a:pPr algn="ctr"/>
+            <a:endParaRPr/>
+          </a:p>
+        </p:txBody>
+      </p:sp>
+      <p:sp>
+        <p:nvSpPr>
+          <p:cNvPr id="16" name="object 16"/>
+          <p:cNvSpPr txBox="1"/>
+          <p:nvPr/>
+        </p:nvSpPr>
+        <p:spPr>
+          <a:xfrm>
+            <a:off x="171767" y="3062986"/>
+            <a:ext cx="3068320" cy="335280"/>
+          </a:xfrm>
+          <a:prstGeom prst="rect">
+            <a:avLst/>
+          </a:prstGeom>
+        </p:spPr>
+        <p:txBody>
+          <a:bodyPr vert="horz" wrap="square" lIns="0" tIns="16510" rIns="0" bIns="0" rtlCol="0" anchor="ctr">
+            <a:spAutoFit/>
+          </a:bodyPr>
+          <a:lstStyle/>
+          <a:p>
+            <a:pPr algn="ctr">
+              <a:lnSpc>
+                <a:spcPct val="100000"/>
+              </a:lnSpc>
+              <a:spcBef>
+                <a:spcPts val="130"/>
+              </a:spcBef>
+            </a:pPr>
+            <a:r>
+              <a:rPr sz="2000" spc="80" dirty="0">
+                <a:solidFill>
+                  <a:srgbClr val="F1F1F1"/>
+                </a:solidFill>
+                <a:latin typeface="Tahoma"/>
+                <a:cs typeface="Tahoma"/>
+              </a:rPr>
+              <a:t>F</a:t>
+            </a:r>
+            <a:r>
+              <a:rPr sz="2000" spc="-5" dirty="0">
+                <a:solidFill>
+                  <a:srgbClr val="F1F1F1"/>
+                </a:solidFill>
+                <a:latin typeface="Tahoma"/>
+                <a:cs typeface="Tahoma"/>
+              </a:rPr>
+              <a:t>a</a:t>
+            </a:r>
+            <a:r>
+              <a:rPr sz="2000" spc="-15" dirty="0">
+                <a:solidFill>
+                  <a:srgbClr val="F1F1F1"/>
+                </a:solidFill>
+                <a:latin typeface="Tahoma"/>
+                <a:cs typeface="Tahoma"/>
+              </a:rPr>
+              <a:t>l</a:t>
+            </a:r>
+            <a:r>
+              <a:rPr sz="2000" spc="75" dirty="0">
+                <a:solidFill>
+                  <a:srgbClr val="F1F1F1"/>
+                </a:solidFill>
+                <a:latin typeface="Tahoma"/>
+                <a:cs typeface="Tahoma"/>
+              </a:rPr>
+              <a:t>t</a:t>
+            </a:r>
+            <a:r>
+              <a:rPr sz="2000" spc="-15" dirty="0">
+                <a:solidFill>
+                  <a:srgbClr val="F1F1F1"/>
+                </a:solidFill>
+                <a:latin typeface="Tahoma"/>
+                <a:cs typeface="Tahoma"/>
+              </a:rPr>
+              <a:t>a</a:t>
+            </a:r>
+            <a:r>
+              <a:rPr sz="2000" spc="-240" dirty="0">
+                <a:solidFill>
+                  <a:srgbClr val="F1F1F1"/>
+                </a:solidFill>
+                <a:latin typeface="Tahoma"/>
+                <a:cs typeface="Tahoma"/>
+              </a:rPr>
+              <a:t> </a:t>
+            </a:r>
+            <a:r>
+              <a:rPr sz="2000" spc="10" dirty="0">
+                <a:solidFill>
+                  <a:srgbClr val="F1F1F1"/>
+                </a:solidFill>
+                <a:latin typeface="Tahoma"/>
+                <a:cs typeface="Tahoma"/>
+              </a:rPr>
+              <a:t>d</a:t>
+            </a:r>
+            <a:r>
+              <a:rPr sz="2000" spc="25" dirty="0">
+                <a:solidFill>
+                  <a:srgbClr val="F1F1F1"/>
+                </a:solidFill>
+                <a:latin typeface="Tahoma"/>
+                <a:cs typeface="Tahoma"/>
+              </a:rPr>
+              <a:t>e</a:t>
+            </a:r>
+            <a:r>
+              <a:rPr sz="2000" spc="-285" dirty="0">
+                <a:solidFill>
+                  <a:srgbClr val="F1F1F1"/>
+                </a:solidFill>
+                <a:latin typeface="Tahoma"/>
+                <a:cs typeface="Tahoma"/>
+              </a:rPr>
+              <a:t> </a:t>
+            </a:r>
+            <a:r>
+              <a:rPr sz="2000" spc="-5" dirty="0">
+                <a:solidFill>
+                  <a:srgbClr val="F1F1F1"/>
+                </a:solidFill>
+                <a:latin typeface="Tahoma"/>
+                <a:cs typeface="Tahoma"/>
+              </a:rPr>
+              <a:t>C</a:t>
+            </a:r>
+            <a:r>
+              <a:rPr sz="2000" spc="35" dirty="0">
+                <a:solidFill>
+                  <a:srgbClr val="F1F1F1"/>
+                </a:solidFill>
+                <a:latin typeface="Tahoma"/>
+                <a:cs typeface="Tahoma"/>
+              </a:rPr>
+              <a:t>o</a:t>
+            </a:r>
+            <a:r>
+              <a:rPr sz="2000" spc="-35" dirty="0">
+                <a:solidFill>
+                  <a:srgbClr val="F1F1F1"/>
+                </a:solidFill>
+                <a:latin typeface="Tahoma"/>
+                <a:cs typeface="Tahoma"/>
+              </a:rPr>
+              <a:t>m</a:t>
+            </a:r>
+            <a:r>
+              <a:rPr sz="2000" spc="20" dirty="0">
+                <a:solidFill>
+                  <a:srgbClr val="F1F1F1"/>
+                </a:solidFill>
+                <a:latin typeface="Tahoma"/>
+                <a:cs typeface="Tahoma"/>
+              </a:rPr>
+              <a:t>pr</a:t>
+            </a:r>
+            <a:r>
+              <a:rPr sz="2000" spc="35" dirty="0">
+                <a:solidFill>
+                  <a:srgbClr val="F1F1F1"/>
+                </a:solidFill>
+                <a:latin typeface="Tahoma"/>
+                <a:cs typeface="Tahoma"/>
+              </a:rPr>
+              <a:t>o</a:t>
+            </a:r>
+            <a:r>
+              <a:rPr sz="2000" spc="-35" dirty="0">
+                <a:solidFill>
+                  <a:srgbClr val="F1F1F1"/>
+                </a:solidFill>
+                <a:latin typeface="Tahoma"/>
+                <a:cs typeface="Tahoma"/>
+              </a:rPr>
+              <a:t>m</a:t>
+            </a:r>
+            <a:r>
+              <a:rPr sz="2000" spc="-10" dirty="0">
+                <a:solidFill>
+                  <a:srgbClr val="F1F1F1"/>
+                </a:solidFill>
+                <a:latin typeface="Tahoma"/>
+                <a:cs typeface="Tahoma"/>
+              </a:rPr>
+              <a:t>e</a:t>
+            </a:r>
+            <a:r>
+              <a:rPr sz="2000" spc="75" dirty="0">
+                <a:solidFill>
+                  <a:srgbClr val="F1F1F1"/>
+                </a:solidFill>
+                <a:latin typeface="Tahoma"/>
+                <a:cs typeface="Tahoma"/>
+              </a:rPr>
+              <a:t>t</a:t>
+            </a:r>
+            <a:r>
+              <a:rPr sz="2000" spc="65" dirty="0">
+                <a:solidFill>
+                  <a:srgbClr val="F1F1F1"/>
+                </a:solidFill>
+                <a:latin typeface="Tahoma"/>
+                <a:cs typeface="Tahoma"/>
+              </a:rPr>
+              <a:t>i</a:t>
+            </a:r>
+            <a:r>
+              <a:rPr sz="2000" spc="-35" dirty="0">
+                <a:solidFill>
+                  <a:srgbClr val="F1F1F1"/>
+                </a:solidFill>
+                <a:latin typeface="Tahoma"/>
+                <a:cs typeface="Tahoma"/>
+              </a:rPr>
+              <a:t>m</a:t>
+            </a:r>
+            <a:r>
+              <a:rPr sz="2000" spc="-10" dirty="0">
+                <a:solidFill>
+                  <a:srgbClr val="F1F1F1"/>
+                </a:solidFill>
+                <a:latin typeface="Tahoma"/>
+                <a:cs typeface="Tahoma"/>
+              </a:rPr>
+              <a:t>e</a:t>
+            </a:r>
+            <a:r>
+              <a:rPr sz="2000" dirty="0">
+                <a:solidFill>
+                  <a:srgbClr val="F1F1F1"/>
+                </a:solidFill>
+                <a:latin typeface="Tahoma"/>
+                <a:cs typeface="Tahoma"/>
+              </a:rPr>
+              <a:t>n</a:t>
+            </a:r>
+            <a:r>
+              <a:rPr sz="2000" spc="75" dirty="0">
+                <a:solidFill>
+                  <a:srgbClr val="F1F1F1"/>
+                </a:solidFill>
+                <a:latin typeface="Tahoma"/>
+                <a:cs typeface="Tahoma"/>
+              </a:rPr>
+              <a:t>t</a:t>
+            </a:r>
+            <a:r>
+              <a:rPr sz="2000" spc="20" dirty="0">
+                <a:solidFill>
+                  <a:srgbClr val="F1F1F1"/>
+                </a:solidFill>
+                <a:latin typeface="Tahoma"/>
+                <a:cs typeface="Tahoma"/>
+              </a:rPr>
+              <a:t>o</a:t>
+            </a:r>
+            <a:endParaRPr sz="2000" dirty="0">
+              <a:latin typeface="Tahoma"/>
+              <a:cs typeface="Tahoma"/>
+            </a:endParaRPr>
+          </a:p>
+        </p:txBody>
+      </p:sp>
+      <p:sp>
+        <p:nvSpPr>
+          <p:cNvPr id="17" name="object 17"/>
+          <p:cNvSpPr txBox="1"/>
+          <p:nvPr/>
+        </p:nvSpPr>
+        <p:spPr>
+          <a:xfrm>
+            <a:off x="4391025" y="3171825"/>
+            <a:ext cx="3409950" cy="667490"/>
+          </a:xfrm>
+          <a:prstGeom prst="rect">
+            <a:avLst/>
+          </a:prstGeom>
+          <a:solidFill>
+            <a:srgbClr val="044995"/>
+          </a:solidFill>
+        </p:spPr>
+        <p:txBody>
+          <a:bodyPr vert="horz" wrap="square" lIns="0" tIns="51435" rIns="0" bIns="0" rtlCol="0" anchor="ctr">
+            <a:spAutoFit/>
+          </a:bodyPr>
+          <a:lstStyle/>
+          <a:p>
+            <a:pPr marR="334010" algn="ctr">
+              <a:lnSpc>
+                <a:spcPct val="100000"/>
+              </a:lnSpc>
+              <a:spcBef>
+                <a:spcPts val="405"/>
+              </a:spcBef>
+            </a:pPr>
+            <a:r>
+              <a:rPr sz="2000" dirty="0">
+                <a:solidFill>
+                  <a:srgbClr val="F1F1F1"/>
+                </a:solidFill>
+                <a:latin typeface="Tahoma"/>
+                <a:cs typeface="Tahoma"/>
+              </a:rPr>
+              <a:t>A</a:t>
+            </a:r>
+            <a:r>
+              <a:rPr sz="2000" spc="15" dirty="0">
+                <a:solidFill>
+                  <a:srgbClr val="F1F1F1"/>
+                </a:solidFill>
+                <a:latin typeface="Tahoma"/>
+                <a:cs typeface="Tahoma"/>
+              </a:rPr>
+              <a:t>b</a:t>
+            </a:r>
+            <a:r>
+              <a:rPr sz="2000" spc="-5" dirty="0">
+                <a:solidFill>
+                  <a:srgbClr val="F1F1F1"/>
+                </a:solidFill>
+                <a:latin typeface="Tahoma"/>
+                <a:cs typeface="Tahoma"/>
+              </a:rPr>
+              <a:t>a</a:t>
+            </a:r>
+            <a:r>
+              <a:rPr sz="2000" spc="5" dirty="0">
+                <a:solidFill>
+                  <a:srgbClr val="F1F1F1"/>
+                </a:solidFill>
+                <a:latin typeface="Tahoma"/>
+                <a:cs typeface="Tahoma"/>
+              </a:rPr>
+              <a:t>n</a:t>
+            </a:r>
+            <a:r>
+              <a:rPr sz="2000" spc="15" dirty="0">
+                <a:solidFill>
+                  <a:srgbClr val="F1F1F1"/>
+                </a:solidFill>
+                <a:latin typeface="Tahoma"/>
+                <a:cs typeface="Tahoma"/>
+              </a:rPr>
+              <a:t>d</a:t>
+            </a:r>
+            <a:r>
+              <a:rPr sz="2000" spc="35" dirty="0">
+                <a:solidFill>
+                  <a:srgbClr val="F1F1F1"/>
+                </a:solidFill>
+                <a:latin typeface="Tahoma"/>
+                <a:cs typeface="Tahoma"/>
+              </a:rPr>
+              <a:t>o</a:t>
+            </a:r>
+            <a:r>
+              <a:rPr sz="2000" spc="5" dirty="0">
+                <a:solidFill>
+                  <a:srgbClr val="F1F1F1"/>
+                </a:solidFill>
+                <a:latin typeface="Tahoma"/>
+                <a:cs typeface="Tahoma"/>
+              </a:rPr>
+              <a:t>n</a:t>
+            </a:r>
+            <a:r>
+              <a:rPr sz="2000" spc="15" dirty="0">
+                <a:solidFill>
+                  <a:srgbClr val="F1F1F1"/>
+                </a:solidFill>
+                <a:latin typeface="Tahoma"/>
+                <a:cs typeface="Tahoma"/>
+              </a:rPr>
+              <a:t>o</a:t>
+            </a:r>
+            <a:r>
+              <a:rPr sz="2000" spc="-305" dirty="0">
+                <a:solidFill>
+                  <a:srgbClr val="F1F1F1"/>
+                </a:solidFill>
+                <a:latin typeface="Tahoma"/>
+                <a:cs typeface="Tahoma"/>
+              </a:rPr>
+              <a:t> </a:t>
+            </a:r>
+            <a:r>
+              <a:rPr sz="2000" spc="15" dirty="0">
+                <a:solidFill>
+                  <a:srgbClr val="F1F1F1"/>
+                </a:solidFill>
+                <a:latin typeface="Tahoma"/>
+                <a:cs typeface="Tahoma"/>
+              </a:rPr>
+              <a:t>do</a:t>
+            </a:r>
+            <a:r>
+              <a:rPr sz="2000" spc="-380" dirty="0">
+                <a:solidFill>
+                  <a:srgbClr val="F1F1F1"/>
+                </a:solidFill>
+                <a:latin typeface="Tahoma"/>
+                <a:cs typeface="Tahoma"/>
+              </a:rPr>
+              <a:t> </a:t>
+            </a:r>
+            <a:r>
+              <a:rPr sz="2000" spc="65" dirty="0">
+                <a:solidFill>
+                  <a:srgbClr val="F1F1F1"/>
+                </a:solidFill>
+                <a:latin typeface="Tahoma"/>
+                <a:cs typeface="Tahoma"/>
+              </a:rPr>
+              <a:t>P</a:t>
+            </a:r>
+            <a:r>
+              <a:rPr sz="2000" spc="55" dirty="0">
+                <a:solidFill>
+                  <a:srgbClr val="F1F1F1"/>
+                </a:solidFill>
+                <a:latin typeface="Tahoma"/>
+                <a:cs typeface="Tahoma"/>
+              </a:rPr>
+              <a:t>r</a:t>
+            </a:r>
+            <a:r>
+              <a:rPr sz="2000" spc="35" dirty="0">
+                <a:solidFill>
+                  <a:srgbClr val="F1F1F1"/>
+                </a:solidFill>
+                <a:latin typeface="Tahoma"/>
+                <a:cs typeface="Tahoma"/>
+              </a:rPr>
+              <a:t>o</a:t>
+            </a:r>
+            <a:r>
+              <a:rPr sz="2000" spc="-45" dirty="0">
+                <a:solidFill>
+                  <a:srgbClr val="F1F1F1"/>
+                </a:solidFill>
+                <a:latin typeface="Tahoma"/>
+                <a:cs typeface="Tahoma"/>
+              </a:rPr>
+              <a:t>j</a:t>
+            </a:r>
+            <a:r>
+              <a:rPr sz="2000" spc="-5" dirty="0">
+                <a:solidFill>
+                  <a:srgbClr val="F1F1F1"/>
+                </a:solidFill>
+                <a:latin typeface="Tahoma"/>
+                <a:cs typeface="Tahoma"/>
+              </a:rPr>
+              <a:t>e</a:t>
+            </a:r>
+            <a:r>
+              <a:rPr sz="2000" spc="75" dirty="0">
+                <a:solidFill>
+                  <a:srgbClr val="F1F1F1"/>
+                </a:solidFill>
+                <a:latin typeface="Tahoma"/>
+                <a:cs typeface="Tahoma"/>
+              </a:rPr>
+              <a:t>t</a:t>
+            </a:r>
+            <a:r>
+              <a:rPr sz="2000" spc="15" dirty="0">
+                <a:solidFill>
+                  <a:srgbClr val="F1F1F1"/>
+                </a:solidFill>
+                <a:latin typeface="Tahoma"/>
+                <a:cs typeface="Tahoma"/>
+              </a:rPr>
+              <a:t>o</a:t>
+            </a:r>
+            <a:r>
+              <a:rPr sz="2000" spc="-380" dirty="0">
+                <a:solidFill>
+                  <a:srgbClr val="F1F1F1"/>
+                </a:solidFill>
+                <a:latin typeface="Tahoma"/>
+                <a:cs typeface="Tahoma"/>
+              </a:rPr>
+              <a:t> </a:t>
+            </a:r>
+            <a:r>
+              <a:rPr sz="2000" spc="15" dirty="0">
+                <a:solidFill>
+                  <a:srgbClr val="F1F1F1"/>
+                </a:solidFill>
+                <a:latin typeface="Tahoma"/>
+                <a:cs typeface="Tahoma"/>
+              </a:rPr>
+              <a:t>p</a:t>
+            </a:r>
+            <a:r>
+              <a:rPr sz="2000" spc="35" dirty="0">
+                <a:solidFill>
+                  <a:srgbClr val="F1F1F1"/>
+                </a:solidFill>
+                <a:latin typeface="Tahoma"/>
+                <a:cs typeface="Tahoma"/>
+              </a:rPr>
+              <a:t>o</a:t>
+            </a:r>
+            <a:r>
+              <a:rPr sz="2000" spc="15" dirty="0">
+                <a:solidFill>
+                  <a:srgbClr val="F1F1F1"/>
+                </a:solidFill>
+                <a:latin typeface="Tahoma"/>
+                <a:cs typeface="Tahoma"/>
+              </a:rPr>
+              <a:t>r  </a:t>
+            </a:r>
+            <a:r>
+              <a:rPr sz="2000" dirty="0">
+                <a:solidFill>
+                  <a:srgbClr val="F1F1F1"/>
+                </a:solidFill>
+                <a:latin typeface="Tahoma"/>
+                <a:cs typeface="Tahoma"/>
+              </a:rPr>
+              <a:t>p</a:t>
+            </a:r>
+            <a:r>
+              <a:rPr sz="2000" spc="15" dirty="0">
+                <a:solidFill>
+                  <a:srgbClr val="F1F1F1"/>
+                </a:solidFill>
+                <a:latin typeface="Tahoma"/>
+                <a:cs typeface="Tahoma"/>
+              </a:rPr>
+              <a:t>a</a:t>
+            </a:r>
+            <a:r>
+              <a:rPr sz="2000" spc="25" dirty="0">
+                <a:solidFill>
+                  <a:srgbClr val="F1F1F1"/>
+                </a:solidFill>
+                <a:latin typeface="Tahoma"/>
+                <a:cs typeface="Tahoma"/>
+              </a:rPr>
+              <a:t>r</a:t>
+            </a:r>
+            <a:r>
+              <a:rPr sz="2000" spc="75" dirty="0">
+                <a:solidFill>
+                  <a:srgbClr val="F1F1F1"/>
+                </a:solidFill>
+                <a:latin typeface="Tahoma"/>
+                <a:cs typeface="Tahoma"/>
+              </a:rPr>
+              <a:t>t</a:t>
+            </a:r>
+            <a:r>
+              <a:rPr sz="2000" spc="25" dirty="0">
+                <a:solidFill>
+                  <a:srgbClr val="F1F1F1"/>
+                </a:solidFill>
+                <a:latin typeface="Tahoma"/>
+                <a:cs typeface="Tahoma"/>
+              </a:rPr>
+              <a:t>e</a:t>
+            </a:r>
+            <a:r>
+              <a:rPr sz="2000" spc="-360" dirty="0">
+                <a:solidFill>
+                  <a:srgbClr val="F1F1F1"/>
+                </a:solidFill>
+                <a:latin typeface="Tahoma"/>
+                <a:cs typeface="Tahoma"/>
+              </a:rPr>
+              <a:t> </a:t>
+            </a:r>
+            <a:r>
+              <a:rPr sz="2000" spc="15" dirty="0">
+                <a:solidFill>
+                  <a:srgbClr val="F1F1F1"/>
+                </a:solidFill>
+                <a:latin typeface="Tahoma"/>
+                <a:cs typeface="Tahoma"/>
+              </a:rPr>
+              <a:t>d</a:t>
+            </a:r>
+            <a:r>
+              <a:rPr sz="2000" spc="25" dirty="0">
+                <a:solidFill>
+                  <a:srgbClr val="F1F1F1"/>
+                </a:solidFill>
+                <a:latin typeface="Tahoma"/>
+                <a:cs typeface="Tahoma"/>
+              </a:rPr>
+              <a:t>e</a:t>
+            </a:r>
+            <a:r>
+              <a:rPr sz="2000" spc="-285" dirty="0">
+                <a:solidFill>
+                  <a:srgbClr val="F1F1F1"/>
+                </a:solidFill>
+                <a:latin typeface="Tahoma"/>
+                <a:cs typeface="Tahoma"/>
+              </a:rPr>
+              <a:t> </a:t>
+            </a:r>
+            <a:r>
+              <a:rPr sz="2000" spc="-70" dirty="0">
+                <a:solidFill>
+                  <a:srgbClr val="F1F1F1"/>
+                </a:solidFill>
+                <a:latin typeface="Tahoma"/>
+                <a:cs typeface="Tahoma"/>
+              </a:rPr>
+              <a:t>u</a:t>
+            </a:r>
+            <a:r>
+              <a:rPr sz="2000" spc="-5" dirty="0">
+                <a:solidFill>
+                  <a:srgbClr val="F1F1F1"/>
+                </a:solidFill>
+                <a:latin typeface="Tahoma"/>
+                <a:cs typeface="Tahoma"/>
+              </a:rPr>
+              <a:t>m</a:t>
+            </a:r>
+            <a:r>
+              <a:rPr sz="2000" spc="-190" dirty="0">
+                <a:solidFill>
+                  <a:srgbClr val="F1F1F1"/>
+                </a:solidFill>
+                <a:latin typeface="Tahoma"/>
+                <a:cs typeface="Tahoma"/>
+              </a:rPr>
+              <a:t> </a:t>
+            </a:r>
+            <a:r>
+              <a:rPr sz="2000" spc="-30" dirty="0">
+                <a:solidFill>
+                  <a:srgbClr val="F1F1F1"/>
+                </a:solidFill>
+                <a:latin typeface="Tahoma"/>
+                <a:cs typeface="Tahoma"/>
+              </a:rPr>
+              <a:t>m</a:t>
+            </a:r>
+            <a:r>
+              <a:rPr sz="2000" spc="-10" dirty="0">
+                <a:solidFill>
+                  <a:srgbClr val="F1F1F1"/>
+                </a:solidFill>
+                <a:latin typeface="Tahoma"/>
+                <a:cs typeface="Tahoma"/>
+              </a:rPr>
+              <a:t>e</a:t>
+            </a:r>
+            <a:r>
+              <a:rPr sz="2000" spc="-30" dirty="0">
+                <a:solidFill>
+                  <a:srgbClr val="F1F1F1"/>
+                </a:solidFill>
+                <a:latin typeface="Tahoma"/>
+                <a:cs typeface="Tahoma"/>
+              </a:rPr>
+              <a:t>m</a:t>
+            </a:r>
+            <a:r>
+              <a:rPr sz="2000" spc="15" dirty="0">
+                <a:solidFill>
+                  <a:srgbClr val="F1F1F1"/>
+                </a:solidFill>
+                <a:latin typeface="Tahoma"/>
+                <a:cs typeface="Tahoma"/>
+              </a:rPr>
+              <a:t>b</a:t>
+            </a:r>
+            <a:r>
+              <a:rPr sz="2000" spc="25" dirty="0">
+                <a:solidFill>
+                  <a:srgbClr val="F1F1F1"/>
+                </a:solidFill>
+                <a:latin typeface="Tahoma"/>
+                <a:cs typeface="Tahoma"/>
+              </a:rPr>
+              <a:t>r</a:t>
+            </a:r>
+            <a:r>
+              <a:rPr sz="2000" spc="15" dirty="0">
+                <a:solidFill>
+                  <a:srgbClr val="F1F1F1"/>
+                </a:solidFill>
+                <a:latin typeface="Tahoma"/>
+                <a:cs typeface="Tahoma"/>
+              </a:rPr>
+              <a:t>o</a:t>
+            </a:r>
+            <a:endParaRPr sz="2000" dirty="0">
+              <a:latin typeface="Tahoma"/>
+              <a:cs typeface="Tahoma"/>
+            </a:endParaRPr>
+          </a:p>
+        </p:txBody>
+      </p:sp>
+      <p:sp>
+        <p:nvSpPr>
+          <p:cNvPr id="18" name="object 18"/>
+          <p:cNvSpPr txBox="1"/>
+          <p:nvPr/>
+        </p:nvSpPr>
+        <p:spPr>
+          <a:xfrm>
+            <a:off x="8196262" y="2695575"/>
+            <a:ext cx="2291080" cy="360996"/>
+          </a:xfrm>
+          <a:prstGeom prst="rect">
+            <a:avLst/>
+          </a:prstGeom>
+          <a:solidFill>
+            <a:srgbClr val="3E558A"/>
+          </a:solidFill>
+        </p:spPr>
+        <p:txBody>
+          <a:bodyPr vert="horz" wrap="square" lIns="0" tIns="52705" rIns="0" bIns="0" rtlCol="0" anchor="ctr">
+            <a:spAutoFit/>
+          </a:bodyPr>
+          <a:lstStyle/>
+          <a:p>
+            <a:pPr algn="ctr">
+              <a:lnSpc>
+                <a:spcPct val="100000"/>
+              </a:lnSpc>
+              <a:spcBef>
+                <a:spcPts val="415"/>
+              </a:spcBef>
+            </a:pPr>
+            <a:r>
+              <a:rPr sz="2000" spc="25" dirty="0">
+                <a:solidFill>
+                  <a:srgbClr val="F1F1F1"/>
+                </a:solidFill>
+                <a:latin typeface="Tahoma"/>
+                <a:cs typeface="Tahoma"/>
+              </a:rPr>
+              <a:t>Reconhecimento</a:t>
+            </a:r>
+            <a:endParaRPr sz="2000" dirty="0">
+              <a:latin typeface="Tahoma"/>
+              <a:cs typeface="Tahoma"/>
+            </a:endParaRPr>
+          </a:p>
+        </p:txBody>
+      </p:sp>
+      <p:sp>
+        <p:nvSpPr>
+          <p:cNvPr id="19" name="object 19"/>
+          <p:cNvSpPr/>
+          <p:nvPr/>
+        </p:nvSpPr>
+        <p:spPr>
+          <a:xfrm>
+            <a:off x="10010775" y="3171825"/>
+            <a:ext cx="2000250" cy="400050"/>
+          </a:xfrm>
+          <a:custGeom>
+            <a:avLst/>
+            <a:gdLst/>
+            <a:ahLst/>
+            <a:cxnLst/>
+            <a:rect l="l" t="t" r="r" b="b"/>
+            <a:pathLst>
+              <a:path w="2000250" h="400050">
+                <a:moveTo>
+                  <a:pt x="2000250" y="0"/>
+                </a:moveTo>
+                <a:lnTo>
+                  <a:pt x="0" y="0"/>
+                </a:lnTo>
+                <a:lnTo>
+                  <a:pt x="0" y="400050"/>
+                </a:lnTo>
+                <a:lnTo>
+                  <a:pt x="2000250" y="400050"/>
+                </a:lnTo>
+                <a:lnTo>
+                  <a:pt x="2000250" y="0"/>
+                </a:lnTo>
+                <a:close/>
+              </a:path>
+            </a:pathLst>
+          </a:custGeom>
+          <a:solidFill>
+            <a:srgbClr val="006FC0"/>
+          </a:solidFill>
+        </p:spPr>
+        <p:txBody>
+          <a:bodyPr wrap="square" lIns="0" tIns="0" rIns="0" bIns="0" rtlCol="0" anchor="ctr"/>
+          <a:lstStyle/>
+          <a:p>
+            <a:pPr algn="ctr"/>
+            <a:endParaRPr/>
+          </a:p>
+        </p:txBody>
+      </p:sp>
+      <p:sp>
+        <p:nvSpPr>
+          <p:cNvPr id="20" name="object 20"/>
+          <p:cNvSpPr txBox="1"/>
+          <p:nvPr/>
+        </p:nvSpPr>
+        <p:spPr>
+          <a:xfrm>
+            <a:off x="10672826" y="3207321"/>
+            <a:ext cx="679450" cy="334645"/>
+          </a:xfrm>
+          <a:prstGeom prst="rect">
+            <a:avLst/>
+          </a:prstGeom>
+        </p:spPr>
+        <p:txBody>
+          <a:bodyPr vert="horz" wrap="square" lIns="0" tIns="15875" rIns="0" bIns="0" rtlCol="0" anchor="ctr">
+            <a:spAutoFit/>
+          </a:bodyPr>
+          <a:lstStyle/>
+          <a:p>
+            <a:pPr marL="12700" algn="ctr">
+              <a:lnSpc>
+                <a:spcPct val="100000"/>
+              </a:lnSpc>
+              <a:spcBef>
+                <a:spcPts val="125"/>
+              </a:spcBef>
+            </a:pPr>
+            <a:r>
+              <a:rPr sz="2000" spc="30" dirty="0">
+                <a:solidFill>
+                  <a:srgbClr val="F1F1F1"/>
+                </a:solidFill>
+                <a:latin typeface="Tahoma"/>
+                <a:cs typeface="Tahoma"/>
+              </a:rPr>
+              <a:t>U</a:t>
+            </a:r>
+            <a:r>
+              <a:rPr sz="2000" spc="5" dirty="0">
+                <a:solidFill>
+                  <a:srgbClr val="F1F1F1"/>
+                </a:solidFill>
+                <a:latin typeface="Tahoma"/>
+                <a:cs typeface="Tahoma"/>
+              </a:rPr>
+              <a:t>n</a:t>
+            </a:r>
+            <a:r>
+              <a:rPr sz="2000" spc="65" dirty="0">
+                <a:solidFill>
+                  <a:srgbClr val="F1F1F1"/>
+                </a:solidFill>
+                <a:latin typeface="Tahoma"/>
+                <a:cs typeface="Tahoma"/>
+              </a:rPr>
+              <a:t>i</a:t>
+            </a:r>
+            <a:r>
+              <a:rPr sz="2000" spc="-10" dirty="0">
+                <a:solidFill>
+                  <a:srgbClr val="F1F1F1"/>
+                </a:solidFill>
+                <a:latin typeface="Tahoma"/>
+                <a:cs typeface="Tahoma"/>
+              </a:rPr>
+              <a:t>ã</a:t>
+            </a:r>
+            <a:r>
+              <a:rPr sz="2000" spc="15" dirty="0">
+                <a:solidFill>
+                  <a:srgbClr val="F1F1F1"/>
+                </a:solidFill>
+                <a:latin typeface="Tahoma"/>
+                <a:cs typeface="Tahoma"/>
+              </a:rPr>
+              <a:t>o</a:t>
+            </a:r>
+            <a:endParaRPr sz="2000" dirty="0">
+              <a:latin typeface="Tahoma"/>
+              <a:cs typeface="Tahoma"/>
+            </a:endParaRPr>
+          </a:p>
+        </p:txBody>
+      </p:sp>
+      <p:sp>
+        <p:nvSpPr>
+          <p:cNvPr id="21" name="object 21"/>
+          <p:cNvSpPr txBox="1"/>
+          <p:nvPr/>
+        </p:nvSpPr>
+        <p:spPr>
+          <a:xfrm>
+            <a:off x="2124075" y="1675915"/>
+            <a:ext cx="1143000" cy="362920"/>
+          </a:xfrm>
+          <a:prstGeom prst="rect">
+            <a:avLst/>
+          </a:prstGeom>
+          <a:solidFill>
+            <a:srgbClr val="636B6D"/>
+          </a:solidFill>
+        </p:spPr>
+        <p:txBody>
+          <a:bodyPr vert="horz" wrap="square" lIns="0" tIns="54610" rIns="0" bIns="0" rtlCol="0" anchor="ctr">
+            <a:spAutoFit/>
+          </a:bodyPr>
+          <a:lstStyle/>
+          <a:p>
+            <a:pPr algn="ctr">
+              <a:lnSpc>
+                <a:spcPct val="100000"/>
+              </a:lnSpc>
+              <a:spcBef>
+                <a:spcPts val="430"/>
+              </a:spcBef>
+            </a:pPr>
+            <a:r>
+              <a:rPr sz="2000" spc="-45" dirty="0">
+                <a:solidFill>
+                  <a:srgbClr val="F1F1F1"/>
+                </a:solidFill>
+                <a:latin typeface="Tahoma"/>
+                <a:cs typeface="Tahoma"/>
+              </a:rPr>
+              <a:t>API</a:t>
+            </a:r>
+            <a:endParaRPr sz="2000" dirty="0">
+              <a:latin typeface="Tahoma"/>
+              <a:cs typeface="Tahoma"/>
+            </a:endParaRPr>
+          </a:p>
+        </p:txBody>
+      </p:sp>
+      <p:sp>
+        <p:nvSpPr>
+          <p:cNvPr id="22" name="object 22"/>
+          <p:cNvSpPr txBox="1"/>
+          <p:nvPr/>
+        </p:nvSpPr>
+        <p:spPr>
+          <a:xfrm>
+            <a:off x="4057650" y="2286591"/>
+            <a:ext cx="2505075" cy="665567"/>
+          </a:xfrm>
+          <a:prstGeom prst="rect">
+            <a:avLst/>
+          </a:prstGeom>
+          <a:solidFill>
+            <a:srgbClr val="B30D44"/>
+          </a:solidFill>
+        </p:spPr>
+        <p:txBody>
+          <a:bodyPr vert="horz" wrap="square" lIns="0" tIns="49530" rIns="0" bIns="0" rtlCol="0" anchor="ctr">
+            <a:spAutoFit/>
+          </a:bodyPr>
+          <a:lstStyle/>
+          <a:p>
+            <a:pPr marL="5715" algn="ctr">
+              <a:lnSpc>
+                <a:spcPct val="100000"/>
+              </a:lnSpc>
+              <a:spcBef>
+                <a:spcPts val="390"/>
+              </a:spcBef>
+            </a:pPr>
+            <a:r>
+              <a:rPr sz="2000" spc="75" dirty="0">
+                <a:solidFill>
+                  <a:srgbClr val="F1F1F1"/>
+                </a:solidFill>
+                <a:latin typeface="Tahoma"/>
+                <a:cs typeface="Tahoma"/>
+              </a:rPr>
+              <a:t>F</a:t>
+            </a:r>
+            <a:r>
+              <a:rPr sz="2000" spc="-5" dirty="0">
+                <a:solidFill>
+                  <a:srgbClr val="F1F1F1"/>
+                </a:solidFill>
+                <a:latin typeface="Tahoma"/>
+                <a:cs typeface="Tahoma"/>
+              </a:rPr>
+              <a:t>a</a:t>
+            </a:r>
+            <a:r>
+              <a:rPr sz="2000" spc="-15" dirty="0">
+                <a:solidFill>
+                  <a:srgbClr val="F1F1F1"/>
+                </a:solidFill>
+                <a:latin typeface="Tahoma"/>
+                <a:cs typeface="Tahoma"/>
+              </a:rPr>
+              <a:t>l</a:t>
+            </a:r>
+            <a:r>
+              <a:rPr sz="2000" spc="-5" dirty="0">
+                <a:solidFill>
+                  <a:srgbClr val="F1F1F1"/>
+                </a:solidFill>
+                <a:latin typeface="Tahoma"/>
+                <a:cs typeface="Tahoma"/>
+              </a:rPr>
+              <a:t>a</a:t>
+            </a:r>
+            <a:r>
+              <a:rPr sz="2000" spc="15" dirty="0">
+                <a:solidFill>
+                  <a:srgbClr val="F1F1F1"/>
+                </a:solidFill>
+                <a:latin typeface="Tahoma"/>
+                <a:cs typeface="Tahoma"/>
+              </a:rPr>
+              <a:t>r</a:t>
+            </a:r>
+            <a:r>
+              <a:rPr sz="2000" spc="-240" dirty="0">
+                <a:solidFill>
+                  <a:srgbClr val="F1F1F1"/>
+                </a:solidFill>
+                <a:latin typeface="Tahoma"/>
+                <a:cs typeface="Tahoma"/>
+              </a:rPr>
+              <a:t> </a:t>
+            </a:r>
+            <a:r>
+              <a:rPr sz="2000" spc="-10" dirty="0">
+                <a:solidFill>
+                  <a:srgbClr val="F1F1F1"/>
+                </a:solidFill>
+                <a:latin typeface="Tahoma"/>
+                <a:cs typeface="Tahoma"/>
+              </a:rPr>
+              <a:t>e</a:t>
+            </a:r>
+            <a:r>
+              <a:rPr sz="2000" spc="-5" dirty="0">
+                <a:solidFill>
+                  <a:srgbClr val="F1F1F1"/>
+                </a:solidFill>
+                <a:latin typeface="Tahoma"/>
+                <a:cs typeface="Tahoma"/>
+              </a:rPr>
+              <a:t>m</a:t>
+            </a:r>
+            <a:r>
+              <a:rPr sz="2000" spc="-280" dirty="0">
+                <a:solidFill>
+                  <a:srgbClr val="F1F1F1"/>
+                </a:solidFill>
+                <a:latin typeface="Tahoma"/>
+                <a:cs typeface="Tahoma"/>
+              </a:rPr>
+              <a:t> </a:t>
+            </a:r>
+            <a:r>
+              <a:rPr sz="2000" spc="-35" dirty="0">
+                <a:solidFill>
+                  <a:srgbClr val="F1F1F1"/>
+                </a:solidFill>
+                <a:latin typeface="Tahoma"/>
+                <a:cs typeface="Tahoma"/>
+              </a:rPr>
+              <a:t>m</a:t>
+            </a:r>
+            <a:r>
+              <a:rPr sz="2000" spc="30" dirty="0">
+                <a:solidFill>
+                  <a:srgbClr val="F1F1F1"/>
+                </a:solidFill>
+                <a:latin typeface="Tahoma"/>
+                <a:cs typeface="Tahoma"/>
+              </a:rPr>
+              <a:t>o</a:t>
+            </a:r>
+            <a:r>
+              <a:rPr sz="2000" spc="-35" dirty="0">
+                <a:solidFill>
+                  <a:srgbClr val="F1F1F1"/>
+                </a:solidFill>
+                <a:latin typeface="Tahoma"/>
+                <a:cs typeface="Tahoma"/>
+              </a:rPr>
+              <a:t>m</a:t>
+            </a:r>
+            <a:r>
+              <a:rPr sz="2000" spc="-10" dirty="0">
+                <a:solidFill>
+                  <a:srgbClr val="F1F1F1"/>
+                </a:solidFill>
+                <a:latin typeface="Tahoma"/>
+                <a:cs typeface="Tahoma"/>
+              </a:rPr>
+              <a:t>e</a:t>
+            </a:r>
+            <a:r>
+              <a:rPr sz="2000" spc="5" dirty="0">
+                <a:solidFill>
+                  <a:srgbClr val="F1F1F1"/>
+                </a:solidFill>
+                <a:latin typeface="Tahoma"/>
+                <a:cs typeface="Tahoma"/>
+              </a:rPr>
+              <a:t>n</a:t>
+            </a:r>
+            <a:r>
+              <a:rPr sz="2000" spc="75" dirty="0">
+                <a:solidFill>
+                  <a:srgbClr val="F1F1F1"/>
+                </a:solidFill>
+                <a:latin typeface="Tahoma"/>
+                <a:cs typeface="Tahoma"/>
+              </a:rPr>
+              <a:t>t</a:t>
+            </a:r>
+            <a:r>
+              <a:rPr sz="2000" spc="30" dirty="0">
+                <a:solidFill>
+                  <a:srgbClr val="F1F1F1"/>
+                </a:solidFill>
+                <a:latin typeface="Tahoma"/>
+                <a:cs typeface="Tahoma"/>
+              </a:rPr>
+              <a:t>o</a:t>
+            </a:r>
+            <a:r>
+              <a:rPr sz="2000" spc="80" dirty="0">
+                <a:solidFill>
+                  <a:srgbClr val="F1F1F1"/>
+                </a:solidFill>
+                <a:latin typeface="Tahoma"/>
+                <a:cs typeface="Tahoma"/>
+              </a:rPr>
+              <a:t>s</a:t>
+            </a:r>
+            <a:endParaRPr sz="2000" dirty="0">
+              <a:latin typeface="Tahoma"/>
+              <a:cs typeface="Tahoma"/>
+            </a:endParaRPr>
+          </a:p>
+          <a:p>
+            <a:pPr marL="5715" algn="ctr">
+              <a:lnSpc>
+                <a:spcPct val="100000"/>
+              </a:lnSpc>
+            </a:pPr>
+            <a:r>
+              <a:rPr sz="2000" spc="20" dirty="0">
+                <a:solidFill>
+                  <a:srgbClr val="F1F1F1"/>
+                </a:solidFill>
+                <a:latin typeface="Tahoma"/>
+                <a:cs typeface="Tahoma"/>
+              </a:rPr>
+              <a:t>inoportunos</a:t>
+            </a:r>
+            <a:endParaRPr sz="2000" dirty="0">
+              <a:latin typeface="Tahoma"/>
+              <a:cs typeface="Tahoma"/>
+            </a:endParaRPr>
+          </a:p>
+        </p:txBody>
+      </p:sp>
+      <p:sp>
+        <p:nvSpPr>
+          <p:cNvPr id="23" name="object 23"/>
+          <p:cNvSpPr txBox="1"/>
+          <p:nvPr/>
+        </p:nvSpPr>
+        <p:spPr>
+          <a:xfrm>
+            <a:off x="381000" y="3676650"/>
+            <a:ext cx="2200275" cy="359073"/>
+          </a:xfrm>
+          <a:prstGeom prst="rect">
+            <a:avLst/>
+          </a:prstGeom>
+          <a:solidFill>
+            <a:srgbClr val="B30D44"/>
+          </a:solidFill>
+        </p:spPr>
+        <p:txBody>
+          <a:bodyPr vert="horz" wrap="square" lIns="0" tIns="50800" rIns="0" bIns="0" rtlCol="0" anchor="ctr">
+            <a:spAutoFit/>
+          </a:bodyPr>
+          <a:lstStyle/>
+          <a:p>
+            <a:pPr algn="ctr">
+              <a:lnSpc>
+                <a:spcPct val="100000"/>
+              </a:lnSpc>
+              <a:spcBef>
+                <a:spcPts val="400"/>
+              </a:spcBef>
+            </a:pPr>
+            <a:r>
+              <a:rPr sz="2000" spc="75" dirty="0">
+                <a:solidFill>
+                  <a:srgbClr val="F1F1F1"/>
+                </a:solidFill>
+                <a:latin typeface="Tahoma"/>
+                <a:cs typeface="Tahoma"/>
+              </a:rPr>
+              <a:t>F</a:t>
+            </a:r>
+            <a:r>
+              <a:rPr sz="2000" spc="-5" dirty="0">
+                <a:solidFill>
+                  <a:srgbClr val="F1F1F1"/>
+                </a:solidFill>
+                <a:latin typeface="Tahoma"/>
+                <a:cs typeface="Tahoma"/>
+              </a:rPr>
+              <a:t>a</a:t>
+            </a:r>
+            <a:r>
+              <a:rPr sz="2000" spc="-15" dirty="0">
+                <a:solidFill>
+                  <a:srgbClr val="F1F1F1"/>
+                </a:solidFill>
+                <a:latin typeface="Tahoma"/>
+                <a:cs typeface="Tahoma"/>
+              </a:rPr>
+              <a:t>l</a:t>
+            </a:r>
+            <a:r>
+              <a:rPr sz="2000" spc="75" dirty="0">
+                <a:solidFill>
+                  <a:srgbClr val="F1F1F1"/>
+                </a:solidFill>
+                <a:latin typeface="Tahoma"/>
+                <a:cs typeface="Tahoma"/>
+              </a:rPr>
+              <a:t>t</a:t>
+            </a:r>
+            <a:r>
+              <a:rPr sz="2000" spc="-15" dirty="0">
+                <a:solidFill>
+                  <a:srgbClr val="F1F1F1"/>
+                </a:solidFill>
+                <a:latin typeface="Tahoma"/>
+                <a:cs typeface="Tahoma"/>
+              </a:rPr>
+              <a:t>a</a:t>
+            </a:r>
+            <a:r>
+              <a:rPr sz="2000" spc="-240" dirty="0">
+                <a:solidFill>
+                  <a:srgbClr val="F1F1F1"/>
+                </a:solidFill>
+                <a:latin typeface="Tahoma"/>
+                <a:cs typeface="Tahoma"/>
+              </a:rPr>
+              <a:t> </a:t>
+            </a:r>
+            <a:r>
+              <a:rPr sz="2000" spc="15" dirty="0">
+                <a:solidFill>
+                  <a:srgbClr val="F1F1F1"/>
+                </a:solidFill>
+                <a:latin typeface="Tahoma"/>
+                <a:cs typeface="Tahoma"/>
+              </a:rPr>
+              <a:t>d</a:t>
+            </a:r>
+            <a:r>
+              <a:rPr sz="2000" spc="25" dirty="0">
+                <a:solidFill>
+                  <a:srgbClr val="F1F1F1"/>
+                </a:solidFill>
+                <a:latin typeface="Tahoma"/>
+                <a:cs typeface="Tahoma"/>
+              </a:rPr>
+              <a:t>e</a:t>
+            </a:r>
+            <a:r>
+              <a:rPr sz="2000" spc="-285" dirty="0">
+                <a:solidFill>
+                  <a:srgbClr val="F1F1F1"/>
+                </a:solidFill>
+                <a:latin typeface="Tahoma"/>
+                <a:cs typeface="Tahoma"/>
+              </a:rPr>
+              <a:t> </a:t>
+            </a:r>
+            <a:r>
+              <a:rPr sz="2000" spc="-100" dirty="0">
+                <a:solidFill>
+                  <a:srgbClr val="F1F1F1"/>
+                </a:solidFill>
+                <a:latin typeface="Tahoma"/>
+                <a:cs typeface="Tahoma"/>
+              </a:rPr>
+              <a:t>I</a:t>
+            </a:r>
+            <a:r>
+              <a:rPr sz="2000" spc="-120" dirty="0">
+                <a:solidFill>
+                  <a:srgbClr val="F1F1F1"/>
+                </a:solidFill>
+                <a:latin typeface="Tahoma"/>
+                <a:cs typeface="Tahoma"/>
+              </a:rPr>
+              <a:t>n</a:t>
+            </a:r>
+            <a:r>
+              <a:rPr sz="2000" spc="75" dirty="0">
+                <a:solidFill>
+                  <a:srgbClr val="F1F1F1"/>
+                </a:solidFill>
+                <a:latin typeface="Tahoma"/>
+                <a:cs typeface="Tahoma"/>
+              </a:rPr>
+              <a:t>t</a:t>
+            </a:r>
+            <a:r>
+              <a:rPr sz="2000" spc="-10" dirty="0">
+                <a:solidFill>
+                  <a:srgbClr val="F1F1F1"/>
+                </a:solidFill>
+                <a:latin typeface="Tahoma"/>
+                <a:cs typeface="Tahoma"/>
+              </a:rPr>
+              <a:t>e</a:t>
+            </a:r>
+            <a:r>
+              <a:rPr sz="2000" spc="25" dirty="0">
+                <a:solidFill>
+                  <a:srgbClr val="F1F1F1"/>
+                </a:solidFill>
+                <a:latin typeface="Tahoma"/>
+                <a:cs typeface="Tahoma"/>
+              </a:rPr>
+              <a:t>r</a:t>
+            </a:r>
+            <a:r>
+              <a:rPr sz="2000" spc="-10" dirty="0">
+                <a:solidFill>
+                  <a:srgbClr val="F1F1F1"/>
+                </a:solidFill>
+                <a:latin typeface="Tahoma"/>
+                <a:cs typeface="Tahoma"/>
+              </a:rPr>
+              <a:t>e</a:t>
+            </a:r>
+            <a:r>
+              <a:rPr sz="2000" spc="60" dirty="0">
+                <a:solidFill>
+                  <a:srgbClr val="F1F1F1"/>
+                </a:solidFill>
+                <a:latin typeface="Tahoma"/>
+                <a:cs typeface="Tahoma"/>
+              </a:rPr>
+              <a:t>sse</a:t>
+            </a:r>
+            <a:endParaRPr sz="2000" dirty="0">
+              <a:latin typeface="Tahoma"/>
+              <a:cs typeface="Tahoma"/>
+            </a:endParaRPr>
+          </a:p>
+        </p:txBody>
+      </p:sp>
+      <p:sp>
+        <p:nvSpPr>
+          <p:cNvPr id="25" name="object 25"/>
+          <p:cNvSpPr txBox="1"/>
+          <p:nvPr/>
+        </p:nvSpPr>
+        <p:spPr>
+          <a:xfrm>
+            <a:off x="8196262" y="3648075"/>
+            <a:ext cx="2014855" cy="358431"/>
+          </a:xfrm>
+          <a:prstGeom prst="rect">
+            <a:avLst/>
+          </a:prstGeom>
+          <a:solidFill>
+            <a:srgbClr val="EC135B"/>
+          </a:solidFill>
+        </p:spPr>
+        <p:txBody>
+          <a:bodyPr vert="horz" wrap="square" lIns="0" tIns="50165" rIns="0" bIns="0" rtlCol="0" anchor="ctr">
+            <a:spAutoFit/>
+          </a:bodyPr>
+          <a:lstStyle/>
+          <a:p>
+            <a:pPr algn="ctr">
+              <a:lnSpc>
+                <a:spcPct val="100000"/>
+              </a:lnSpc>
+              <a:spcBef>
+                <a:spcPts val="395"/>
+              </a:spcBef>
+            </a:pPr>
+            <a:r>
+              <a:rPr sz="2000" spc="30" dirty="0">
+                <a:solidFill>
+                  <a:srgbClr val="FFFFFF"/>
+                </a:solidFill>
+                <a:latin typeface="Tahoma"/>
+                <a:cs typeface="Tahoma"/>
+              </a:rPr>
+              <a:t>Entrosamento</a:t>
+            </a:r>
+            <a:endParaRPr sz="2000" dirty="0">
+              <a:latin typeface="Tahoma"/>
+              <a:cs typeface="Tahoma"/>
+            </a:endParaRPr>
+          </a:p>
+        </p:txBody>
+      </p:sp>
+      <p:sp>
+        <p:nvSpPr>
+          <p:cNvPr id="26" name="object 26"/>
+          <p:cNvSpPr/>
+          <p:nvPr/>
+        </p:nvSpPr>
+        <p:spPr>
+          <a:xfrm>
+            <a:off x="10086975" y="4200525"/>
+            <a:ext cx="1990725" cy="400050"/>
+          </a:xfrm>
+          <a:custGeom>
+            <a:avLst/>
+            <a:gdLst/>
+            <a:ahLst/>
+            <a:cxnLst/>
+            <a:rect l="l" t="t" r="r" b="b"/>
+            <a:pathLst>
+              <a:path w="1990725" h="400050">
+                <a:moveTo>
+                  <a:pt x="1990725" y="0"/>
+                </a:moveTo>
+                <a:lnTo>
+                  <a:pt x="0" y="0"/>
+                </a:lnTo>
+                <a:lnTo>
+                  <a:pt x="0" y="400050"/>
+                </a:lnTo>
+                <a:lnTo>
+                  <a:pt x="1990725" y="400050"/>
+                </a:lnTo>
+                <a:lnTo>
+                  <a:pt x="1990725" y="0"/>
+                </a:lnTo>
+                <a:close/>
+              </a:path>
+            </a:pathLst>
+          </a:custGeom>
+          <a:solidFill>
+            <a:srgbClr val="4F9FF8"/>
+          </a:solidFill>
+        </p:spPr>
+        <p:txBody>
+          <a:bodyPr wrap="square" lIns="0" tIns="0" rIns="0" bIns="0" rtlCol="0" anchor="ctr"/>
+          <a:lstStyle/>
+          <a:p>
+            <a:pPr algn="ctr"/>
+            <a:endParaRPr/>
+          </a:p>
+        </p:txBody>
+      </p:sp>
+      <p:sp>
+        <p:nvSpPr>
+          <p:cNvPr id="27" name="object 27"/>
+          <p:cNvSpPr txBox="1"/>
+          <p:nvPr/>
+        </p:nvSpPr>
+        <p:spPr>
+          <a:xfrm>
+            <a:off x="10601706" y="4244022"/>
+            <a:ext cx="981710" cy="334645"/>
+          </a:xfrm>
+          <a:prstGeom prst="rect">
+            <a:avLst/>
+          </a:prstGeom>
+        </p:spPr>
+        <p:txBody>
+          <a:bodyPr vert="horz" wrap="square" lIns="0" tIns="15875" rIns="0" bIns="0" rtlCol="0" anchor="ctr">
+            <a:spAutoFit/>
+          </a:bodyPr>
+          <a:lstStyle/>
+          <a:p>
+            <a:pPr marL="12700" algn="ctr">
+              <a:lnSpc>
+                <a:spcPct val="100000"/>
+              </a:lnSpc>
+              <a:spcBef>
+                <a:spcPts val="125"/>
+              </a:spcBef>
+            </a:pPr>
+            <a:r>
+              <a:rPr sz="2000" spc="-5" dirty="0">
+                <a:solidFill>
+                  <a:srgbClr val="F1F1F1"/>
+                </a:solidFill>
+                <a:latin typeface="Tahoma"/>
+                <a:cs typeface="Tahoma"/>
+              </a:rPr>
+              <a:t>A</a:t>
+            </a:r>
+            <a:r>
+              <a:rPr sz="2000" spc="-35" dirty="0">
+                <a:solidFill>
+                  <a:srgbClr val="F1F1F1"/>
+                </a:solidFill>
+                <a:latin typeface="Tahoma"/>
+                <a:cs typeface="Tahoma"/>
+              </a:rPr>
+              <a:t>m</a:t>
+            </a:r>
+            <a:r>
+              <a:rPr sz="2000" spc="65" dirty="0">
+                <a:solidFill>
+                  <a:srgbClr val="F1F1F1"/>
+                </a:solidFill>
+                <a:latin typeface="Tahoma"/>
+                <a:cs typeface="Tahoma"/>
+              </a:rPr>
+              <a:t>i</a:t>
+            </a:r>
+            <a:r>
+              <a:rPr sz="2000" spc="-5" dirty="0">
+                <a:solidFill>
+                  <a:srgbClr val="F1F1F1"/>
+                </a:solidFill>
+                <a:latin typeface="Tahoma"/>
+                <a:cs typeface="Tahoma"/>
+              </a:rPr>
+              <a:t>z</a:t>
+            </a:r>
+            <a:r>
+              <a:rPr sz="2000" spc="5" dirty="0">
+                <a:solidFill>
+                  <a:srgbClr val="F1F1F1"/>
+                </a:solidFill>
+                <a:latin typeface="Tahoma"/>
+                <a:cs typeface="Tahoma"/>
+              </a:rPr>
+              <a:t>a</a:t>
+            </a:r>
+            <a:r>
+              <a:rPr sz="2000" spc="15" dirty="0">
+                <a:solidFill>
+                  <a:srgbClr val="F1F1F1"/>
+                </a:solidFill>
+                <a:latin typeface="Tahoma"/>
+                <a:cs typeface="Tahoma"/>
+              </a:rPr>
+              <a:t>d</a:t>
+            </a:r>
+            <a:r>
+              <a:rPr sz="2000" spc="25" dirty="0">
+                <a:solidFill>
+                  <a:srgbClr val="F1F1F1"/>
+                </a:solidFill>
+                <a:latin typeface="Tahoma"/>
+                <a:cs typeface="Tahoma"/>
+              </a:rPr>
+              <a:t>e</a:t>
+            </a:r>
+            <a:endParaRPr sz="2000" dirty="0">
+              <a:latin typeface="Tahoma"/>
+              <a:cs typeface="Tahoma"/>
+            </a:endParaRPr>
+          </a:p>
+        </p:txBody>
+      </p:sp>
+      <p:sp>
+        <p:nvSpPr>
+          <p:cNvPr id="28" name="object 28"/>
+          <p:cNvSpPr txBox="1"/>
+          <p:nvPr/>
+        </p:nvSpPr>
+        <p:spPr>
+          <a:xfrm>
+            <a:off x="4057650" y="4248150"/>
+            <a:ext cx="3512820" cy="671337"/>
+          </a:xfrm>
+          <a:prstGeom prst="rect">
+            <a:avLst/>
+          </a:prstGeom>
+          <a:solidFill>
+            <a:srgbClr val="7188BE"/>
+          </a:solidFill>
+        </p:spPr>
+        <p:txBody>
+          <a:bodyPr vert="horz" wrap="square" lIns="0" tIns="55244" rIns="0" bIns="0" rtlCol="0" anchor="ctr">
+            <a:spAutoFit/>
+          </a:bodyPr>
+          <a:lstStyle/>
+          <a:p>
+            <a:pPr marR="154305" algn="ctr">
+              <a:lnSpc>
+                <a:spcPct val="100000"/>
+              </a:lnSpc>
+              <a:spcBef>
+                <a:spcPts val="434"/>
+              </a:spcBef>
+            </a:pPr>
+            <a:r>
+              <a:rPr sz="2000" spc="15" dirty="0" err="1">
+                <a:solidFill>
+                  <a:srgbClr val="F1F1F1"/>
+                </a:solidFill>
+                <a:latin typeface="Tahoma"/>
+                <a:cs typeface="Tahoma"/>
+              </a:rPr>
+              <a:t>N</a:t>
+            </a:r>
+            <a:r>
+              <a:rPr sz="2000" spc="-10" dirty="0" err="1">
+                <a:solidFill>
+                  <a:srgbClr val="F1F1F1"/>
+                </a:solidFill>
+                <a:latin typeface="Tahoma"/>
+                <a:cs typeface="Tahoma"/>
+              </a:rPr>
+              <a:t>ã</a:t>
+            </a:r>
+            <a:r>
+              <a:rPr sz="2000" spc="15" dirty="0" err="1">
+                <a:solidFill>
+                  <a:srgbClr val="F1F1F1"/>
+                </a:solidFill>
+                <a:latin typeface="Tahoma"/>
+                <a:cs typeface="Tahoma"/>
+              </a:rPr>
+              <a:t>o</a:t>
+            </a:r>
+            <a:r>
+              <a:rPr sz="2000" spc="-310" dirty="0">
+                <a:solidFill>
+                  <a:srgbClr val="F1F1F1"/>
+                </a:solidFill>
+                <a:latin typeface="Tahoma"/>
+                <a:cs typeface="Tahoma"/>
+              </a:rPr>
+              <a:t> </a:t>
+            </a:r>
+            <a:r>
+              <a:rPr sz="2000" spc="20" dirty="0" err="1">
+                <a:solidFill>
+                  <a:srgbClr val="F1F1F1"/>
+                </a:solidFill>
+                <a:latin typeface="Tahoma"/>
+                <a:cs typeface="Tahoma"/>
+              </a:rPr>
+              <a:t>p</a:t>
+            </a:r>
+            <a:r>
+              <a:rPr sz="2000" spc="-5" dirty="0" err="1">
+                <a:solidFill>
+                  <a:srgbClr val="F1F1F1"/>
+                </a:solidFill>
+                <a:latin typeface="Tahoma"/>
+                <a:cs typeface="Tahoma"/>
+              </a:rPr>
+              <a:t>e</a:t>
+            </a:r>
+            <a:r>
+              <a:rPr sz="2000" spc="25" dirty="0" err="1">
+                <a:solidFill>
+                  <a:srgbClr val="F1F1F1"/>
+                </a:solidFill>
+                <a:latin typeface="Tahoma"/>
+                <a:cs typeface="Tahoma"/>
+              </a:rPr>
+              <a:t>r</a:t>
+            </a:r>
+            <a:r>
+              <a:rPr sz="2000" spc="-60" dirty="0" err="1">
+                <a:solidFill>
+                  <a:srgbClr val="F1F1F1"/>
+                </a:solidFill>
+                <a:latin typeface="Tahoma"/>
+                <a:cs typeface="Tahoma"/>
+              </a:rPr>
+              <a:t>g</a:t>
+            </a:r>
+            <a:r>
+              <a:rPr sz="2000" spc="-70" dirty="0" err="1">
+                <a:solidFill>
+                  <a:srgbClr val="F1F1F1"/>
+                </a:solidFill>
+                <a:latin typeface="Tahoma"/>
+                <a:cs typeface="Tahoma"/>
+              </a:rPr>
+              <a:t>u</a:t>
+            </a:r>
+            <a:r>
+              <a:rPr sz="2000" spc="5" dirty="0" err="1">
+                <a:solidFill>
+                  <a:srgbClr val="F1F1F1"/>
+                </a:solidFill>
+                <a:latin typeface="Tahoma"/>
+                <a:cs typeface="Tahoma"/>
+              </a:rPr>
+              <a:t>n</a:t>
+            </a:r>
+            <a:r>
+              <a:rPr sz="2000" spc="75" dirty="0" err="1">
+                <a:solidFill>
+                  <a:srgbClr val="F1F1F1"/>
+                </a:solidFill>
+                <a:latin typeface="Tahoma"/>
+                <a:cs typeface="Tahoma"/>
+              </a:rPr>
+              <a:t>t</a:t>
+            </a:r>
+            <a:r>
+              <a:rPr sz="2000" spc="-5" dirty="0" err="1">
+                <a:solidFill>
+                  <a:srgbClr val="F1F1F1"/>
+                </a:solidFill>
+                <a:latin typeface="Tahoma"/>
+                <a:cs typeface="Tahoma"/>
+              </a:rPr>
+              <a:t>a</a:t>
+            </a:r>
+            <a:r>
+              <a:rPr sz="2000" spc="15" dirty="0" err="1">
+                <a:solidFill>
+                  <a:srgbClr val="F1F1F1"/>
+                </a:solidFill>
+                <a:latin typeface="Tahoma"/>
+                <a:cs typeface="Tahoma"/>
+              </a:rPr>
+              <a:t>r</a:t>
+            </a:r>
+            <a:r>
+              <a:rPr lang="pt-BR" sz="2000" spc="15" dirty="0">
+                <a:solidFill>
+                  <a:srgbClr val="F1F1F1"/>
+                </a:solidFill>
+                <a:latin typeface="Tahoma"/>
+                <a:cs typeface="Tahoma"/>
+              </a:rPr>
+              <a:t> ou pedir</a:t>
+            </a:r>
+            <a:r>
+              <a:rPr sz="2000" spc="-315" dirty="0">
+                <a:solidFill>
+                  <a:srgbClr val="F1F1F1"/>
+                </a:solidFill>
+                <a:latin typeface="Tahoma"/>
+                <a:cs typeface="Tahoma"/>
+              </a:rPr>
+              <a:t> </a:t>
+            </a:r>
+            <a:r>
+              <a:rPr sz="2000" spc="-10" dirty="0">
+                <a:solidFill>
+                  <a:srgbClr val="F1F1F1"/>
+                </a:solidFill>
+                <a:latin typeface="Tahoma"/>
+                <a:cs typeface="Tahoma"/>
+              </a:rPr>
+              <a:t>q</a:t>
+            </a:r>
+            <a:r>
+              <a:rPr sz="2000" spc="-45" dirty="0">
+                <a:solidFill>
+                  <a:srgbClr val="F1F1F1"/>
+                </a:solidFill>
+                <a:latin typeface="Tahoma"/>
+                <a:cs typeface="Tahoma"/>
+              </a:rPr>
+              <a:t>u</a:t>
+            </a:r>
+            <a:r>
+              <a:rPr sz="2000" spc="-5" dirty="0">
+                <a:solidFill>
+                  <a:srgbClr val="F1F1F1"/>
+                </a:solidFill>
+                <a:latin typeface="Tahoma"/>
+                <a:cs typeface="Tahoma"/>
+              </a:rPr>
+              <a:t>a</a:t>
+            </a:r>
+            <a:r>
+              <a:rPr sz="2000" spc="5" dirty="0">
+                <a:solidFill>
+                  <a:srgbClr val="F1F1F1"/>
+                </a:solidFill>
+                <a:latin typeface="Tahoma"/>
+                <a:cs typeface="Tahoma"/>
+              </a:rPr>
+              <a:t>n</a:t>
+            </a:r>
+            <a:r>
+              <a:rPr sz="2000" spc="15" dirty="0">
+                <a:solidFill>
+                  <a:srgbClr val="F1F1F1"/>
+                </a:solidFill>
+                <a:latin typeface="Tahoma"/>
+                <a:cs typeface="Tahoma"/>
+              </a:rPr>
+              <a:t>d</a:t>
+            </a:r>
+            <a:r>
+              <a:rPr sz="2000" spc="10" dirty="0">
+                <a:solidFill>
+                  <a:srgbClr val="F1F1F1"/>
+                </a:solidFill>
+                <a:latin typeface="Tahoma"/>
+                <a:cs typeface="Tahoma"/>
+              </a:rPr>
+              <a:t>o  </a:t>
+            </a:r>
+            <a:r>
+              <a:rPr sz="2000" spc="15" dirty="0">
+                <a:solidFill>
+                  <a:srgbClr val="F1F1F1"/>
+                </a:solidFill>
+                <a:latin typeface="Tahoma"/>
+                <a:cs typeface="Tahoma"/>
+              </a:rPr>
+              <a:t>p</a:t>
+            </a:r>
+            <a:r>
+              <a:rPr sz="2000" spc="25" dirty="0">
+                <a:solidFill>
+                  <a:srgbClr val="F1F1F1"/>
+                </a:solidFill>
+                <a:latin typeface="Tahoma"/>
+                <a:cs typeface="Tahoma"/>
+              </a:rPr>
+              <a:t>r</a:t>
+            </a:r>
+            <a:r>
+              <a:rPr sz="2000" spc="-10" dirty="0">
+                <a:solidFill>
+                  <a:srgbClr val="F1F1F1"/>
+                </a:solidFill>
+                <a:latin typeface="Tahoma"/>
+                <a:cs typeface="Tahoma"/>
+              </a:rPr>
+              <a:t>e</a:t>
+            </a:r>
+            <a:r>
+              <a:rPr sz="2000" spc="55" dirty="0">
+                <a:solidFill>
+                  <a:srgbClr val="F1F1F1"/>
+                </a:solidFill>
+                <a:latin typeface="Tahoma"/>
+                <a:cs typeface="Tahoma"/>
+              </a:rPr>
+              <a:t>cis</a:t>
+            </a:r>
+            <a:r>
+              <a:rPr sz="2000" spc="95" dirty="0">
+                <a:solidFill>
+                  <a:srgbClr val="F1F1F1"/>
+                </a:solidFill>
+                <a:latin typeface="Tahoma"/>
+                <a:cs typeface="Tahoma"/>
+              </a:rPr>
+              <a:t>a</a:t>
+            </a:r>
+            <a:r>
+              <a:rPr sz="2000" spc="15" dirty="0">
+                <a:solidFill>
+                  <a:srgbClr val="F1F1F1"/>
+                </a:solidFill>
+                <a:latin typeface="Tahoma"/>
+                <a:cs typeface="Tahoma"/>
+              </a:rPr>
+              <a:t>r</a:t>
+            </a:r>
+            <a:r>
+              <a:rPr sz="2000" spc="-315" dirty="0">
+                <a:solidFill>
+                  <a:srgbClr val="F1F1F1"/>
+                </a:solidFill>
+                <a:latin typeface="Tahoma"/>
+                <a:cs typeface="Tahoma"/>
+              </a:rPr>
+              <a:t> </a:t>
+            </a:r>
+            <a:r>
+              <a:rPr sz="2000" spc="15" dirty="0">
+                <a:solidFill>
+                  <a:srgbClr val="F1F1F1"/>
+                </a:solidFill>
+                <a:latin typeface="Tahoma"/>
+                <a:cs typeface="Tahoma"/>
+              </a:rPr>
+              <a:t>d</a:t>
+            </a:r>
+            <a:r>
+              <a:rPr sz="2000" spc="25" dirty="0">
+                <a:solidFill>
+                  <a:srgbClr val="F1F1F1"/>
+                </a:solidFill>
+                <a:latin typeface="Tahoma"/>
+                <a:cs typeface="Tahoma"/>
+              </a:rPr>
+              <a:t>e</a:t>
+            </a:r>
+            <a:r>
+              <a:rPr sz="2000" spc="-285" dirty="0">
+                <a:solidFill>
+                  <a:srgbClr val="F1F1F1"/>
+                </a:solidFill>
+                <a:latin typeface="Tahoma"/>
+                <a:cs typeface="Tahoma"/>
+              </a:rPr>
+              <a:t> </a:t>
+            </a:r>
+            <a:r>
+              <a:rPr sz="2000" spc="-5" dirty="0">
+                <a:solidFill>
+                  <a:srgbClr val="F1F1F1"/>
+                </a:solidFill>
+                <a:latin typeface="Tahoma"/>
+                <a:cs typeface="Tahoma"/>
+              </a:rPr>
+              <a:t>a</a:t>
+            </a:r>
+            <a:r>
+              <a:rPr sz="2000" spc="-45" dirty="0">
+                <a:solidFill>
+                  <a:srgbClr val="F1F1F1"/>
+                </a:solidFill>
+                <a:latin typeface="Tahoma"/>
+                <a:cs typeface="Tahoma"/>
+              </a:rPr>
+              <a:t>j</a:t>
+            </a:r>
+            <a:r>
+              <a:rPr sz="2000" spc="-70" dirty="0">
+                <a:solidFill>
+                  <a:srgbClr val="F1F1F1"/>
+                </a:solidFill>
+                <a:latin typeface="Tahoma"/>
+                <a:cs typeface="Tahoma"/>
+              </a:rPr>
+              <a:t>u</a:t>
+            </a:r>
+            <a:r>
+              <a:rPr sz="2000" spc="15" dirty="0">
+                <a:solidFill>
+                  <a:srgbClr val="F1F1F1"/>
+                </a:solidFill>
+                <a:latin typeface="Tahoma"/>
+                <a:cs typeface="Tahoma"/>
+              </a:rPr>
+              <a:t>d</a:t>
+            </a:r>
+            <a:r>
+              <a:rPr sz="2000" spc="-15" dirty="0">
+                <a:solidFill>
+                  <a:srgbClr val="F1F1F1"/>
+                </a:solidFill>
+                <a:latin typeface="Tahoma"/>
+                <a:cs typeface="Tahoma"/>
+              </a:rPr>
+              <a:t>a</a:t>
+            </a:r>
+            <a:endParaRPr sz="2000" dirty="0">
+              <a:latin typeface="Tahoma"/>
+              <a:cs typeface="Tahoma"/>
+            </a:endParaRPr>
+          </a:p>
+        </p:txBody>
+      </p:sp>
+      <p:sp>
+        <p:nvSpPr>
+          <p:cNvPr id="29" name="object 29"/>
+          <p:cNvSpPr txBox="1"/>
+          <p:nvPr/>
+        </p:nvSpPr>
+        <p:spPr>
+          <a:xfrm>
+            <a:off x="4867275" y="5124450"/>
+            <a:ext cx="2838450" cy="365485"/>
+          </a:xfrm>
+          <a:prstGeom prst="rect">
+            <a:avLst/>
+          </a:prstGeom>
+          <a:solidFill>
+            <a:srgbClr val="E49217"/>
+          </a:solidFill>
+        </p:spPr>
+        <p:txBody>
+          <a:bodyPr vert="horz" wrap="square" lIns="0" tIns="57150" rIns="0" bIns="0" rtlCol="0" anchor="ctr">
+            <a:spAutoFit/>
+          </a:bodyPr>
+          <a:lstStyle/>
+          <a:p>
+            <a:pPr algn="ctr">
+              <a:lnSpc>
+                <a:spcPct val="100000"/>
+              </a:lnSpc>
+              <a:spcBef>
+                <a:spcPts val="450"/>
+              </a:spcBef>
+            </a:pPr>
+            <a:r>
+              <a:rPr sz="2000" spc="10" dirty="0">
+                <a:solidFill>
+                  <a:srgbClr val="F1F1F1"/>
+                </a:solidFill>
+                <a:latin typeface="Tahoma"/>
+                <a:cs typeface="Tahoma"/>
+              </a:rPr>
+              <a:t>N</a:t>
+            </a:r>
+            <a:r>
+              <a:rPr sz="2000" spc="-10" dirty="0">
+                <a:solidFill>
+                  <a:srgbClr val="F1F1F1"/>
+                </a:solidFill>
+                <a:latin typeface="Tahoma"/>
+                <a:cs typeface="Tahoma"/>
+              </a:rPr>
+              <a:t>ã</a:t>
+            </a:r>
+            <a:r>
+              <a:rPr sz="2000" spc="15" dirty="0">
+                <a:solidFill>
+                  <a:srgbClr val="F1F1F1"/>
+                </a:solidFill>
+                <a:latin typeface="Tahoma"/>
+                <a:cs typeface="Tahoma"/>
+              </a:rPr>
+              <a:t>o</a:t>
+            </a:r>
+            <a:r>
+              <a:rPr sz="2000" spc="-310" dirty="0">
+                <a:solidFill>
+                  <a:srgbClr val="F1F1F1"/>
+                </a:solidFill>
+                <a:latin typeface="Tahoma"/>
+                <a:cs typeface="Tahoma"/>
+              </a:rPr>
+              <a:t> </a:t>
+            </a:r>
+            <a:r>
+              <a:rPr sz="2000" spc="25" dirty="0">
+                <a:solidFill>
+                  <a:srgbClr val="F1F1F1"/>
+                </a:solidFill>
+                <a:latin typeface="Tahoma"/>
+                <a:cs typeface="Tahoma"/>
+              </a:rPr>
+              <a:t>r</a:t>
+            </a:r>
+            <a:r>
+              <a:rPr sz="2000" spc="-10" dirty="0">
+                <a:solidFill>
+                  <a:srgbClr val="F1F1F1"/>
+                </a:solidFill>
+                <a:latin typeface="Tahoma"/>
+                <a:cs typeface="Tahoma"/>
+              </a:rPr>
+              <a:t>e</a:t>
+            </a:r>
+            <a:r>
+              <a:rPr sz="2000" spc="65" dirty="0">
+                <a:solidFill>
+                  <a:srgbClr val="F1F1F1"/>
+                </a:solidFill>
+                <a:latin typeface="Tahoma"/>
+                <a:cs typeface="Tahoma"/>
+              </a:rPr>
+              <a:t>c</a:t>
+            </a:r>
+            <a:r>
+              <a:rPr sz="2000" spc="90" dirty="0">
+                <a:solidFill>
+                  <a:srgbClr val="F1F1F1"/>
+                </a:solidFill>
+                <a:latin typeface="Tahoma"/>
+                <a:cs typeface="Tahoma"/>
+              </a:rPr>
+              <a:t>o</a:t>
+            </a:r>
+            <a:r>
+              <a:rPr sz="2000" spc="5" dirty="0">
+                <a:solidFill>
+                  <a:srgbClr val="F1F1F1"/>
+                </a:solidFill>
+                <a:latin typeface="Tahoma"/>
+                <a:cs typeface="Tahoma"/>
+              </a:rPr>
+              <a:t>nh</a:t>
+            </a:r>
+            <a:r>
+              <a:rPr sz="2000" spc="-10" dirty="0">
+                <a:solidFill>
+                  <a:srgbClr val="F1F1F1"/>
+                </a:solidFill>
+                <a:latin typeface="Tahoma"/>
+                <a:cs typeface="Tahoma"/>
+              </a:rPr>
+              <a:t>e</a:t>
+            </a:r>
+            <a:r>
+              <a:rPr sz="2000" spc="70" dirty="0">
+                <a:solidFill>
+                  <a:srgbClr val="F1F1F1"/>
+                </a:solidFill>
+                <a:latin typeface="Tahoma"/>
+                <a:cs typeface="Tahoma"/>
+              </a:rPr>
+              <a:t>c</a:t>
+            </a:r>
+            <a:r>
+              <a:rPr sz="2000" spc="45" dirty="0">
+                <a:solidFill>
+                  <a:srgbClr val="F1F1F1"/>
+                </a:solidFill>
+                <a:latin typeface="Tahoma"/>
+                <a:cs typeface="Tahoma"/>
+              </a:rPr>
+              <a:t>e</a:t>
+            </a:r>
+            <a:r>
+              <a:rPr sz="2000" spc="15" dirty="0">
+                <a:solidFill>
+                  <a:srgbClr val="F1F1F1"/>
+                </a:solidFill>
+                <a:latin typeface="Tahoma"/>
+                <a:cs typeface="Tahoma"/>
+              </a:rPr>
+              <a:t>r</a:t>
+            </a:r>
+            <a:r>
+              <a:rPr sz="2000" spc="-390" dirty="0">
+                <a:solidFill>
+                  <a:srgbClr val="F1F1F1"/>
+                </a:solidFill>
+                <a:latin typeface="Tahoma"/>
+                <a:cs typeface="Tahoma"/>
+              </a:rPr>
+              <a:t> </a:t>
+            </a:r>
+            <a:r>
+              <a:rPr sz="2000" spc="15" dirty="0">
+                <a:solidFill>
+                  <a:srgbClr val="F1F1F1"/>
+                </a:solidFill>
+                <a:latin typeface="Tahoma"/>
+                <a:cs typeface="Tahoma"/>
+              </a:rPr>
+              <a:t>o</a:t>
+            </a:r>
+            <a:r>
+              <a:rPr sz="2000" spc="-235" dirty="0">
+                <a:solidFill>
+                  <a:srgbClr val="F1F1F1"/>
+                </a:solidFill>
+                <a:latin typeface="Tahoma"/>
+                <a:cs typeface="Tahoma"/>
+              </a:rPr>
+              <a:t> </a:t>
+            </a:r>
+            <a:r>
+              <a:rPr sz="2000" spc="-10" dirty="0">
+                <a:solidFill>
+                  <a:srgbClr val="F1F1F1"/>
+                </a:solidFill>
+                <a:latin typeface="Tahoma"/>
+                <a:cs typeface="Tahoma"/>
+              </a:rPr>
+              <a:t>e</a:t>
+            </a:r>
+            <a:r>
+              <a:rPr sz="2000" spc="25" dirty="0">
+                <a:solidFill>
+                  <a:srgbClr val="F1F1F1"/>
+                </a:solidFill>
+                <a:latin typeface="Tahoma"/>
+                <a:cs typeface="Tahoma"/>
+              </a:rPr>
+              <a:t>rr</a:t>
+            </a:r>
+            <a:r>
+              <a:rPr sz="2000" spc="15" dirty="0">
+                <a:solidFill>
+                  <a:srgbClr val="F1F1F1"/>
+                </a:solidFill>
+                <a:latin typeface="Tahoma"/>
+                <a:cs typeface="Tahoma"/>
+              </a:rPr>
+              <a:t>o</a:t>
+            </a:r>
+            <a:endParaRPr sz="2000" dirty="0">
+              <a:latin typeface="Tahoma"/>
+              <a:cs typeface="Tahoma"/>
+            </a:endParaRPr>
+          </a:p>
+        </p:txBody>
+      </p:sp>
+      <p:sp>
+        <p:nvSpPr>
+          <p:cNvPr id="30" name="object 30"/>
+          <p:cNvSpPr txBox="1"/>
+          <p:nvPr/>
+        </p:nvSpPr>
+        <p:spPr>
+          <a:xfrm>
+            <a:off x="266700" y="5210175"/>
+            <a:ext cx="3143250" cy="366126"/>
+          </a:xfrm>
+          <a:prstGeom prst="rect">
+            <a:avLst/>
+          </a:prstGeom>
+          <a:solidFill>
+            <a:srgbClr val="4F9FF8"/>
+          </a:solidFill>
+        </p:spPr>
+        <p:txBody>
+          <a:bodyPr vert="horz" wrap="square" lIns="0" tIns="57785" rIns="0" bIns="0" rtlCol="0" anchor="ctr">
+            <a:spAutoFit/>
+          </a:bodyPr>
+          <a:lstStyle/>
+          <a:p>
+            <a:pPr algn="ctr">
+              <a:lnSpc>
+                <a:spcPct val="100000"/>
+              </a:lnSpc>
+              <a:spcBef>
+                <a:spcPts val="455"/>
+              </a:spcBef>
+            </a:pPr>
+            <a:r>
+              <a:rPr sz="2000" spc="-10" dirty="0">
+                <a:solidFill>
+                  <a:srgbClr val="F1F1F1"/>
+                </a:solidFill>
+                <a:latin typeface="Tahoma"/>
+                <a:cs typeface="Tahoma"/>
+              </a:rPr>
+              <a:t>2</a:t>
+            </a:r>
+            <a:r>
+              <a:rPr sz="2000" spc="-215" dirty="0">
+                <a:solidFill>
+                  <a:srgbClr val="F1F1F1"/>
+                </a:solidFill>
+                <a:latin typeface="Tahoma"/>
+                <a:cs typeface="Tahoma"/>
+              </a:rPr>
+              <a:t> </a:t>
+            </a:r>
+            <a:r>
+              <a:rPr sz="2000" spc="40" dirty="0">
+                <a:solidFill>
+                  <a:srgbClr val="F1F1F1"/>
+                </a:solidFill>
+                <a:latin typeface="Tahoma"/>
+                <a:cs typeface="Tahoma"/>
+              </a:rPr>
+              <a:t>sp</a:t>
+            </a:r>
+            <a:r>
+              <a:rPr sz="2000" spc="45" dirty="0">
+                <a:solidFill>
+                  <a:srgbClr val="F1F1F1"/>
+                </a:solidFill>
+                <a:latin typeface="Tahoma"/>
+                <a:cs typeface="Tahoma"/>
+              </a:rPr>
+              <a:t>r</a:t>
+            </a:r>
+            <a:r>
+              <a:rPr sz="2000" spc="65" dirty="0">
+                <a:solidFill>
+                  <a:srgbClr val="F1F1F1"/>
+                </a:solidFill>
+                <a:latin typeface="Tahoma"/>
+                <a:cs typeface="Tahoma"/>
+              </a:rPr>
+              <a:t>i</a:t>
+            </a:r>
+            <a:r>
+              <a:rPr sz="2000" spc="5" dirty="0">
+                <a:solidFill>
+                  <a:srgbClr val="F1F1F1"/>
+                </a:solidFill>
+                <a:latin typeface="Tahoma"/>
+                <a:cs typeface="Tahoma"/>
+              </a:rPr>
+              <a:t>n</a:t>
+            </a:r>
+            <a:r>
+              <a:rPr sz="2000" spc="75" dirty="0">
+                <a:solidFill>
+                  <a:srgbClr val="F1F1F1"/>
+                </a:solidFill>
+                <a:latin typeface="Tahoma"/>
+                <a:cs typeface="Tahoma"/>
+              </a:rPr>
+              <a:t>t</a:t>
+            </a:r>
+            <a:r>
+              <a:rPr sz="2000" spc="80" dirty="0">
+                <a:solidFill>
+                  <a:srgbClr val="F1F1F1"/>
+                </a:solidFill>
+                <a:latin typeface="Tahoma"/>
+                <a:cs typeface="Tahoma"/>
+              </a:rPr>
+              <a:t>s</a:t>
+            </a:r>
+            <a:r>
+              <a:rPr sz="2000" spc="-400" dirty="0">
+                <a:solidFill>
+                  <a:srgbClr val="F1F1F1"/>
+                </a:solidFill>
+                <a:latin typeface="Tahoma"/>
+                <a:cs typeface="Tahoma"/>
+              </a:rPr>
+              <a:t> </a:t>
+            </a:r>
+            <a:r>
+              <a:rPr sz="2000" spc="-5" dirty="0">
+                <a:solidFill>
+                  <a:srgbClr val="F1F1F1"/>
+                </a:solidFill>
+                <a:latin typeface="Tahoma"/>
+                <a:cs typeface="Tahoma"/>
+              </a:rPr>
+              <a:t>a</a:t>
+            </a:r>
+            <a:r>
+              <a:rPr sz="2000" spc="15" dirty="0">
+                <a:solidFill>
+                  <a:srgbClr val="F1F1F1"/>
+                </a:solidFill>
+                <a:latin typeface="Tahoma"/>
+                <a:cs typeface="Tahoma"/>
+              </a:rPr>
+              <a:t>o</a:t>
+            </a:r>
+            <a:r>
+              <a:rPr sz="2000" spc="-310" dirty="0">
+                <a:solidFill>
+                  <a:srgbClr val="F1F1F1"/>
+                </a:solidFill>
+                <a:latin typeface="Tahoma"/>
+                <a:cs typeface="Tahoma"/>
+              </a:rPr>
+              <a:t> </a:t>
+            </a:r>
+            <a:r>
+              <a:rPr sz="2000" spc="-35" dirty="0">
+                <a:solidFill>
+                  <a:srgbClr val="F1F1F1"/>
+                </a:solidFill>
+                <a:latin typeface="Tahoma"/>
+                <a:cs typeface="Tahoma"/>
+              </a:rPr>
+              <a:t>m</a:t>
+            </a:r>
+            <a:r>
+              <a:rPr sz="2000" spc="-10" dirty="0">
+                <a:solidFill>
+                  <a:srgbClr val="F1F1F1"/>
+                </a:solidFill>
+                <a:latin typeface="Tahoma"/>
+                <a:cs typeface="Tahoma"/>
+              </a:rPr>
+              <a:t>e</a:t>
+            </a:r>
+            <a:r>
+              <a:rPr sz="2000" spc="25" dirty="0">
+                <a:solidFill>
+                  <a:srgbClr val="F1F1F1"/>
+                </a:solidFill>
+                <a:latin typeface="Tahoma"/>
+                <a:cs typeface="Tahoma"/>
+              </a:rPr>
+              <a:t>s</a:t>
+            </a:r>
+            <a:r>
+              <a:rPr sz="2000" spc="20" dirty="0">
+                <a:solidFill>
+                  <a:srgbClr val="F1F1F1"/>
+                </a:solidFill>
+                <a:latin typeface="Tahoma"/>
+                <a:cs typeface="Tahoma"/>
+              </a:rPr>
+              <a:t>m</a:t>
+            </a:r>
+            <a:r>
+              <a:rPr sz="2000" spc="15" dirty="0">
+                <a:solidFill>
+                  <a:srgbClr val="F1F1F1"/>
+                </a:solidFill>
+                <a:latin typeface="Tahoma"/>
+                <a:cs typeface="Tahoma"/>
+              </a:rPr>
+              <a:t>o</a:t>
+            </a:r>
+            <a:r>
+              <a:rPr sz="2000" spc="-235" dirty="0">
+                <a:solidFill>
+                  <a:srgbClr val="F1F1F1"/>
+                </a:solidFill>
+                <a:latin typeface="Tahoma"/>
+                <a:cs typeface="Tahoma"/>
+              </a:rPr>
+              <a:t> </a:t>
+            </a:r>
+            <a:r>
+              <a:rPr sz="2000" spc="75" dirty="0">
+                <a:solidFill>
+                  <a:srgbClr val="F1F1F1"/>
+                </a:solidFill>
+                <a:latin typeface="Tahoma"/>
+                <a:cs typeface="Tahoma"/>
+              </a:rPr>
+              <a:t>t</a:t>
+            </a:r>
+            <a:r>
+              <a:rPr sz="2000" spc="-10" dirty="0">
+                <a:solidFill>
+                  <a:srgbClr val="F1F1F1"/>
+                </a:solidFill>
+                <a:latin typeface="Tahoma"/>
+                <a:cs typeface="Tahoma"/>
+              </a:rPr>
+              <a:t>e</a:t>
+            </a:r>
+            <a:r>
+              <a:rPr sz="2000" spc="-35" dirty="0">
+                <a:solidFill>
+                  <a:srgbClr val="F1F1F1"/>
+                </a:solidFill>
+                <a:latin typeface="Tahoma"/>
+                <a:cs typeface="Tahoma"/>
+              </a:rPr>
+              <a:t>m</a:t>
+            </a:r>
+            <a:r>
+              <a:rPr sz="2000" spc="15" dirty="0">
+                <a:solidFill>
+                  <a:srgbClr val="F1F1F1"/>
+                </a:solidFill>
+                <a:latin typeface="Tahoma"/>
+                <a:cs typeface="Tahoma"/>
+              </a:rPr>
+              <a:t>po</a:t>
+            </a:r>
+            <a:endParaRPr sz="2000" dirty="0">
+              <a:latin typeface="Tahoma"/>
+              <a:cs typeface="Tahoma"/>
+            </a:endParaRPr>
+          </a:p>
+        </p:txBody>
+      </p:sp>
+      <p:sp>
+        <p:nvSpPr>
+          <p:cNvPr id="31" name="object 31"/>
+          <p:cNvSpPr txBox="1"/>
+          <p:nvPr/>
+        </p:nvSpPr>
+        <p:spPr>
+          <a:xfrm>
+            <a:off x="8115300" y="4924425"/>
+            <a:ext cx="3524250" cy="363560"/>
+          </a:xfrm>
+          <a:prstGeom prst="rect">
+            <a:avLst/>
+          </a:prstGeom>
+          <a:solidFill>
+            <a:srgbClr val="7188BE"/>
+          </a:solidFill>
+        </p:spPr>
+        <p:txBody>
+          <a:bodyPr vert="horz" wrap="square" lIns="0" tIns="55244" rIns="0" bIns="0" rtlCol="0" anchor="ctr">
+            <a:spAutoFit/>
+          </a:bodyPr>
+          <a:lstStyle/>
+          <a:p>
+            <a:pPr algn="ctr">
+              <a:lnSpc>
+                <a:spcPct val="100000"/>
+              </a:lnSpc>
+              <a:spcBef>
+                <a:spcPts val="434"/>
+              </a:spcBef>
+            </a:pPr>
+            <a:r>
+              <a:rPr sz="2000" spc="-145" dirty="0">
+                <a:solidFill>
+                  <a:srgbClr val="F1F1F1"/>
+                </a:solidFill>
+                <a:latin typeface="Tahoma"/>
+                <a:cs typeface="Tahoma"/>
+              </a:rPr>
+              <a:t>O</a:t>
+            </a:r>
+            <a:r>
+              <a:rPr sz="2000" spc="25" dirty="0">
+                <a:solidFill>
+                  <a:srgbClr val="F1F1F1"/>
+                </a:solidFill>
+                <a:latin typeface="Tahoma"/>
+                <a:cs typeface="Tahoma"/>
+              </a:rPr>
+              <a:t>r</a:t>
+            </a:r>
+            <a:r>
+              <a:rPr sz="2000" spc="-60" dirty="0">
+                <a:solidFill>
+                  <a:srgbClr val="F1F1F1"/>
+                </a:solidFill>
+                <a:latin typeface="Tahoma"/>
+                <a:cs typeface="Tahoma"/>
+              </a:rPr>
+              <a:t>g</a:t>
+            </a:r>
+            <a:r>
+              <a:rPr sz="2000" spc="-5" dirty="0">
+                <a:solidFill>
+                  <a:srgbClr val="F1F1F1"/>
+                </a:solidFill>
+                <a:latin typeface="Tahoma"/>
+                <a:cs typeface="Tahoma"/>
+              </a:rPr>
+              <a:t>a</a:t>
+            </a:r>
+            <a:r>
+              <a:rPr sz="2000" spc="5" dirty="0">
+                <a:solidFill>
+                  <a:srgbClr val="F1F1F1"/>
+                </a:solidFill>
+                <a:latin typeface="Tahoma"/>
+                <a:cs typeface="Tahoma"/>
+              </a:rPr>
+              <a:t>n</a:t>
+            </a:r>
+            <a:r>
+              <a:rPr sz="2000" spc="65" dirty="0">
+                <a:solidFill>
+                  <a:srgbClr val="F1F1F1"/>
+                </a:solidFill>
+                <a:latin typeface="Tahoma"/>
+                <a:cs typeface="Tahoma"/>
+              </a:rPr>
+              <a:t>i</a:t>
+            </a:r>
+            <a:r>
+              <a:rPr sz="2000" spc="-5" dirty="0">
+                <a:solidFill>
+                  <a:srgbClr val="F1F1F1"/>
+                </a:solidFill>
+                <a:latin typeface="Tahoma"/>
+                <a:cs typeface="Tahoma"/>
+              </a:rPr>
+              <a:t>z</a:t>
+            </a:r>
+            <a:r>
+              <a:rPr sz="2000" spc="5" dirty="0">
+                <a:solidFill>
+                  <a:srgbClr val="F1F1F1"/>
+                </a:solidFill>
+                <a:latin typeface="Tahoma"/>
+                <a:cs typeface="Tahoma"/>
+              </a:rPr>
+              <a:t>a</a:t>
+            </a:r>
+            <a:r>
+              <a:rPr sz="2000" spc="50" dirty="0">
+                <a:solidFill>
+                  <a:srgbClr val="F1F1F1"/>
+                </a:solidFill>
+                <a:latin typeface="Tahoma"/>
+                <a:cs typeface="Tahoma"/>
+              </a:rPr>
+              <a:t>ç</a:t>
+            </a:r>
+            <a:r>
+              <a:rPr sz="2000" spc="70" dirty="0">
+                <a:solidFill>
+                  <a:srgbClr val="F1F1F1"/>
+                </a:solidFill>
+                <a:latin typeface="Tahoma"/>
+                <a:cs typeface="Tahoma"/>
+              </a:rPr>
+              <a:t>ã</a:t>
+            </a:r>
+            <a:r>
+              <a:rPr sz="2000" spc="15" dirty="0">
+                <a:solidFill>
+                  <a:srgbClr val="F1F1F1"/>
+                </a:solidFill>
+                <a:latin typeface="Tahoma"/>
+                <a:cs typeface="Tahoma"/>
+              </a:rPr>
+              <a:t>o</a:t>
+            </a:r>
+            <a:r>
+              <a:rPr sz="2000" spc="-380" dirty="0">
+                <a:solidFill>
+                  <a:srgbClr val="F1F1F1"/>
+                </a:solidFill>
+                <a:latin typeface="Tahoma"/>
+                <a:cs typeface="Tahoma"/>
+              </a:rPr>
+              <a:t> </a:t>
+            </a:r>
+            <a:r>
+              <a:rPr sz="2000" spc="25" dirty="0">
+                <a:solidFill>
+                  <a:srgbClr val="F1F1F1"/>
+                </a:solidFill>
+                <a:latin typeface="Tahoma"/>
+                <a:cs typeface="Tahoma"/>
+              </a:rPr>
+              <a:t>e</a:t>
+            </a:r>
+            <a:r>
+              <a:rPr sz="2000" spc="-280" dirty="0">
+                <a:solidFill>
+                  <a:srgbClr val="F1F1F1"/>
+                </a:solidFill>
+                <a:latin typeface="Tahoma"/>
+                <a:cs typeface="Tahoma"/>
+              </a:rPr>
+              <a:t> </a:t>
+            </a:r>
+            <a:r>
+              <a:rPr sz="2000" spc="75" dirty="0">
+                <a:solidFill>
+                  <a:srgbClr val="F1F1F1"/>
+                </a:solidFill>
+                <a:latin typeface="Tahoma"/>
+                <a:cs typeface="Tahoma"/>
+              </a:rPr>
+              <a:t>P</a:t>
+            </a:r>
+            <a:r>
+              <a:rPr sz="2000" spc="15" dirty="0">
+                <a:solidFill>
+                  <a:srgbClr val="F1F1F1"/>
+                </a:solidFill>
+                <a:latin typeface="Tahoma"/>
+                <a:cs typeface="Tahoma"/>
+              </a:rPr>
+              <a:t>l</a:t>
+            </a:r>
+            <a:r>
+              <a:rPr sz="2000" spc="-5" dirty="0">
+                <a:solidFill>
+                  <a:srgbClr val="F1F1F1"/>
+                </a:solidFill>
+                <a:latin typeface="Tahoma"/>
+                <a:cs typeface="Tahoma"/>
+              </a:rPr>
+              <a:t>a</a:t>
+            </a:r>
+            <a:r>
+              <a:rPr sz="2000" spc="5" dirty="0">
+                <a:solidFill>
+                  <a:srgbClr val="F1F1F1"/>
+                </a:solidFill>
+                <a:latin typeface="Tahoma"/>
+                <a:cs typeface="Tahoma"/>
+              </a:rPr>
+              <a:t>n</a:t>
+            </a:r>
+            <a:r>
+              <a:rPr sz="2000" spc="-5" dirty="0">
+                <a:solidFill>
+                  <a:srgbClr val="F1F1F1"/>
+                </a:solidFill>
+                <a:latin typeface="Tahoma"/>
+                <a:cs typeface="Tahoma"/>
+              </a:rPr>
+              <a:t>e</a:t>
+            </a:r>
+            <a:r>
+              <a:rPr sz="2000" spc="-45" dirty="0">
+                <a:solidFill>
+                  <a:srgbClr val="F1F1F1"/>
+                </a:solidFill>
+                <a:latin typeface="Tahoma"/>
+                <a:cs typeface="Tahoma"/>
+              </a:rPr>
+              <a:t>j</a:t>
+            </a:r>
+            <a:r>
+              <a:rPr sz="2000" spc="-5" dirty="0">
+                <a:solidFill>
+                  <a:srgbClr val="F1F1F1"/>
+                </a:solidFill>
+                <a:latin typeface="Tahoma"/>
+                <a:cs typeface="Tahoma"/>
+              </a:rPr>
+              <a:t>a</a:t>
+            </a:r>
+            <a:r>
+              <a:rPr sz="2000" spc="-30" dirty="0">
+                <a:solidFill>
+                  <a:srgbClr val="F1F1F1"/>
+                </a:solidFill>
+                <a:latin typeface="Tahoma"/>
+                <a:cs typeface="Tahoma"/>
+              </a:rPr>
+              <a:t>m</a:t>
+            </a:r>
+            <a:r>
+              <a:rPr sz="2000" spc="-5" dirty="0">
+                <a:solidFill>
+                  <a:srgbClr val="F1F1F1"/>
+                </a:solidFill>
+                <a:latin typeface="Tahoma"/>
+                <a:cs typeface="Tahoma"/>
+              </a:rPr>
+              <a:t>e</a:t>
+            </a:r>
+            <a:r>
+              <a:rPr sz="2000" spc="5" dirty="0">
+                <a:solidFill>
+                  <a:srgbClr val="F1F1F1"/>
+                </a:solidFill>
+                <a:latin typeface="Tahoma"/>
+                <a:cs typeface="Tahoma"/>
+              </a:rPr>
+              <a:t>n</a:t>
+            </a:r>
+            <a:r>
+              <a:rPr sz="2000" spc="75" dirty="0">
+                <a:solidFill>
+                  <a:srgbClr val="F1F1F1"/>
+                </a:solidFill>
+                <a:latin typeface="Tahoma"/>
+                <a:cs typeface="Tahoma"/>
+              </a:rPr>
+              <a:t>t</a:t>
+            </a:r>
+            <a:r>
+              <a:rPr sz="2000" spc="15" dirty="0">
+                <a:solidFill>
+                  <a:srgbClr val="F1F1F1"/>
+                </a:solidFill>
+                <a:latin typeface="Tahoma"/>
+                <a:cs typeface="Tahoma"/>
+              </a:rPr>
+              <a:t>o</a:t>
+            </a:r>
+            <a:endParaRPr sz="2000" dirty="0">
+              <a:latin typeface="Tahoma"/>
+              <a:cs typeface="Tahoma"/>
+            </a:endParaRPr>
+          </a:p>
+        </p:txBody>
+      </p:sp>
+      <p:sp>
+        <p:nvSpPr>
+          <p:cNvPr id="33" name="Título 32">
             <a:extLst>
               <a:ext uri="{FF2B5EF4-FFF2-40B4-BE49-F238E27FC236}">
-                <a16:creationId xmlns:a16="http://schemas.microsoft.com/office/drawing/2014/main" id="{6B9650EA-87E2-4527-B16F-E49E5E6480FD}"/>
+                <a16:creationId xmlns:a16="http://schemas.microsoft.com/office/drawing/2014/main" id="{8C9771FE-96A8-40BF-962F-39E28A849C66}"/>
               </a:ext>
             </a:extLst>
           </p:cNvPr>
@@ -10479,39 +14630,30 @@
             <a:spLocks noGrp="1"/>
           </p:cNvSpPr>
           <p:nvPr>
-            <p:ph type="title" idx="4294967295"/>
+            <p:ph type="title"/>
           </p:nvPr>
         </p:nvSpPr>
-        <p:spPr>
-          <a:xfrm>
-            <a:off x="587764" y="447953"/>
-            <a:ext cx="7551738" cy="660400"/>
-          </a:xfrm>
-          <a:prstGeom prst="rect">
-            <a:avLst/>
-          </a:prstGeom>
-        </p:spPr>
+        <p:spPr/>
         <p:txBody>
           <a:bodyPr/>
           <a:lstStyle/>
           <a:p>
             <a:r>
-              <a:rPr lang="pt-BR" sz="3200" dirty="0">
-                <a:latin typeface="Verdana" panose="020B0604030504040204" pitchFamily="34" charset="0"/>
-                <a:ea typeface="Verdana" panose="020B0604030504040204" pitchFamily="34" charset="0"/>
-              </a:rPr>
-              <a:t>Atividade 01 – Reunião de Retrospectiva</a:t>
-            </a:r>
-            <a:endParaRPr lang="en-US" sz="3200" dirty="0">
-              <a:latin typeface="Verdana" panose="020B0604030504040204" pitchFamily="34" charset="0"/>
-              <a:ea typeface="Verdana" panose="020B0604030504040204" pitchFamily="34" charset="0"/>
-            </a:endParaRPr>
-          </a:p>
-        </p:txBody>
-      </p:sp>
-      <p:sp>
-        <p:nvSpPr>
-          <p:cNvPr id="13" name="Espaço Reservado para Conteúdo 2"/>
+              <a:rPr lang="pt-BR" dirty="0"/>
+              <a:t> </a:t>
+            </a:r>
+          </a:p>
+        </p:txBody>
+      </p:sp>
+      <p:sp>
+        <p:nvSpPr>
+          <p:cNvPr id="34" name="Título 5">
+            <a:extLst>
+              <a:ext uri="{FF2B5EF4-FFF2-40B4-BE49-F238E27FC236}">
+                <a16:creationId xmlns:a16="http://schemas.microsoft.com/office/drawing/2014/main" id="{B579F9B7-05E1-4F8D-A336-167D08877849}"/>
+              </a:ext>
+            </a:extLst>
+          </p:cNvPr>
           <p:cNvSpPr txBox="1">
             <a:spLocks/>
           </p:cNvSpPr>
@@ -10519,382 +14661,125 @@
         </p:nvSpPr>
         <p:spPr>
           <a:xfrm>
-            <a:off x="936730" y="1005222"/>
-            <a:ext cx="10906304" cy="5754446"/>
-          </a:xfrm>
-          <a:prstGeom prst="rect">
-            <a:avLst/>
-          </a:prstGeom>
-        </p:spPr>
-        <p:txBody>
-          <a:bodyPr>
-            <a:noAutofit/>
-          </a:bodyPr>
+            <a:off x="4162338" y="-19061"/>
+            <a:ext cx="3867324" cy="891795"/>
+          </a:xfrm>
+          <a:prstGeom prst="rect">
+            <a:avLst/>
+          </a:prstGeom>
+        </p:spPr>
+        <p:txBody>
+          <a:bodyPr anchor="ctr"/>
           <a:lstStyle>
-            <a:lvl1pPr marL="431080" indent="-431080" algn="l" defTabSz="1149545" rtl="0" eaLnBrk="1" latinLnBrk="0" hangingPunct="1">
+            <a:lvl1pPr algn="l" defTabSz="914400" rtl="0" eaLnBrk="1" latinLnBrk="0" hangingPunct="1">
+              <a:lnSpc>
+                <a:spcPct val="90000"/>
+              </a:lnSpc>
               <a:spcBef>
-                <a:spcPct val="20000"/>
+                <a:spcPct val="0"/>
               </a:spcBef>
-              <a:buFont typeface="Arial" pitchFamily="34" charset="0"/>
-              <a:buChar char="•"/>
-              <a:defRPr sz="4023" kern="1200">
+              <a:buNone/>
+              <a:defRPr sz="4400" kern="1200">
                 <a:solidFill>
                   <a:schemeClr val="tx1"/>
                 </a:solidFill>
-                <a:latin typeface="+mn-lt"/>
-                <a:ea typeface="+mn-ea"/>
-                <a:cs typeface="+mn-cs"/>
+                <a:latin typeface="+mj-lt"/>
+                <a:ea typeface="+mj-ea"/>
+                <a:cs typeface="+mj-cs"/>
               </a:defRPr>
             </a:lvl1pPr>
-            <a:lvl2pPr marL="934005" indent="-359233" algn="l" defTabSz="1149545" rtl="0" eaLnBrk="1" latinLnBrk="0" hangingPunct="1">
-              <a:spcBef>
-                <a:spcPct val="20000"/>
-              </a:spcBef>
-              <a:buFont typeface="Arial" pitchFamily="34" charset="0"/>
-              <a:buChar char="–"/>
-              <a:defRPr sz="3520" kern="1200">
-                <a:solidFill>
-                  <a:schemeClr val="tx1"/>
-                </a:solidFill>
-                <a:latin typeface="+mn-lt"/>
-                <a:ea typeface="+mn-ea"/>
-                <a:cs typeface="+mn-cs"/>
-              </a:defRPr>
-            </a:lvl2pPr>
-            <a:lvl3pPr marL="1436931" indent="-287386" algn="l" defTabSz="1149545" rtl="0" eaLnBrk="1" latinLnBrk="0" hangingPunct="1">
-              <a:spcBef>
-                <a:spcPct val="20000"/>
-              </a:spcBef>
-              <a:buFont typeface="Arial" pitchFamily="34" charset="0"/>
-              <a:buChar char="•"/>
-              <a:defRPr sz="3017" kern="1200">
-                <a:solidFill>
-                  <a:schemeClr val="tx1"/>
-                </a:solidFill>
-                <a:latin typeface="+mn-lt"/>
-                <a:ea typeface="+mn-ea"/>
-                <a:cs typeface="+mn-cs"/>
-              </a:defRPr>
-            </a:lvl3pPr>
-            <a:lvl4pPr marL="2011704" indent="-287386" algn="l" defTabSz="1149545" rtl="0" eaLnBrk="1" latinLnBrk="0" hangingPunct="1">
-              <a:spcBef>
-                <a:spcPct val="20000"/>
-              </a:spcBef>
-              <a:buFont typeface="Arial" pitchFamily="34" charset="0"/>
-              <a:buChar char="–"/>
-              <a:defRPr sz="2514" kern="1200">
-                <a:solidFill>
-                  <a:schemeClr val="tx1"/>
-                </a:solidFill>
-                <a:latin typeface="+mn-lt"/>
-                <a:ea typeface="+mn-ea"/>
-                <a:cs typeface="+mn-cs"/>
-              </a:defRPr>
-            </a:lvl4pPr>
-            <a:lvl5pPr marL="2586478" indent="-287386" algn="l" defTabSz="1149545" rtl="0" eaLnBrk="1" latinLnBrk="0" hangingPunct="1">
-              <a:spcBef>
-                <a:spcPct val="20000"/>
-              </a:spcBef>
-              <a:buFont typeface="Arial" pitchFamily="34" charset="0"/>
-              <a:buChar char="»"/>
-              <a:defRPr sz="2514" kern="1200">
-                <a:solidFill>
-                  <a:schemeClr val="tx1"/>
-                </a:solidFill>
-                <a:latin typeface="+mn-lt"/>
-                <a:ea typeface="+mn-ea"/>
-                <a:cs typeface="+mn-cs"/>
-              </a:defRPr>
-            </a:lvl5pPr>
-            <a:lvl6pPr marL="3161249" indent="-287386" algn="l" defTabSz="1149545" rtl="0" eaLnBrk="1" latinLnBrk="0" hangingPunct="1">
-              <a:spcBef>
-                <a:spcPct val="20000"/>
-              </a:spcBef>
-              <a:buFont typeface="Arial" pitchFamily="34" charset="0"/>
-              <a:buChar char="•"/>
-              <a:defRPr sz="2514" kern="1200">
-                <a:solidFill>
-                  <a:schemeClr val="tx1"/>
-                </a:solidFill>
-                <a:latin typeface="+mn-lt"/>
-                <a:ea typeface="+mn-ea"/>
-                <a:cs typeface="+mn-cs"/>
-              </a:defRPr>
-            </a:lvl6pPr>
-            <a:lvl7pPr marL="3736023" indent="-287386" algn="l" defTabSz="1149545" rtl="0" eaLnBrk="1" latinLnBrk="0" hangingPunct="1">
-              <a:spcBef>
-                <a:spcPct val="20000"/>
-              </a:spcBef>
-              <a:buFont typeface="Arial" pitchFamily="34" charset="0"/>
-              <a:buChar char="•"/>
-              <a:defRPr sz="2514" kern="1200">
-                <a:solidFill>
-                  <a:schemeClr val="tx1"/>
-                </a:solidFill>
-                <a:latin typeface="+mn-lt"/>
-                <a:ea typeface="+mn-ea"/>
-                <a:cs typeface="+mn-cs"/>
-              </a:defRPr>
-            </a:lvl7pPr>
-            <a:lvl8pPr marL="4310795" indent="-287386" algn="l" defTabSz="1149545" rtl="0" eaLnBrk="1" latinLnBrk="0" hangingPunct="1">
-              <a:spcBef>
-                <a:spcPct val="20000"/>
-              </a:spcBef>
-              <a:buFont typeface="Arial" pitchFamily="34" charset="0"/>
-              <a:buChar char="•"/>
-              <a:defRPr sz="2514" kern="1200">
-                <a:solidFill>
-                  <a:schemeClr val="tx1"/>
-                </a:solidFill>
-                <a:latin typeface="+mn-lt"/>
-                <a:ea typeface="+mn-ea"/>
-                <a:cs typeface="+mn-cs"/>
-              </a:defRPr>
-            </a:lvl8pPr>
-            <a:lvl9pPr marL="4885567" indent="-287386" algn="l" defTabSz="1149545" rtl="0" eaLnBrk="1" latinLnBrk="0" hangingPunct="1">
-              <a:spcBef>
-                <a:spcPct val="20000"/>
-              </a:spcBef>
-              <a:buFont typeface="Arial" pitchFamily="34" charset="0"/>
-              <a:buChar char="•"/>
-              <a:defRPr sz="2514" kern="1200">
-                <a:solidFill>
-                  <a:schemeClr val="tx1"/>
-                </a:solidFill>
-                <a:latin typeface="+mn-lt"/>
-                <a:ea typeface="+mn-ea"/>
-                <a:cs typeface="+mn-cs"/>
-              </a:defRPr>
-            </a:lvl9pPr>
           </a:lstStyle>
           <a:p>
-            <a:pPr algn="just"/>
-            <a:endParaRPr lang="pt-BR" sz="2177">
-              <a:solidFill>
-                <a:srgbClr val="253746"/>
-              </a:solidFill>
-              <a:latin typeface="Exo 2" panose="00000500000000000000" pitchFamily="50" charset="0"/>
-            </a:endParaRPr>
-          </a:p>
-          <a:p>
-            <a:pPr marL="0" indent="0" algn="just">
-              <a:buNone/>
+            <a:pPr algn="ctr">
+              <a:lnSpc>
+                <a:spcPct val="100000"/>
+              </a:lnSpc>
+              <a:spcAft>
+                <a:spcPts val="600"/>
+              </a:spcAft>
             </a:pPr>
-            <a:endParaRPr lang="pt-BR" sz="2177">
-              <a:solidFill>
-                <a:srgbClr val="253746"/>
-              </a:solidFill>
-              <a:latin typeface="Exo 2" panose="00000500000000000000" pitchFamily="50" charset="0"/>
-            </a:endParaRPr>
-          </a:p>
-        </p:txBody>
-      </p:sp>
-      <p:sp>
-        <p:nvSpPr>
-          <p:cNvPr id="5" name="Retângulo 4"/>
-          <p:cNvSpPr/>
+            <a:r>
+              <a:rPr lang="pt-BR" sz="2800" b="1" dirty="0">
+                <a:solidFill>
+                  <a:schemeClr val="tx1">
+                    <a:lumMod val="75000"/>
+                    <a:lumOff val="25000"/>
+                  </a:schemeClr>
+                </a:solidFill>
+                <a:latin typeface="Verdana" panose="020B0604030504040204" pitchFamily="34" charset="0"/>
+                <a:ea typeface="Verdana" panose="020B0604030504040204" pitchFamily="34" charset="0"/>
+              </a:rPr>
+              <a:t>Magna – Grupo 6</a:t>
+            </a:r>
+          </a:p>
+        </p:txBody>
+      </p:sp>
+      <p:sp>
+        <p:nvSpPr>
+          <p:cNvPr id="35" name="object 18">
+            <a:extLst>
+              <a:ext uri="{FF2B5EF4-FFF2-40B4-BE49-F238E27FC236}">
+                <a16:creationId xmlns:a16="http://schemas.microsoft.com/office/drawing/2014/main" id="{82998F18-2ED4-48CC-940A-2D0E9F2AF4D7}"/>
+              </a:ext>
+            </a:extLst>
+          </p:cNvPr>
+          <p:cNvSpPr txBox="1"/>
           <p:nvPr/>
         </p:nvSpPr>
         <p:spPr>
           <a:xfrm>
-            <a:off x="587764" y="1665622"/>
-            <a:ext cx="6350000" cy="4632037"/>
-          </a:xfrm>
-          <a:prstGeom prst="rect">
-            <a:avLst/>
-          </a:prstGeom>
-        </p:spPr>
-        <p:txBody>
-          <a:bodyPr wrap="square">
+            <a:off x="327639" y="4392220"/>
+            <a:ext cx="3174945" cy="360996"/>
+          </a:xfrm>
+          <a:prstGeom prst="rect">
+            <a:avLst/>
+          </a:prstGeom>
+          <a:solidFill>
+            <a:srgbClr val="3E558A"/>
+          </a:solidFill>
+        </p:spPr>
+        <p:txBody>
+          <a:bodyPr vert="horz" wrap="square" lIns="0" tIns="52705" rIns="0" bIns="0" rtlCol="0" anchor="ctr">
             <a:spAutoFit/>
           </a:bodyPr>
           <a:lstStyle/>
           <a:p>
-            <a:pPr>
+            <a:pPr algn="ctr">
               <a:lnSpc>
-                <a:spcPct val="150000"/>
+                <a:spcPct val="100000"/>
               </a:lnSpc>
+              <a:spcBef>
+                <a:spcPts val="415"/>
+              </a:spcBef>
             </a:pPr>
             <a:r>
-              <a:rPr lang="pt-BR" sz="2200" b="1" dirty="0">
-                <a:solidFill>
-                  <a:srgbClr val="253746"/>
-                </a:solidFill>
-                <a:latin typeface="Verdana" panose="020B0604030504040204" pitchFamily="34" charset="0"/>
-                <a:ea typeface="Verdana" panose="020B0604030504040204" pitchFamily="34" charset="0"/>
-              </a:rPr>
-              <a:t>Foco: Planejamento/Gestão do Tempo, Execução, Metodologia de Trabalho, Riscos/Imprevistos. </a:t>
-            </a:r>
-            <a:endParaRPr lang="pt-BR" sz="2177" dirty="0">
-              <a:solidFill>
-                <a:srgbClr val="253746"/>
-              </a:solidFill>
-              <a:latin typeface="Verdana" panose="020B0604030504040204" pitchFamily="34" charset="0"/>
-              <a:ea typeface="Verdana" panose="020B0604030504040204" pitchFamily="34" charset="0"/>
+              <a:rPr lang="pt-BR" sz="2000" spc="25" dirty="0">
+                <a:solidFill>
+                  <a:srgbClr val="F1F1F1"/>
+                </a:solidFill>
+                <a:latin typeface="Tahoma"/>
+                <a:cs typeface="Tahoma"/>
+              </a:rPr>
+              <a:t>Falta de </a:t>
+            </a:r>
+            <a:r>
+              <a:rPr sz="2000" spc="25" dirty="0" err="1">
+                <a:solidFill>
+                  <a:srgbClr val="F1F1F1"/>
+                </a:solidFill>
+                <a:latin typeface="Tahoma"/>
+                <a:cs typeface="Tahoma"/>
+              </a:rPr>
+              <a:t>Reconhecimento</a:t>
+            </a:r>
+            <a:endParaRPr sz="2000" dirty="0">
+              <a:latin typeface="Tahoma"/>
+              <a:cs typeface="Tahoma"/>
             </a:endParaRPr>
           </a:p>
-          <a:p>
-            <a:pPr>
-              <a:lnSpc>
-                <a:spcPct val="150000"/>
-              </a:lnSpc>
-            </a:pPr>
-            <a:r>
-              <a:rPr lang="pt-BR" sz="2200" dirty="0">
-                <a:solidFill>
-                  <a:srgbClr val="253746"/>
-                </a:solidFill>
-                <a:latin typeface="Verdana" panose="020B0604030504040204" pitchFamily="34" charset="0"/>
-                <a:ea typeface="Verdana" panose="020B0604030504040204" pitchFamily="34" charset="0"/>
-              </a:rPr>
-              <a:t>Os itens socioemocionais serão trabalhados pela </a:t>
-            </a:r>
-            <a:r>
-              <a:rPr lang="pt-BR" sz="2200" dirty="0" err="1">
-                <a:solidFill>
-                  <a:srgbClr val="253746"/>
-                </a:solidFill>
-                <a:latin typeface="Verdana" panose="020B0604030504040204" pitchFamily="34" charset="0"/>
-                <a:ea typeface="Verdana" panose="020B0604030504040204" pitchFamily="34" charset="0"/>
-              </a:rPr>
-              <a:t>Profª</a:t>
-            </a:r>
-            <a:r>
-              <a:rPr lang="pt-BR" sz="2200" dirty="0">
-                <a:solidFill>
-                  <a:srgbClr val="253746"/>
-                </a:solidFill>
-                <a:latin typeface="Verdana" panose="020B0604030504040204" pitchFamily="34" charset="0"/>
-                <a:ea typeface="Verdana" panose="020B0604030504040204" pitchFamily="34" charset="0"/>
-              </a:rPr>
-              <a:t> Vera. </a:t>
-            </a:r>
-          </a:p>
-          <a:p>
-            <a:pPr marL="342900" indent="-342900">
-              <a:lnSpc>
-                <a:spcPct val="150000"/>
-              </a:lnSpc>
-              <a:buFont typeface="Arial" panose="020B0604020202020204" pitchFamily="34" charset="0"/>
-              <a:buChar char="•"/>
-            </a:pPr>
-            <a:r>
-              <a:rPr lang="pt-BR" sz="2200" dirty="0">
-                <a:solidFill>
-                  <a:srgbClr val="253746"/>
-                </a:solidFill>
-                <a:latin typeface="Verdana" panose="020B0604030504040204" pitchFamily="34" charset="0"/>
-                <a:ea typeface="Verdana" panose="020B0604030504040204" pitchFamily="34" charset="0"/>
-              </a:rPr>
-              <a:t>O que deu certo?</a:t>
-            </a:r>
-          </a:p>
-          <a:p>
-            <a:pPr marL="342900" indent="-342900">
-              <a:lnSpc>
-                <a:spcPct val="150000"/>
-              </a:lnSpc>
-              <a:buFont typeface="Arial" panose="020B0604020202020204" pitchFamily="34" charset="0"/>
-              <a:buChar char="•"/>
-            </a:pPr>
-            <a:r>
-              <a:rPr lang="pt-BR" sz="2200" dirty="0">
-                <a:solidFill>
-                  <a:srgbClr val="253746"/>
-                </a:solidFill>
-                <a:latin typeface="Verdana" panose="020B0604030504040204" pitchFamily="34" charset="0"/>
-                <a:ea typeface="Verdana" panose="020B0604030504040204" pitchFamily="34" charset="0"/>
-              </a:rPr>
-              <a:t>O que não deu certo?</a:t>
-            </a:r>
-          </a:p>
-          <a:p>
-            <a:pPr marL="342900" indent="-342900">
-              <a:lnSpc>
-                <a:spcPct val="150000"/>
-              </a:lnSpc>
-              <a:buFont typeface="Arial" panose="020B0604020202020204" pitchFamily="34" charset="0"/>
-              <a:buChar char="•"/>
-            </a:pPr>
-            <a:r>
-              <a:rPr lang="pt-BR" sz="2200" dirty="0">
-                <a:solidFill>
-                  <a:srgbClr val="253746"/>
-                </a:solidFill>
-                <a:latin typeface="Verdana" panose="020B0604030504040204" pitchFamily="34" charset="0"/>
-                <a:ea typeface="Verdana" panose="020B0604030504040204" pitchFamily="34" charset="0"/>
-              </a:rPr>
-              <a:t>Plano de Ação para este semestre.</a:t>
-            </a:r>
-            <a:endParaRPr lang="pt-BR" sz="2177" dirty="0">
-              <a:solidFill>
-                <a:srgbClr val="253746"/>
-              </a:solidFill>
-              <a:latin typeface="Verdana" panose="020B0604030504040204" pitchFamily="34" charset="0"/>
-              <a:ea typeface="Verdana" panose="020B0604030504040204" pitchFamily="34" charset="0"/>
-            </a:endParaRPr>
-          </a:p>
-          <a:p>
-            <a:pPr>
-              <a:lnSpc>
-                <a:spcPct val="150000"/>
-              </a:lnSpc>
-            </a:pPr>
-            <a:r>
-              <a:rPr lang="pt-BR" sz="2400" dirty="0">
-                <a:solidFill>
-                  <a:srgbClr val="253746"/>
-                </a:solidFill>
-                <a:latin typeface="Verdana" panose="020B0604030504040204" pitchFamily="34" charset="0"/>
-                <a:ea typeface="Verdana" panose="020B0604030504040204" pitchFamily="34" charset="0"/>
-              </a:rPr>
-              <a:t>Montar um PPT com os próximos slides.</a:t>
-            </a:r>
-          </a:p>
-        </p:txBody>
-      </p:sp>
-      <p:pic>
-        <p:nvPicPr>
-          <p:cNvPr id="10" name="Imagem 9" descr="Pessoas sentadas ao redor de um computador com a imagem de uma pessoa&#10;&#10;Descrição gerada automaticamente">
-            <a:extLst>
-              <a:ext uri="{FF2B5EF4-FFF2-40B4-BE49-F238E27FC236}">
-                <a16:creationId xmlns:a16="http://schemas.microsoft.com/office/drawing/2014/main" id="{D59244A6-1A65-4D60-BEAD-AE83C7623469}"/>
-              </a:ext>
-            </a:extLst>
-          </p:cNvPr>
-          <p:cNvPicPr>
-            <a:picLocks noChangeAspect="1"/>
-          </p:cNvPicPr>
-          <p:nvPr/>
-        </p:nvPicPr>
-        <p:blipFill>
-          <a:blip r:embed="rId3">
-            <a:extLst>
-              <a:ext uri="{28A0092B-C50C-407E-A947-70E740481C1C}">
-                <a14:useLocalDpi xmlns:a14="http://schemas.microsoft.com/office/drawing/2010/main" val="0"/>
-              </a:ext>
-            </a:extLst>
-          </a:blip>
-          <a:stretch>
-            <a:fillRect/>
-          </a:stretch>
-        </p:blipFill>
-        <p:spPr>
-          <a:xfrm>
-            <a:off x="7026367" y="1752066"/>
-            <a:ext cx="5165633" cy="3440312"/>
-          </a:xfrm>
-          <a:prstGeom prst="rect">
-            <a:avLst/>
-          </a:prstGeom>
-        </p:spPr>
-      </p:pic>
+        </p:txBody>
+      </p:sp>
     </p:spTree>
-    <p:extLst>
-      <p:ext uri="{BB962C8B-B14F-4D97-AF65-F5344CB8AC3E}">
-        <p14:creationId xmlns:p14="http://schemas.microsoft.com/office/powerpoint/2010/main" val="3555918169"/>
-      </p:ext>
-    </p:extLst>
   </p:cSld>
   <p:clrMapOvr>
     <a:masterClrMapping/>
@@ -10921,7 +14806,1663 @@
       </p:grpSpPr>
       <p:sp>
         <p:nvSpPr>
-          <p:cNvPr id="12" name="Título 5"/>
+          <p:cNvPr id="3" name="object 3"/>
+          <p:cNvSpPr txBox="1"/>
+          <p:nvPr/>
+        </p:nvSpPr>
+        <p:spPr>
+          <a:xfrm>
+            <a:off x="1397888" y="1032255"/>
+            <a:ext cx="1398905" cy="428322"/>
+          </a:xfrm>
+          <a:prstGeom prst="rect">
+            <a:avLst/>
+          </a:prstGeom>
+          <a:solidFill>
+            <a:srgbClr val="EEB660"/>
+          </a:solidFill>
+        </p:spPr>
+        <p:txBody>
+          <a:bodyPr vert="horz" wrap="square" lIns="0" tIns="5080" rIns="0" bIns="0" rtlCol="0">
+            <a:spAutoFit/>
+          </a:bodyPr>
+          <a:lstStyle/>
+          <a:p>
+            <a:pPr marL="635" algn="ctr">
+              <a:lnSpc>
+                <a:spcPts val="3260"/>
+              </a:lnSpc>
+              <a:spcBef>
+                <a:spcPts val="40"/>
+              </a:spcBef>
+            </a:pPr>
+            <a:r>
+              <a:rPr lang="pt-BR" sz="2750" b="1" dirty="0">
+                <a:solidFill>
+                  <a:srgbClr val="1C1C1C"/>
+                </a:solidFill>
+                <a:latin typeface="Tahoma"/>
+                <a:cs typeface="Tahoma"/>
+              </a:rPr>
+              <a:t>LOUCO</a:t>
+            </a:r>
+            <a:endParaRPr sz="2750" dirty="0">
+              <a:latin typeface="Tahoma"/>
+              <a:cs typeface="Tahoma"/>
+            </a:endParaRPr>
+          </a:p>
+        </p:txBody>
+      </p:sp>
+      <p:sp>
+        <p:nvSpPr>
+          <p:cNvPr id="4" name="object 4"/>
+          <p:cNvSpPr txBox="1"/>
+          <p:nvPr/>
+        </p:nvSpPr>
+        <p:spPr>
+          <a:xfrm>
+            <a:off x="5449570" y="1053211"/>
+            <a:ext cx="1398905" cy="428322"/>
+          </a:xfrm>
+          <a:prstGeom prst="rect">
+            <a:avLst/>
+          </a:prstGeom>
+          <a:solidFill>
+            <a:srgbClr val="62B0BB"/>
+          </a:solidFill>
+        </p:spPr>
+        <p:txBody>
+          <a:bodyPr vert="horz" wrap="square" lIns="0" tIns="5080" rIns="0" bIns="0" rtlCol="0">
+            <a:spAutoFit/>
+          </a:bodyPr>
+          <a:lstStyle/>
+          <a:p>
+            <a:pPr marL="3810" algn="ctr">
+              <a:lnSpc>
+                <a:spcPts val="3260"/>
+              </a:lnSpc>
+              <a:spcBef>
+                <a:spcPts val="40"/>
+              </a:spcBef>
+            </a:pPr>
+            <a:r>
+              <a:rPr lang="pt-BR" sz="2750" b="1" spc="-40" dirty="0">
+                <a:solidFill>
+                  <a:srgbClr val="1F2A44"/>
+                </a:solidFill>
+                <a:latin typeface="Tahoma"/>
+                <a:cs typeface="Tahoma"/>
+              </a:rPr>
+              <a:t>TRISTE</a:t>
+            </a:r>
+            <a:endParaRPr sz="2750" dirty="0">
+              <a:latin typeface="Tahoma"/>
+              <a:cs typeface="Tahoma"/>
+            </a:endParaRPr>
+          </a:p>
+        </p:txBody>
+      </p:sp>
+      <p:sp>
+        <p:nvSpPr>
+          <p:cNvPr id="5" name="object 5"/>
+          <p:cNvSpPr txBox="1"/>
+          <p:nvPr/>
+        </p:nvSpPr>
+        <p:spPr>
+          <a:xfrm>
+            <a:off x="9150714" y="1053211"/>
+            <a:ext cx="2120805" cy="428322"/>
+          </a:xfrm>
+          <a:prstGeom prst="rect">
+            <a:avLst/>
+          </a:prstGeom>
+          <a:solidFill>
+            <a:srgbClr val="EC135B"/>
+          </a:solidFill>
+        </p:spPr>
+        <p:txBody>
+          <a:bodyPr vert="horz" wrap="square" lIns="0" tIns="5080" rIns="0" bIns="0" rtlCol="0">
+            <a:spAutoFit/>
+          </a:bodyPr>
+          <a:lstStyle/>
+          <a:p>
+            <a:pPr marL="6350" algn="ctr">
+              <a:lnSpc>
+                <a:spcPts val="3260"/>
+              </a:lnSpc>
+              <a:spcBef>
+                <a:spcPts val="40"/>
+              </a:spcBef>
+            </a:pPr>
+            <a:r>
+              <a:rPr lang="pt-BR" sz="2750" b="1" spc="-120" dirty="0">
+                <a:solidFill>
+                  <a:srgbClr val="1F2A44"/>
+                </a:solidFill>
+                <a:latin typeface="Tahoma"/>
+                <a:cs typeface="Tahoma"/>
+              </a:rPr>
+              <a:t>CONTENTE</a:t>
+            </a:r>
+            <a:endParaRPr sz="2750" dirty="0">
+              <a:latin typeface="Tahoma"/>
+              <a:cs typeface="Tahoma"/>
+            </a:endParaRPr>
+          </a:p>
+        </p:txBody>
+      </p:sp>
+      <p:sp>
+        <p:nvSpPr>
+          <p:cNvPr id="7" name="object 7"/>
+          <p:cNvSpPr/>
+          <p:nvPr/>
+        </p:nvSpPr>
+        <p:spPr>
+          <a:xfrm>
+            <a:off x="3886200" y="1295400"/>
+            <a:ext cx="14604" cy="4370070"/>
+          </a:xfrm>
+          <a:custGeom>
+            <a:avLst/>
+            <a:gdLst/>
+            <a:ahLst/>
+            <a:cxnLst/>
+            <a:rect l="l" t="t" r="r" b="b"/>
+            <a:pathLst>
+              <a:path w="14604" h="4370070">
+                <a:moveTo>
+                  <a:pt x="0" y="0"/>
+                </a:moveTo>
+                <a:lnTo>
+                  <a:pt x="14350" y="4369930"/>
+                </a:lnTo>
+              </a:path>
+            </a:pathLst>
+          </a:custGeom>
+          <a:ln w="38100">
+            <a:solidFill>
+              <a:srgbClr val="1C1C1C"/>
+            </a:solidFill>
+          </a:ln>
+        </p:spPr>
+        <p:txBody>
+          <a:bodyPr wrap="square" lIns="0" tIns="0" rIns="0" bIns="0" rtlCol="0"/>
+          <a:lstStyle/>
+          <a:p>
+            <a:endParaRPr/>
+          </a:p>
+        </p:txBody>
+      </p:sp>
+      <p:sp>
+        <p:nvSpPr>
+          <p:cNvPr id="8" name="object 8"/>
+          <p:cNvSpPr/>
+          <p:nvPr/>
+        </p:nvSpPr>
+        <p:spPr>
+          <a:xfrm>
+            <a:off x="7924800" y="1504950"/>
+            <a:ext cx="7620" cy="4338320"/>
+          </a:xfrm>
+          <a:custGeom>
+            <a:avLst/>
+            <a:gdLst/>
+            <a:ahLst/>
+            <a:cxnLst/>
+            <a:rect l="l" t="t" r="r" b="b"/>
+            <a:pathLst>
+              <a:path w="7620" h="4338320">
+                <a:moveTo>
+                  <a:pt x="7239" y="0"/>
+                </a:moveTo>
+                <a:lnTo>
+                  <a:pt x="0" y="4338256"/>
+                </a:lnTo>
+              </a:path>
+            </a:pathLst>
+          </a:custGeom>
+          <a:ln w="38100">
+            <a:solidFill>
+              <a:srgbClr val="1C1C1C"/>
+            </a:solidFill>
+          </a:ln>
+        </p:spPr>
+        <p:txBody>
+          <a:bodyPr wrap="square" lIns="0" tIns="0" rIns="0" bIns="0" rtlCol="0"/>
+          <a:lstStyle/>
+          <a:p>
+            <a:endParaRPr/>
+          </a:p>
+        </p:txBody>
+      </p:sp>
+      <p:sp>
+        <p:nvSpPr>
+          <p:cNvPr id="10" name="object 10"/>
+          <p:cNvSpPr txBox="1"/>
+          <p:nvPr/>
+        </p:nvSpPr>
+        <p:spPr>
+          <a:xfrm>
+            <a:off x="52551" y="1670028"/>
+            <a:ext cx="3774276" cy="973985"/>
+          </a:xfrm>
+          <a:prstGeom prst="rect">
+            <a:avLst/>
+          </a:prstGeom>
+          <a:solidFill>
+            <a:srgbClr val="F4719D"/>
+          </a:solidFill>
+        </p:spPr>
+        <p:txBody>
+          <a:bodyPr vert="horz" wrap="square" lIns="0" tIns="50165" rIns="0" bIns="0" rtlCol="0">
+            <a:spAutoFit/>
+          </a:bodyPr>
+          <a:lstStyle/>
+          <a:p>
+            <a:pPr algn="ctr">
+              <a:lnSpc>
+                <a:spcPct val="100000"/>
+              </a:lnSpc>
+              <a:spcBef>
+                <a:spcPts val="395"/>
+              </a:spcBef>
+            </a:pPr>
+            <a:r>
+              <a:rPr lang="pt-BR" sz="2000" spc="80" dirty="0">
+                <a:solidFill>
+                  <a:srgbClr val="FFFFFF"/>
+                </a:solidFill>
+                <a:latin typeface="Tahoma"/>
+                <a:cs typeface="Tahoma"/>
+              </a:rPr>
+              <a:t>Caso haja algum conflito, buscar se comunicar sempre que possível</a:t>
+            </a:r>
+            <a:endParaRPr sz="2000" dirty="0">
+              <a:latin typeface="Tahoma"/>
+              <a:cs typeface="Tahoma"/>
+            </a:endParaRPr>
+          </a:p>
+        </p:txBody>
+      </p:sp>
+      <p:sp>
+        <p:nvSpPr>
+          <p:cNvPr id="12" name="object 12"/>
+          <p:cNvSpPr txBox="1"/>
+          <p:nvPr/>
+        </p:nvSpPr>
+        <p:spPr>
+          <a:xfrm>
+            <a:off x="4019550" y="1613312"/>
+            <a:ext cx="3867324" cy="609141"/>
+          </a:xfrm>
+          <a:prstGeom prst="rect">
+            <a:avLst/>
+          </a:prstGeom>
+          <a:solidFill>
+            <a:srgbClr val="00AFEF"/>
+          </a:solidFill>
+        </p:spPr>
+        <p:txBody>
+          <a:bodyPr vert="horz" wrap="square" lIns="0" tIns="54610" rIns="0" bIns="0" rtlCol="0" anchor="ctr">
+            <a:spAutoFit/>
+          </a:bodyPr>
+          <a:lstStyle/>
+          <a:p>
+            <a:pPr algn="ctr">
+              <a:lnSpc>
+                <a:spcPct val="100000"/>
+              </a:lnSpc>
+              <a:spcBef>
+                <a:spcPts val="430"/>
+              </a:spcBef>
+            </a:pPr>
+            <a:r>
+              <a:rPr lang="pt-BR" dirty="0">
+                <a:solidFill>
+                  <a:srgbClr val="F4F5F5"/>
+                </a:solidFill>
+                <a:latin typeface="Tahoma"/>
+                <a:cs typeface="Tahoma"/>
+              </a:rPr>
+              <a:t>Aplicar mais, e melhor o tempo, para o planejamento da sprint</a:t>
+            </a:r>
+            <a:endParaRPr dirty="0">
+              <a:solidFill>
+                <a:srgbClr val="F4F5F5"/>
+              </a:solidFill>
+              <a:latin typeface="Tahoma"/>
+              <a:cs typeface="Tahoma"/>
+            </a:endParaRPr>
+          </a:p>
+        </p:txBody>
+      </p:sp>
+      <p:sp>
+        <p:nvSpPr>
+          <p:cNvPr id="13" name="object 13"/>
+          <p:cNvSpPr txBox="1"/>
+          <p:nvPr/>
+        </p:nvSpPr>
+        <p:spPr>
+          <a:xfrm>
+            <a:off x="8286750" y="1714500"/>
+            <a:ext cx="2000250" cy="400050"/>
+          </a:xfrm>
+          <a:prstGeom prst="rect">
+            <a:avLst/>
+          </a:prstGeom>
+          <a:solidFill>
+            <a:srgbClr val="E49217"/>
+          </a:solidFill>
+        </p:spPr>
+        <p:txBody>
+          <a:bodyPr vert="horz" wrap="square" lIns="0" tIns="54610" rIns="0" bIns="0" rtlCol="0">
+            <a:spAutoFit/>
+          </a:bodyPr>
+          <a:lstStyle/>
+          <a:p>
+            <a:pPr marL="299720">
+              <a:lnSpc>
+                <a:spcPct val="100000"/>
+              </a:lnSpc>
+              <a:spcBef>
+                <a:spcPts val="430"/>
+              </a:spcBef>
+            </a:pPr>
+            <a:r>
+              <a:rPr sz="2000" spc="15" dirty="0">
+                <a:solidFill>
+                  <a:srgbClr val="F1F1F1"/>
+                </a:solidFill>
+                <a:latin typeface="Tahoma"/>
+                <a:cs typeface="Tahoma"/>
+              </a:rPr>
+              <a:t>Aprendizado</a:t>
+            </a:r>
+            <a:endParaRPr sz="2000" dirty="0">
+              <a:latin typeface="Tahoma"/>
+              <a:cs typeface="Tahoma"/>
+            </a:endParaRPr>
+          </a:p>
+        </p:txBody>
+      </p:sp>
+      <p:sp>
+        <p:nvSpPr>
+          <p:cNvPr id="14" name="object 14"/>
+          <p:cNvSpPr txBox="1"/>
+          <p:nvPr/>
+        </p:nvSpPr>
+        <p:spPr>
+          <a:xfrm>
+            <a:off x="9772650" y="2219325"/>
+            <a:ext cx="2305050" cy="400050"/>
+          </a:xfrm>
+          <a:prstGeom prst="rect">
+            <a:avLst/>
+          </a:prstGeom>
+          <a:solidFill>
+            <a:srgbClr val="418B96"/>
+          </a:solidFill>
+        </p:spPr>
+        <p:txBody>
+          <a:bodyPr vert="horz" wrap="square" lIns="0" tIns="53975" rIns="0" bIns="0" rtlCol="0">
+            <a:spAutoFit/>
+          </a:bodyPr>
+          <a:lstStyle/>
+          <a:p>
+            <a:pPr marL="114300">
+              <a:lnSpc>
+                <a:spcPct val="100000"/>
+              </a:lnSpc>
+              <a:spcBef>
+                <a:spcPts val="425"/>
+              </a:spcBef>
+            </a:pPr>
+            <a:r>
+              <a:rPr sz="2000" spc="70" dirty="0">
+                <a:solidFill>
+                  <a:srgbClr val="F1F1F1"/>
+                </a:solidFill>
+                <a:latin typeface="Tahoma"/>
+                <a:cs typeface="Tahoma"/>
+              </a:rPr>
+              <a:t>E</a:t>
+            </a:r>
+            <a:r>
+              <a:rPr sz="2000" spc="5" dirty="0">
+                <a:solidFill>
+                  <a:srgbClr val="F1F1F1"/>
+                </a:solidFill>
+                <a:latin typeface="Tahoma"/>
+                <a:cs typeface="Tahoma"/>
+              </a:rPr>
+              <a:t>n</a:t>
+            </a:r>
+            <a:r>
+              <a:rPr sz="2000" spc="75" dirty="0">
+                <a:solidFill>
+                  <a:srgbClr val="F1F1F1"/>
+                </a:solidFill>
+                <a:latin typeface="Tahoma"/>
+                <a:cs typeface="Tahoma"/>
+              </a:rPr>
+              <a:t>t</a:t>
+            </a:r>
+            <a:r>
+              <a:rPr sz="2000" spc="25" dirty="0">
+                <a:solidFill>
+                  <a:srgbClr val="F1F1F1"/>
+                </a:solidFill>
+                <a:latin typeface="Tahoma"/>
+                <a:cs typeface="Tahoma"/>
+              </a:rPr>
+              <a:t>r</a:t>
+            </a:r>
+            <a:r>
+              <a:rPr sz="2000" spc="-10" dirty="0">
+                <a:solidFill>
+                  <a:srgbClr val="F1F1F1"/>
+                </a:solidFill>
+                <a:latin typeface="Tahoma"/>
+                <a:cs typeface="Tahoma"/>
+              </a:rPr>
+              <a:t>e</a:t>
+            </a:r>
+            <a:r>
+              <a:rPr sz="2000" spc="-60" dirty="0">
+                <a:solidFill>
+                  <a:srgbClr val="F1F1F1"/>
+                </a:solidFill>
+                <a:latin typeface="Tahoma"/>
+                <a:cs typeface="Tahoma"/>
+              </a:rPr>
+              <a:t>g</a:t>
+            </a:r>
+            <a:r>
+              <a:rPr sz="2000" spc="-15" dirty="0">
+                <a:solidFill>
+                  <a:srgbClr val="F1F1F1"/>
+                </a:solidFill>
+                <a:latin typeface="Tahoma"/>
+                <a:cs typeface="Tahoma"/>
+              </a:rPr>
+              <a:t>a</a:t>
+            </a:r>
+            <a:r>
+              <a:rPr sz="2000" spc="-315" dirty="0">
+                <a:solidFill>
+                  <a:srgbClr val="F1F1F1"/>
+                </a:solidFill>
+                <a:latin typeface="Tahoma"/>
+                <a:cs typeface="Tahoma"/>
+              </a:rPr>
+              <a:t> </a:t>
+            </a:r>
+            <a:r>
+              <a:rPr sz="2000" spc="15" dirty="0">
+                <a:solidFill>
+                  <a:srgbClr val="F1F1F1"/>
+                </a:solidFill>
+                <a:latin typeface="Tahoma"/>
+                <a:cs typeface="Tahoma"/>
+              </a:rPr>
+              <a:t>do</a:t>
+            </a:r>
+            <a:r>
+              <a:rPr sz="2000" spc="-235" dirty="0">
+                <a:solidFill>
+                  <a:srgbClr val="F1F1F1"/>
+                </a:solidFill>
+                <a:latin typeface="Tahoma"/>
+                <a:cs typeface="Tahoma"/>
+              </a:rPr>
+              <a:t> </a:t>
+            </a:r>
+            <a:r>
+              <a:rPr sz="2000" spc="65" dirty="0">
+                <a:solidFill>
+                  <a:srgbClr val="F1F1F1"/>
+                </a:solidFill>
+                <a:latin typeface="Tahoma"/>
+                <a:cs typeface="Tahoma"/>
+              </a:rPr>
+              <a:t>P</a:t>
+            </a:r>
+            <a:r>
+              <a:rPr sz="2000" spc="55" dirty="0">
+                <a:solidFill>
+                  <a:srgbClr val="F1F1F1"/>
+                </a:solidFill>
+                <a:latin typeface="Tahoma"/>
+                <a:cs typeface="Tahoma"/>
+              </a:rPr>
+              <a:t>r</a:t>
+            </a:r>
+            <a:r>
+              <a:rPr sz="2000" spc="30" dirty="0">
+                <a:solidFill>
+                  <a:srgbClr val="F1F1F1"/>
+                </a:solidFill>
+                <a:latin typeface="Tahoma"/>
+                <a:cs typeface="Tahoma"/>
+              </a:rPr>
+              <a:t>o</a:t>
+            </a:r>
+            <a:r>
+              <a:rPr sz="2000" spc="-45" dirty="0">
+                <a:solidFill>
+                  <a:srgbClr val="F1F1F1"/>
+                </a:solidFill>
+                <a:latin typeface="Tahoma"/>
+                <a:cs typeface="Tahoma"/>
+              </a:rPr>
+              <a:t>j</a:t>
+            </a:r>
+            <a:r>
+              <a:rPr sz="2000" spc="-10" dirty="0">
+                <a:solidFill>
+                  <a:srgbClr val="F1F1F1"/>
+                </a:solidFill>
+                <a:latin typeface="Tahoma"/>
+                <a:cs typeface="Tahoma"/>
+              </a:rPr>
+              <a:t>e</a:t>
+            </a:r>
+            <a:r>
+              <a:rPr sz="2000" spc="75" dirty="0">
+                <a:solidFill>
+                  <a:srgbClr val="F1F1F1"/>
+                </a:solidFill>
+                <a:latin typeface="Tahoma"/>
+                <a:cs typeface="Tahoma"/>
+              </a:rPr>
+              <a:t>t</a:t>
+            </a:r>
+            <a:r>
+              <a:rPr sz="2000" spc="15" dirty="0">
+                <a:solidFill>
+                  <a:srgbClr val="F1F1F1"/>
+                </a:solidFill>
+                <a:latin typeface="Tahoma"/>
+                <a:cs typeface="Tahoma"/>
+              </a:rPr>
+              <a:t>o</a:t>
+            </a:r>
+            <a:endParaRPr sz="2000" dirty="0">
+              <a:latin typeface="Tahoma"/>
+              <a:cs typeface="Tahoma"/>
+            </a:endParaRPr>
+          </a:p>
+        </p:txBody>
+      </p:sp>
+      <p:sp>
+        <p:nvSpPr>
+          <p:cNvPr id="16" name="object 16"/>
+          <p:cNvSpPr txBox="1"/>
+          <p:nvPr/>
+        </p:nvSpPr>
+        <p:spPr>
+          <a:xfrm>
+            <a:off x="244715" y="2840645"/>
+            <a:ext cx="3368193" cy="632224"/>
+          </a:xfrm>
+          <a:prstGeom prst="rect">
+            <a:avLst/>
+          </a:prstGeom>
+          <a:solidFill>
+            <a:srgbClr val="92D050"/>
+          </a:solidFill>
+        </p:spPr>
+        <p:txBody>
+          <a:bodyPr vert="horz" wrap="square" lIns="0" tIns="16510" rIns="0" bIns="0" rtlCol="0">
+            <a:spAutoFit/>
+          </a:bodyPr>
+          <a:lstStyle/>
+          <a:p>
+            <a:pPr marL="12700" algn="ctr">
+              <a:lnSpc>
+                <a:spcPct val="100000"/>
+              </a:lnSpc>
+              <a:spcBef>
+                <a:spcPts val="130"/>
+              </a:spcBef>
+            </a:pPr>
+            <a:r>
+              <a:rPr lang="pt-BR" sz="2000" spc="80" dirty="0">
+                <a:solidFill>
+                  <a:srgbClr val="F1F1F1"/>
+                </a:solidFill>
+                <a:latin typeface="Tahoma"/>
+                <a:cs typeface="Tahoma"/>
+              </a:rPr>
+              <a:t>Todos do grupo dependem da sua participação</a:t>
+            </a:r>
+            <a:endParaRPr sz="2000" dirty="0">
+              <a:latin typeface="Tahoma"/>
+              <a:cs typeface="Tahoma"/>
+            </a:endParaRPr>
+          </a:p>
+        </p:txBody>
+      </p:sp>
+      <p:sp>
+        <p:nvSpPr>
+          <p:cNvPr id="17" name="object 17"/>
+          <p:cNvSpPr txBox="1"/>
+          <p:nvPr/>
+        </p:nvSpPr>
+        <p:spPr>
+          <a:xfrm>
+            <a:off x="4139092" y="3208221"/>
+            <a:ext cx="3714424" cy="605935"/>
+          </a:xfrm>
+          <a:prstGeom prst="rect">
+            <a:avLst/>
+          </a:prstGeom>
+          <a:solidFill>
+            <a:srgbClr val="044995"/>
+          </a:solidFill>
+        </p:spPr>
+        <p:txBody>
+          <a:bodyPr vert="horz" wrap="square" lIns="0" tIns="51435" rIns="0" bIns="0" rtlCol="0">
+            <a:spAutoFit/>
+          </a:bodyPr>
+          <a:lstStyle/>
+          <a:p>
+            <a:pPr marL="41275" marR="334010" indent="-41275" algn="ctr">
+              <a:lnSpc>
+                <a:spcPct val="100000"/>
+              </a:lnSpc>
+              <a:spcBef>
+                <a:spcPts val="405"/>
+              </a:spcBef>
+            </a:pPr>
+            <a:r>
+              <a:rPr lang="pt-BR" dirty="0">
+                <a:solidFill>
+                  <a:srgbClr val="F1F1F1"/>
+                </a:solidFill>
+                <a:latin typeface="Tahoma"/>
+                <a:cs typeface="Tahoma"/>
+              </a:rPr>
+              <a:t>Buscar não desistir, perante a quaisquer desafios</a:t>
+            </a:r>
+            <a:endParaRPr dirty="0">
+              <a:latin typeface="Tahoma"/>
+              <a:cs typeface="Tahoma"/>
+            </a:endParaRPr>
+          </a:p>
+        </p:txBody>
+      </p:sp>
+      <p:sp>
+        <p:nvSpPr>
+          <p:cNvPr id="18" name="object 18"/>
+          <p:cNvSpPr txBox="1"/>
+          <p:nvPr/>
+        </p:nvSpPr>
+        <p:spPr>
+          <a:xfrm>
+            <a:off x="8196262" y="2695575"/>
+            <a:ext cx="2291080" cy="400050"/>
+          </a:xfrm>
+          <a:prstGeom prst="rect">
+            <a:avLst/>
+          </a:prstGeom>
+          <a:solidFill>
+            <a:srgbClr val="3E558A"/>
+          </a:solidFill>
+        </p:spPr>
+        <p:txBody>
+          <a:bodyPr vert="horz" wrap="square" lIns="0" tIns="52705" rIns="0" bIns="0" rtlCol="0">
+            <a:spAutoFit/>
+          </a:bodyPr>
+          <a:lstStyle/>
+          <a:p>
+            <a:pPr marL="189230">
+              <a:lnSpc>
+                <a:spcPct val="100000"/>
+              </a:lnSpc>
+              <a:spcBef>
+                <a:spcPts val="415"/>
+              </a:spcBef>
+            </a:pPr>
+            <a:r>
+              <a:rPr sz="2000" spc="25" dirty="0">
+                <a:solidFill>
+                  <a:srgbClr val="F1F1F1"/>
+                </a:solidFill>
+                <a:latin typeface="Tahoma"/>
+                <a:cs typeface="Tahoma"/>
+              </a:rPr>
+              <a:t>Reconhecimento</a:t>
+            </a:r>
+            <a:endParaRPr sz="2000">
+              <a:latin typeface="Tahoma"/>
+              <a:cs typeface="Tahoma"/>
+            </a:endParaRPr>
+          </a:p>
+        </p:txBody>
+      </p:sp>
+      <p:sp>
+        <p:nvSpPr>
+          <p:cNvPr id="19" name="object 19"/>
+          <p:cNvSpPr/>
+          <p:nvPr/>
+        </p:nvSpPr>
+        <p:spPr>
+          <a:xfrm>
+            <a:off x="10010775" y="3171825"/>
+            <a:ext cx="2000250" cy="400050"/>
+          </a:xfrm>
+          <a:custGeom>
+            <a:avLst/>
+            <a:gdLst/>
+            <a:ahLst/>
+            <a:cxnLst/>
+            <a:rect l="l" t="t" r="r" b="b"/>
+            <a:pathLst>
+              <a:path w="2000250" h="400050">
+                <a:moveTo>
+                  <a:pt x="2000250" y="0"/>
+                </a:moveTo>
+                <a:lnTo>
+                  <a:pt x="0" y="0"/>
+                </a:lnTo>
+                <a:lnTo>
+                  <a:pt x="0" y="400050"/>
+                </a:lnTo>
+                <a:lnTo>
+                  <a:pt x="2000250" y="400050"/>
+                </a:lnTo>
+                <a:lnTo>
+                  <a:pt x="2000250" y="0"/>
+                </a:lnTo>
+                <a:close/>
+              </a:path>
+            </a:pathLst>
+          </a:custGeom>
+          <a:solidFill>
+            <a:srgbClr val="006FC0"/>
+          </a:solidFill>
+        </p:spPr>
+        <p:txBody>
+          <a:bodyPr wrap="square" lIns="0" tIns="0" rIns="0" bIns="0" rtlCol="0"/>
+          <a:lstStyle/>
+          <a:p>
+            <a:endParaRPr/>
+          </a:p>
+        </p:txBody>
+      </p:sp>
+      <p:sp>
+        <p:nvSpPr>
+          <p:cNvPr id="20" name="object 20"/>
+          <p:cNvSpPr txBox="1"/>
+          <p:nvPr/>
+        </p:nvSpPr>
+        <p:spPr>
+          <a:xfrm>
+            <a:off x="10672826" y="3207321"/>
+            <a:ext cx="679450" cy="334645"/>
+          </a:xfrm>
+          <a:prstGeom prst="rect">
+            <a:avLst/>
+          </a:prstGeom>
+        </p:spPr>
+        <p:txBody>
+          <a:bodyPr vert="horz" wrap="square" lIns="0" tIns="15875" rIns="0" bIns="0" rtlCol="0">
+            <a:spAutoFit/>
+          </a:bodyPr>
+          <a:lstStyle/>
+          <a:p>
+            <a:pPr marL="12700">
+              <a:lnSpc>
+                <a:spcPct val="100000"/>
+              </a:lnSpc>
+              <a:spcBef>
+                <a:spcPts val="125"/>
+              </a:spcBef>
+            </a:pPr>
+            <a:r>
+              <a:rPr sz="2000" spc="30" dirty="0">
+                <a:solidFill>
+                  <a:srgbClr val="F1F1F1"/>
+                </a:solidFill>
+                <a:latin typeface="Tahoma"/>
+                <a:cs typeface="Tahoma"/>
+              </a:rPr>
+              <a:t>U</a:t>
+            </a:r>
+            <a:r>
+              <a:rPr sz="2000" spc="5" dirty="0">
+                <a:solidFill>
+                  <a:srgbClr val="F1F1F1"/>
+                </a:solidFill>
+                <a:latin typeface="Tahoma"/>
+                <a:cs typeface="Tahoma"/>
+              </a:rPr>
+              <a:t>n</a:t>
+            </a:r>
+            <a:r>
+              <a:rPr sz="2000" spc="65" dirty="0">
+                <a:solidFill>
+                  <a:srgbClr val="F1F1F1"/>
+                </a:solidFill>
+                <a:latin typeface="Tahoma"/>
+                <a:cs typeface="Tahoma"/>
+              </a:rPr>
+              <a:t>i</a:t>
+            </a:r>
+            <a:r>
+              <a:rPr sz="2000" spc="-10" dirty="0">
+                <a:solidFill>
+                  <a:srgbClr val="F1F1F1"/>
+                </a:solidFill>
+                <a:latin typeface="Tahoma"/>
+                <a:cs typeface="Tahoma"/>
+              </a:rPr>
+              <a:t>ã</a:t>
+            </a:r>
+            <a:r>
+              <a:rPr sz="2000" spc="15" dirty="0">
+                <a:solidFill>
+                  <a:srgbClr val="F1F1F1"/>
+                </a:solidFill>
+                <a:latin typeface="Tahoma"/>
+                <a:cs typeface="Tahoma"/>
+              </a:rPr>
+              <a:t>o</a:t>
+            </a:r>
+            <a:endParaRPr sz="2000">
+              <a:latin typeface="Tahoma"/>
+              <a:cs typeface="Tahoma"/>
+            </a:endParaRPr>
+          </a:p>
+        </p:txBody>
+      </p:sp>
+      <p:sp>
+        <p:nvSpPr>
+          <p:cNvPr id="22" name="object 22"/>
+          <p:cNvSpPr txBox="1"/>
+          <p:nvPr/>
+        </p:nvSpPr>
+        <p:spPr>
+          <a:xfrm>
+            <a:off x="4007167" y="2342007"/>
+            <a:ext cx="3867324" cy="604012"/>
+          </a:xfrm>
+          <a:prstGeom prst="rect">
+            <a:avLst/>
+          </a:prstGeom>
+          <a:solidFill>
+            <a:srgbClr val="B30D44"/>
+          </a:solidFill>
+        </p:spPr>
+        <p:txBody>
+          <a:bodyPr vert="horz" wrap="square" lIns="0" tIns="49530" rIns="0" bIns="0" rtlCol="0">
+            <a:spAutoFit/>
+          </a:bodyPr>
+          <a:lstStyle/>
+          <a:p>
+            <a:pPr marL="5715" algn="ctr">
+              <a:lnSpc>
+                <a:spcPct val="100000"/>
+              </a:lnSpc>
+              <a:spcBef>
+                <a:spcPts val="390"/>
+              </a:spcBef>
+            </a:pPr>
+            <a:r>
+              <a:rPr lang="pt-BR" spc="75" dirty="0">
+                <a:solidFill>
+                  <a:srgbClr val="F1F1F1"/>
+                </a:solidFill>
+                <a:latin typeface="Tahoma"/>
+                <a:cs typeface="Tahoma"/>
+              </a:rPr>
+              <a:t>Entender que todos tem espaço para falar</a:t>
+            </a:r>
+            <a:endParaRPr lang="pt-BR" dirty="0">
+              <a:latin typeface="Tahoma"/>
+              <a:cs typeface="Tahoma"/>
+            </a:endParaRPr>
+          </a:p>
+        </p:txBody>
+      </p:sp>
+      <p:sp>
+        <p:nvSpPr>
+          <p:cNvPr id="23" name="object 23"/>
+          <p:cNvSpPr txBox="1"/>
+          <p:nvPr/>
+        </p:nvSpPr>
+        <p:spPr>
+          <a:xfrm>
+            <a:off x="254405" y="3650840"/>
+            <a:ext cx="3407958" cy="1282402"/>
+          </a:xfrm>
+          <a:prstGeom prst="rect">
+            <a:avLst/>
+          </a:prstGeom>
+          <a:solidFill>
+            <a:srgbClr val="B30D44"/>
+          </a:solidFill>
+        </p:spPr>
+        <p:txBody>
+          <a:bodyPr vert="horz" wrap="square" lIns="0" tIns="50800" rIns="0" bIns="0" rtlCol="0">
+            <a:spAutoFit/>
+          </a:bodyPr>
+          <a:lstStyle/>
+          <a:p>
+            <a:pPr marL="101600" algn="ctr">
+              <a:lnSpc>
+                <a:spcPct val="100000"/>
+              </a:lnSpc>
+              <a:spcBef>
+                <a:spcPts val="400"/>
+              </a:spcBef>
+            </a:pPr>
+            <a:r>
+              <a:rPr lang="pt-BR" sz="2000" spc="75" dirty="0">
+                <a:solidFill>
+                  <a:srgbClr val="F1F1F1"/>
+                </a:solidFill>
+                <a:latin typeface="Tahoma"/>
+                <a:cs typeface="Tahoma"/>
+              </a:rPr>
+              <a:t>Entender seus objetivos e compreender suas responsabilidades como integrante</a:t>
+            </a:r>
+            <a:endParaRPr sz="2000" dirty="0">
+              <a:latin typeface="Tahoma"/>
+              <a:cs typeface="Tahoma"/>
+            </a:endParaRPr>
+          </a:p>
+        </p:txBody>
+      </p:sp>
+      <p:sp>
+        <p:nvSpPr>
+          <p:cNvPr id="25" name="object 25"/>
+          <p:cNvSpPr txBox="1"/>
+          <p:nvPr/>
+        </p:nvSpPr>
+        <p:spPr>
+          <a:xfrm>
+            <a:off x="8196262" y="3648075"/>
+            <a:ext cx="2014855" cy="400050"/>
+          </a:xfrm>
+          <a:prstGeom prst="rect">
+            <a:avLst/>
+          </a:prstGeom>
+          <a:solidFill>
+            <a:srgbClr val="EC135B"/>
+          </a:solidFill>
+        </p:spPr>
+        <p:txBody>
+          <a:bodyPr vert="horz" wrap="square" lIns="0" tIns="50165" rIns="0" bIns="0" rtlCol="0">
+            <a:spAutoFit/>
+          </a:bodyPr>
+          <a:lstStyle/>
+          <a:p>
+            <a:pPr marL="222885">
+              <a:lnSpc>
+                <a:spcPct val="100000"/>
+              </a:lnSpc>
+              <a:spcBef>
+                <a:spcPts val="395"/>
+              </a:spcBef>
+            </a:pPr>
+            <a:r>
+              <a:rPr sz="2000" spc="30" dirty="0">
+                <a:solidFill>
+                  <a:srgbClr val="FFFFFF"/>
+                </a:solidFill>
+                <a:latin typeface="Tahoma"/>
+                <a:cs typeface="Tahoma"/>
+              </a:rPr>
+              <a:t>Entrosamento</a:t>
+            </a:r>
+            <a:endParaRPr sz="2000">
+              <a:latin typeface="Tahoma"/>
+              <a:cs typeface="Tahoma"/>
+            </a:endParaRPr>
+          </a:p>
+        </p:txBody>
+      </p:sp>
+      <p:sp>
+        <p:nvSpPr>
+          <p:cNvPr id="26" name="object 26"/>
+          <p:cNvSpPr/>
+          <p:nvPr/>
+        </p:nvSpPr>
+        <p:spPr>
+          <a:xfrm>
+            <a:off x="10086975" y="4200525"/>
+            <a:ext cx="1990725" cy="400050"/>
+          </a:xfrm>
+          <a:custGeom>
+            <a:avLst/>
+            <a:gdLst/>
+            <a:ahLst/>
+            <a:cxnLst/>
+            <a:rect l="l" t="t" r="r" b="b"/>
+            <a:pathLst>
+              <a:path w="1990725" h="400050">
+                <a:moveTo>
+                  <a:pt x="1990725" y="0"/>
+                </a:moveTo>
+                <a:lnTo>
+                  <a:pt x="0" y="0"/>
+                </a:lnTo>
+                <a:lnTo>
+                  <a:pt x="0" y="400050"/>
+                </a:lnTo>
+                <a:lnTo>
+                  <a:pt x="1990725" y="400050"/>
+                </a:lnTo>
+                <a:lnTo>
+                  <a:pt x="1990725" y="0"/>
+                </a:lnTo>
+                <a:close/>
+              </a:path>
+            </a:pathLst>
+          </a:custGeom>
+          <a:solidFill>
+            <a:srgbClr val="4F9FF8"/>
+          </a:solidFill>
+        </p:spPr>
+        <p:txBody>
+          <a:bodyPr wrap="square" lIns="0" tIns="0" rIns="0" bIns="0" rtlCol="0"/>
+          <a:lstStyle/>
+          <a:p>
+            <a:endParaRPr/>
+          </a:p>
+        </p:txBody>
+      </p:sp>
+      <p:sp>
+        <p:nvSpPr>
+          <p:cNvPr id="27" name="object 27"/>
+          <p:cNvSpPr txBox="1"/>
+          <p:nvPr/>
+        </p:nvSpPr>
+        <p:spPr>
+          <a:xfrm>
+            <a:off x="10601706" y="4244022"/>
+            <a:ext cx="981710" cy="334645"/>
+          </a:xfrm>
+          <a:prstGeom prst="rect">
+            <a:avLst/>
+          </a:prstGeom>
+        </p:spPr>
+        <p:txBody>
+          <a:bodyPr vert="horz" wrap="square" lIns="0" tIns="15875" rIns="0" bIns="0" rtlCol="0">
+            <a:spAutoFit/>
+          </a:bodyPr>
+          <a:lstStyle/>
+          <a:p>
+            <a:pPr marL="12700">
+              <a:lnSpc>
+                <a:spcPct val="100000"/>
+              </a:lnSpc>
+              <a:spcBef>
+                <a:spcPts val="125"/>
+              </a:spcBef>
+            </a:pPr>
+            <a:r>
+              <a:rPr sz="2000" spc="-5" dirty="0">
+                <a:solidFill>
+                  <a:srgbClr val="F1F1F1"/>
+                </a:solidFill>
+                <a:latin typeface="Tahoma"/>
+                <a:cs typeface="Tahoma"/>
+              </a:rPr>
+              <a:t>A</a:t>
+            </a:r>
+            <a:r>
+              <a:rPr sz="2000" spc="-35" dirty="0">
+                <a:solidFill>
+                  <a:srgbClr val="F1F1F1"/>
+                </a:solidFill>
+                <a:latin typeface="Tahoma"/>
+                <a:cs typeface="Tahoma"/>
+              </a:rPr>
+              <a:t>m</a:t>
+            </a:r>
+            <a:r>
+              <a:rPr sz="2000" spc="65" dirty="0">
+                <a:solidFill>
+                  <a:srgbClr val="F1F1F1"/>
+                </a:solidFill>
+                <a:latin typeface="Tahoma"/>
+                <a:cs typeface="Tahoma"/>
+              </a:rPr>
+              <a:t>i</a:t>
+            </a:r>
+            <a:r>
+              <a:rPr sz="2000" spc="-5" dirty="0">
+                <a:solidFill>
+                  <a:srgbClr val="F1F1F1"/>
+                </a:solidFill>
+                <a:latin typeface="Tahoma"/>
+                <a:cs typeface="Tahoma"/>
+              </a:rPr>
+              <a:t>z</a:t>
+            </a:r>
+            <a:r>
+              <a:rPr sz="2000" spc="5" dirty="0">
+                <a:solidFill>
+                  <a:srgbClr val="F1F1F1"/>
+                </a:solidFill>
+                <a:latin typeface="Tahoma"/>
+                <a:cs typeface="Tahoma"/>
+              </a:rPr>
+              <a:t>a</a:t>
+            </a:r>
+            <a:r>
+              <a:rPr sz="2000" spc="15" dirty="0">
+                <a:solidFill>
+                  <a:srgbClr val="F1F1F1"/>
+                </a:solidFill>
+                <a:latin typeface="Tahoma"/>
+                <a:cs typeface="Tahoma"/>
+              </a:rPr>
+              <a:t>d</a:t>
+            </a:r>
+            <a:r>
+              <a:rPr sz="2000" spc="25" dirty="0">
+                <a:solidFill>
+                  <a:srgbClr val="F1F1F1"/>
+                </a:solidFill>
+                <a:latin typeface="Tahoma"/>
+                <a:cs typeface="Tahoma"/>
+              </a:rPr>
+              <a:t>e</a:t>
+            </a:r>
+            <a:endParaRPr sz="2000">
+              <a:latin typeface="Tahoma"/>
+              <a:cs typeface="Tahoma"/>
+            </a:endParaRPr>
+          </a:p>
+        </p:txBody>
+      </p:sp>
+      <p:sp>
+        <p:nvSpPr>
+          <p:cNvPr id="28" name="object 28"/>
+          <p:cNvSpPr txBox="1"/>
+          <p:nvPr/>
+        </p:nvSpPr>
+        <p:spPr>
+          <a:xfrm>
+            <a:off x="3926205" y="3944993"/>
+            <a:ext cx="4103457" cy="609781"/>
+          </a:xfrm>
+          <a:prstGeom prst="rect">
+            <a:avLst/>
+          </a:prstGeom>
+          <a:solidFill>
+            <a:srgbClr val="7188BE"/>
+          </a:solidFill>
+        </p:spPr>
+        <p:txBody>
+          <a:bodyPr vert="horz" wrap="square" lIns="0" tIns="55244" rIns="0" bIns="0" rtlCol="0" anchor="ctr">
+            <a:spAutoFit/>
+          </a:bodyPr>
+          <a:lstStyle/>
+          <a:p>
+            <a:pPr marL="12700" marR="154305" indent="-12700" algn="ctr">
+              <a:lnSpc>
+                <a:spcPct val="100000"/>
+              </a:lnSpc>
+              <a:spcBef>
+                <a:spcPts val="434"/>
+              </a:spcBef>
+            </a:pPr>
+            <a:r>
+              <a:rPr lang="pt-BR" spc="15" dirty="0">
+                <a:solidFill>
+                  <a:srgbClr val="F1F1F1"/>
+                </a:solidFill>
+                <a:latin typeface="Tahoma"/>
+                <a:cs typeface="Tahoma"/>
+              </a:rPr>
+              <a:t>Entender que dificuldades existem, e que pedir ajuda é necessário</a:t>
+            </a:r>
+            <a:endParaRPr dirty="0">
+              <a:latin typeface="Tahoma"/>
+              <a:cs typeface="Tahoma"/>
+            </a:endParaRPr>
+          </a:p>
+        </p:txBody>
+      </p:sp>
+      <p:sp>
+        <p:nvSpPr>
+          <p:cNvPr id="29" name="object 29"/>
+          <p:cNvSpPr txBox="1"/>
+          <p:nvPr/>
+        </p:nvSpPr>
+        <p:spPr>
+          <a:xfrm>
+            <a:off x="3991841" y="4719656"/>
+            <a:ext cx="3867324" cy="981038"/>
+          </a:xfrm>
+          <a:prstGeom prst="rect">
+            <a:avLst/>
+          </a:prstGeom>
+          <a:solidFill>
+            <a:srgbClr val="E49217"/>
+          </a:solidFill>
+        </p:spPr>
+        <p:txBody>
+          <a:bodyPr vert="horz" wrap="square" lIns="0" tIns="57150" rIns="0" bIns="0" rtlCol="0" anchor="ctr">
+            <a:spAutoFit/>
+          </a:bodyPr>
+          <a:lstStyle/>
+          <a:p>
+            <a:pPr algn="ctr">
+              <a:lnSpc>
+                <a:spcPct val="100000"/>
+              </a:lnSpc>
+              <a:spcBef>
+                <a:spcPts val="450"/>
+              </a:spcBef>
+            </a:pPr>
+            <a:r>
+              <a:rPr lang="pt-BR" sz="2000" spc="10" dirty="0">
+                <a:solidFill>
+                  <a:srgbClr val="F1F1F1"/>
+                </a:solidFill>
+                <a:latin typeface="Tahoma"/>
+                <a:cs typeface="Tahoma"/>
+              </a:rPr>
+              <a:t>Entender que todos erram, e assumir seus erros ajuda na sua evolução pessoal e profissional</a:t>
+            </a:r>
+            <a:endParaRPr sz="2000" dirty="0">
+              <a:latin typeface="Tahoma"/>
+              <a:cs typeface="Tahoma"/>
+            </a:endParaRPr>
+          </a:p>
+        </p:txBody>
+      </p:sp>
+      <p:sp>
+        <p:nvSpPr>
+          <p:cNvPr id="30" name="object 30"/>
+          <p:cNvSpPr txBox="1"/>
+          <p:nvPr/>
+        </p:nvSpPr>
+        <p:spPr>
+          <a:xfrm>
+            <a:off x="123748" y="5121663"/>
+            <a:ext cx="3407958" cy="673902"/>
+          </a:xfrm>
+          <a:prstGeom prst="rect">
+            <a:avLst/>
+          </a:prstGeom>
+          <a:solidFill>
+            <a:srgbClr val="4F9FF8"/>
+          </a:solidFill>
+        </p:spPr>
+        <p:txBody>
+          <a:bodyPr vert="horz" wrap="square" lIns="0" tIns="57785" rIns="0" bIns="0" rtlCol="0">
+            <a:spAutoFit/>
+          </a:bodyPr>
+          <a:lstStyle/>
+          <a:p>
+            <a:pPr algn="ctr">
+              <a:lnSpc>
+                <a:spcPct val="100000"/>
+              </a:lnSpc>
+              <a:spcBef>
+                <a:spcPts val="455"/>
+              </a:spcBef>
+            </a:pPr>
+            <a:r>
+              <a:rPr lang="pt-BR" sz="2000" spc="-10" dirty="0">
+                <a:solidFill>
+                  <a:srgbClr val="F1F1F1"/>
+                </a:solidFill>
+                <a:latin typeface="Tahoma"/>
+                <a:cs typeface="Tahoma"/>
+              </a:rPr>
+              <a:t>Adiantar o máximo possível as atividades para não acumular</a:t>
+            </a:r>
+            <a:endParaRPr sz="2000" dirty="0">
+              <a:latin typeface="Tahoma"/>
+              <a:cs typeface="Tahoma"/>
+            </a:endParaRPr>
+          </a:p>
+        </p:txBody>
+      </p:sp>
+      <p:sp>
+        <p:nvSpPr>
+          <p:cNvPr id="31" name="object 31"/>
+          <p:cNvSpPr txBox="1"/>
+          <p:nvPr/>
+        </p:nvSpPr>
+        <p:spPr>
+          <a:xfrm>
+            <a:off x="8115300" y="4924425"/>
+            <a:ext cx="3524250" cy="400050"/>
+          </a:xfrm>
+          <a:prstGeom prst="rect">
+            <a:avLst/>
+          </a:prstGeom>
+          <a:solidFill>
+            <a:srgbClr val="7188BE"/>
+          </a:solidFill>
+        </p:spPr>
+        <p:txBody>
+          <a:bodyPr vert="horz" wrap="square" lIns="0" tIns="55244" rIns="0" bIns="0" rtlCol="0">
+            <a:spAutoFit/>
+          </a:bodyPr>
+          <a:lstStyle/>
+          <a:p>
+            <a:pPr marL="193675">
+              <a:lnSpc>
+                <a:spcPct val="100000"/>
+              </a:lnSpc>
+              <a:spcBef>
+                <a:spcPts val="434"/>
+              </a:spcBef>
+            </a:pPr>
+            <a:r>
+              <a:rPr sz="2000" spc="-145" dirty="0">
+                <a:solidFill>
+                  <a:srgbClr val="F1F1F1"/>
+                </a:solidFill>
+                <a:latin typeface="Tahoma"/>
+                <a:cs typeface="Tahoma"/>
+              </a:rPr>
+              <a:t>O</a:t>
+            </a:r>
+            <a:r>
+              <a:rPr sz="2000" spc="25" dirty="0">
+                <a:solidFill>
+                  <a:srgbClr val="F1F1F1"/>
+                </a:solidFill>
+                <a:latin typeface="Tahoma"/>
+                <a:cs typeface="Tahoma"/>
+              </a:rPr>
+              <a:t>r</a:t>
+            </a:r>
+            <a:r>
+              <a:rPr sz="2000" spc="-60" dirty="0">
+                <a:solidFill>
+                  <a:srgbClr val="F1F1F1"/>
+                </a:solidFill>
+                <a:latin typeface="Tahoma"/>
+                <a:cs typeface="Tahoma"/>
+              </a:rPr>
+              <a:t>g</a:t>
+            </a:r>
+            <a:r>
+              <a:rPr sz="2000" spc="-5" dirty="0">
+                <a:solidFill>
+                  <a:srgbClr val="F1F1F1"/>
+                </a:solidFill>
+                <a:latin typeface="Tahoma"/>
+                <a:cs typeface="Tahoma"/>
+              </a:rPr>
+              <a:t>a</a:t>
+            </a:r>
+            <a:r>
+              <a:rPr sz="2000" spc="5" dirty="0">
+                <a:solidFill>
+                  <a:srgbClr val="F1F1F1"/>
+                </a:solidFill>
+                <a:latin typeface="Tahoma"/>
+                <a:cs typeface="Tahoma"/>
+              </a:rPr>
+              <a:t>n</a:t>
+            </a:r>
+            <a:r>
+              <a:rPr sz="2000" spc="65" dirty="0">
+                <a:solidFill>
+                  <a:srgbClr val="F1F1F1"/>
+                </a:solidFill>
+                <a:latin typeface="Tahoma"/>
+                <a:cs typeface="Tahoma"/>
+              </a:rPr>
+              <a:t>i</a:t>
+            </a:r>
+            <a:r>
+              <a:rPr sz="2000" spc="-5" dirty="0">
+                <a:solidFill>
+                  <a:srgbClr val="F1F1F1"/>
+                </a:solidFill>
+                <a:latin typeface="Tahoma"/>
+                <a:cs typeface="Tahoma"/>
+              </a:rPr>
+              <a:t>z</a:t>
+            </a:r>
+            <a:r>
+              <a:rPr sz="2000" spc="5" dirty="0">
+                <a:solidFill>
+                  <a:srgbClr val="F1F1F1"/>
+                </a:solidFill>
+                <a:latin typeface="Tahoma"/>
+                <a:cs typeface="Tahoma"/>
+              </a:rPr>
+              <a:t>a</a:t>
+            </a:r>
+            <a:r>
+              <a:rPr sz="2000" spc="50" dirty="0">
+                <a:solidFill>
+                  <a:srgbClr val="F1F1F1"/>
+                </a:solidFill>
+                <a:latin typeface="Tahoma"/>
+                <a:cs typeface="Tahoma"/>
+              </a:rPr>
+              <a:t>ç</a:t>
+            </a:r>
+            <a:r>
+              <a:rPr sz="2000" spc="70" dirty="0">
+                <a:solidFill>
+                  <a:srgbClr val="F1F1F1"/>
+                </a:solidFill>
+                <a:latin typeface="Tahoma"/>
+                <a:cs typeface="Tahoma"/>
+              </a:rPr>
+              <a:t>ã</a:t>
+            </a:r>
+            <a:r>
+              <a:rPr sz="2000" spc="15" dirty="0">
+                <a:solidFill>
+                  <a:srgbClr val="F1F1F1"/>
+                </a:solidFill>
+                <a:latin typeface="Tahoma"/>
+                <a:cs typeface="Tahoma"/>
+              </a:rPr>
+              <a:t>o</a:t>
+            </a:r>
+            <a:r>
+              <a:rPr sz="2000" spc="-380" dirty="0">
+                <a:solidFill>
+                  <a:srgbClr val="F1F1F1"/>
+                </a:solidFill>
+                <a:latin typeface="Tahoma"/>
+                <a:cs typeface="Tahoma"/>
+              </a:rPr>
+              <a:t> </a:t>
+            </a:r>
+            <a:r>
+              <a:rPr sz="2000" spc="25" dirty="0">
+                <a:solidFill>
+                  <a:srgbClr val="F1F1F1"/>
+                </a:solidFill>
+                <a:latin typeface="Tahoma"/>
+                <a:cs typeface="Tahoma"/>
+              </a:rPr>
+              <a:t>e</a:t>
+            </a:r>
+            <a:r>
+              <a:rPr sz="2000" spc="-280" dirty="0">
+                <a:solidFill>
+                  <a:srgbClr val="F1F1F1"/>
+                </a:solidFill>
+                <a:latin typeface="Tahoma"/>
+                <a:cs typeface="Tahoma"/>
+              </a:rPr>
+              <a:t> </a:t>
+            </a:r>
+            <a:r>
+              <a:rPr sz="2000" spc="75" dirty="0">
+                <a:solidFill>
+                  <a:srgbClr val="F1F1F1"/>
+                </a:solidFill>
+                <a:latin typeface="Tahoma"/>
+                <a:cs typeface="Tahoma"/>
+              </a:rPr>
+              <a:t>P</a:t>
+            </a:r>
+            <a:r>
+              <a:rPr sz="2000" spc="15" dirty="0">
+                <a:solidFill>
+                  <a:srgbClr val="F1F1F1"/>
+                </a:solidFill>
+                <a:latin typeface="Tahoma"/>
+                <a:cs typeface="Tahoma"/>
+              </a:rPr>
+              <a:t>l</a:t>
+            </a:r>
+            <a:r>
+              <a:rPr sz="2000" spc="-5" dirty="0">
+                <a:solidFill>
+                  <a:srgbClr val="F1F1F1"/>
+                </a:solidFill>
+                <a:latin typeface="Tahoma"/>
+                <a:cs typeface="Tahoma"/>
+              </a:rPr>
+              <a:t>a</a:t>
+            </a:r>
+            <a:r>
+              <a:rPr sz="2000" spc="5" dirty="0">
+                <a:solidFill>
+                  <a:srgbClr val="F1F1F1"/>
+                </a:solidFill>
+                <a:latin typeface="Tahoma"/>
+                <a:cs typeface="Tahoma"/>
+              </a:rPr>
+              <a:t>n</a:t>
+            </a:r>
+            <a:r>
+              <a:rPr sz="2000" spc="-5" dirty="0">
+                <a:solidFill>
+                  <a:srgbClr val="F1F1F1"/>
+                </a:solidFill>
+                <a:latin typeface="Tahoma"/>
+                <a:cs typeface="Tahoma"/>
+              </a:rPr>
+              <a:t>e</a:t>
+            </a:r>
+            <a:r>
+              <a:rPr sz="2000" spc="-45" dirty="0">
+                <a:solidFill>
+                  <a:srgbClr val="F1F1F1"/>
+                </a:solidFill>
+                <a:latin typeface="Tahoma"/>
+                <a:cs typeface="Tahoma"/>
+              </a:rPr>
+              <a:t>j</a:t>
+            </a:r>
+            <a:r>
+              <a:rPr sz="2000" spc="-5" dirty="0">
+                <a:solidFill>
+                  <a:srgbClr val="F1F1F1"/>
+                </a:solidFill>
+                <a:latin typeface="Tahoma"/>
+                <a:cs typeface="Tahoma"/>
+              </a:rPr>
+              <a:t>a</a:t>
+            </a:r>
+            <a:r>
+              <a:rPr sz="2000" spc="-30" dirty="0">
+                <a:solidFill>
+                  <a:srgbClr val="F1F1F1"/>
+                </a:solidFill>
+                <a:latin typeface="Tahoma"/>
+                <a:cs typeface="Tahoma"/>
+              </a:rPr>
+              <a:t>m</a:t>
+            </a:r>
+            <a:r>
+              <a:rPr sz="2000" spc="-5" dirty="0">
+                <a:solidFill>
+                  <a:srgbClr val="F1F1F1"/>
+                </a:solidFill>
+                <a:latin typeface="Tahoma"/>
+                <a:cs typeface="Tahoma"/>
+              </a:rPr>
+              <a:t>e</a:t>
+            </a:r>
+            <a:r>
+              <a:rPr sz="2000" spc="5" dirty="0">
+                <a:solidFill>
+                  <a:srgbClr val="F1F1F1"/>
+                </a:solidFill>
+                <a:latin typeface="Tahoma"/>
+                <a:cs typeface="Tahoma"/>
+              </a:rPr>
+              <a:t>n</a:t>
+            </a:r>
+            <a:r>
+              <a:rPr sz="2000" spc="75" dirty="0">
+                <a:solidFill>
+                  <a:srgbClr val="F1F1F1"/>
+                </a:solidFill>
+                <a:latin typeface="Tahoma"/>
+                <a:cs typeface="Tahoma"/>
+              </a:rPr>
+              <a:t>t</a:t>
+            </a:r>
+            <a:r>
+              <a:rPr sz="2000" spc="15" dirty="0">
+                <a:solidFill>
+                  <a:srgbClr val="F1F1F1"/>
+                </a:solidFill>
+                <a:latin typeface="Tahoma"/>
+                <a:cs typeface="Tahoma"/>
+              </a:rPr>
+              <a:t>o</a:t>
+            </a:r>
+            <a:endParaRPr sz="2000">
+              <a:latin typeface="Tahoma"/>
+              <a:cs typeface="Tahoma"/>
+            </a:endParaRPr>
+          </a:p>
+        </p:txBody>
+      </p:sp>
+      <p:sp>
+        <p:nvSpPr>
+          <p:cNvPr id="33" name="Título 32">
+            <a:extLst>
+              <a:ext uri="{FF2B5EF4-FFF2-40B4-BE49-F238E27FC236}">
+                <a16:creationId xmlns:a16="http://schemas.microsoft.com/office/drawing/2014/main" id="{8C9771FE-96A8-40BF-962F-39E28A849C66}"/>
+              </a:ext>
+            </a:extLst>
+          </p:cNvPr>
+          <p:cNvSpPr>
+            <a:spLocks noGrp="1"/>
+          </p:cNvSpPr>
+          <p:nvPr>
+            <p:ph type="title"/>
+          </p:nvPr>
+        </p:nvSpPr>
+        <p:spPr/>
+        <p:txBody>
+          <a:bodyPr/>
+          <a:lstStyle/>
+          <a:p>
+            <a:r>
+              <a:rPr lang="pt-BR" dirty="0"/>
+              <a:t> </a:t>
+            </a:r>
+          </a:p>
+        </p:txBody>
+      </p:sp>
+      <p:sp>
+        <p:nvSpPr>
+          <p:cNvPr id="34" name="Título 5">
+            <a:extLst>
+              <a:ext uri="{FF2B5EF4-FFF2-40B4-BE49-F238E27FC236}">
+                <a16:creationId xmlns:a16="http://schemas.microsoft.com/office/drawing/2014/main" id="{B579F9B7-05E1-4F8D-A336-167D08877849}"/>
+              </a:ext>
+            </a:extLst>
+          </p:cNvPr>
           <p:cNvSpPr txBox="1">
             <a:spLocks/>
           </p:cNvSpPr>
@@ -10929,15 +16470,15 @@
         </p:nvSpPr>
         <p:spPr>
           <a:xfrm>
-            <a:off x="256614" y="169187"/>
-            <a:ext cx="9828080" cy="1135619"/>
-          </a:xfrm>
-          <a:prstGeom prst="rect">
-            <a:avLst/>
-          </a:prstGeom>
-        </p:spPr>
-        <p:txBody>
-          <a:bodyPr/>
+            <a:off x="4162338" y="-19061"/>
+            <a:ext cx="3867324" cy="891795"/>
+          </a:xfrm>
+          <a:prstGeom prst="rect">
+            <a:avLst/>
+          </a:prstGeom>
+        </p:spPr>
+        <p:txBody>
+          <a:bodyPr anchor="ctr"/>
           <a:lstStyle>
             <a:lvl1pPr algn="l" defTabSz="914400" rtl="0" eaLnBrk="1" latinLnBrk="0" hangingPunct="1">
               <a:lnSpc>
@@ -10958,7 +16499,7 @@
             </a:lvl1pPr>
           </a:lstStyle>
           <a:p>
-            <a:pPr>
+            <a:pPr algn="ctr">
               <a:lnSpc>
                 <a:spcPct val="100000"/>
               </a:lnSpc>
@@ -10967,7 +16508,7 @@
               </a:spcAft>
             </a:pPr>
             <a:r>
-              <a:rPr lang="pt-BR" sz="2800" dirty="0">
+              <a:rPr lang="pt-BR" sz="2800" b="1" dirty="0">
                 <a:solidFill>
                   <a:schemeClr val="tx1">
                     <a:lumMod val="75000"/>
@@ -10977,1104 +16518,7 @@
                 <a:latin typeface="Verdana" panose="020B0604030504040204" pitchFamily="34" charset="0"/>
                 <a:ea typeface="Verdana" panose="020B0604030504040204" pitchFamily="34" charset="0"/>
               </a:rPr>
-              <a:t>PROJETO &lt;NOME DO PROJETO&gt; – PLANO DE AÇÃO</a:t>
-            </a:r>
-          </a:p>
-        </p:txBody>
-      </p:sp>
-      <p:sp>
-        <p:nvSpPr>
-          <p:cNvPr id="13" name="Espaço Reservado para Texto 12">
-            <a:extLst>
-              <a:ext uri="{FF2B5EF4-FFF2-40B4-BE49-F238E27FC236}">
-                <a16:creationId xmlns:a16="http://schemas.microsoft.com/office/drawing/2014/main" id="{563160AF-B8A6-4536-81D4-876E51AF2F93}"/>
-              </a:ext>
-            </a:extLst>
-          </p:cNvPr>
-          <p:cNvSpPr>
-            <a:spLocks noGrp="1"/>
-          </p:cNvSpPr>
-          <p:nvPr>
-            <p:ph type="body" sz="quarter" idx="13"/>
-          </p:nvPr>
-        </p:nvSpPr>
-        <p:spPr/>
-        <p:txBody>
-          <a:bodyPr/>
-          <a:lstStyle/>
-          <a:p>
-            <a:r>
-              <a:rPr lang="pt-BR" dirty="0">
-                <a:latin typeface="Verdana" panose="020B0604030504040204" pitchFamily="34" charset="0"/>
-                <a:ea typeface="Verdana" panose="020B0604030504040204" pitchFamily="34" charset="0"/>
-              </a:rPr>
-              <a:t>LOUCO</a:t>
-            </a:r>
-            <a:endParaRPr lang="en-US" dirty="0">
-              <a:latin typeface="Verdana" panose="020B0604030504040204" pitchFamily="34" charset="0"/>
-              <a:ea typeface="Verdana" panose="020B0604030504040204" pitchFamily="34" charset="0"/>
-            </a:endParaRPr>
-          </a:p>
-        </p:txBody>
-      </p:sp>
-      <p:sp>
-        <p:nvSpPr>
-          <p:cNvPr id="14" name="Espaço Reservado para Texto 13">
-            <a:extLst>
-              <a:ext uri="{FF2B5EF4-FFF2-40B4-BE49-F238E27FC236}">
-                <a16:creationId xmlns:a16="http://schemas.microsoft.com/office/drawing/2014/main" id="{5DF917B8-55DB-4568-ACE9-8AA30555F533}"/>
-              </a:ext>
-            </a:extLst>
-          </p:cNvPr>
-          <p:cNvSpPr>
-            <a:spLocks noGrp="1"/>
-          </p:cNvSpPr>
-          <p:nvPr>
-            <p:ph type="body" sz="quarter" idx="14"/>
-          </p:nvPr>
-        </p:nvSpPr>
-        <p:spPr/>
-        <p:txBody>
-          <a:bodyPr/>
-          <a:lstStyle/>
-          <a:p>
-            <a:r>
-              <a:rPr lang="pt-BR" dirty="0">
-                <a:latin typeface="Verdana" panose="020B0604030504040204" pitchFamily="34" charset="0"/>
-                <a:ea typeface="Verdana" panose="020B0604030504040204" pitchFamily="34" charset="0"/>
-              </a:rPr>
-              <a:t>TRISTE</a:t>
-            </a:r>
-            <a:endParaRPr lang="en-US" dirty="0">
-              <a:latin typeface="Verdana" panose="020B0604030504040204" pitchFamily="34" charset="0"/>
-              <a:ea typeface="Verdana" panose="020B0604030504040204" pitchFamily="34" charset="0"/>
-            </a:endParaRPr>
-          </a:p>
-        </p:txBody>
-      </p:sp>
-      <p:sp>
-        <p:nvSpPr>
-          <p:cNvPr id="15" name="Espaço Reservado para Texto 14">
-            <a:extLst>
-              <a:ext uri="{FF2B5EF4-FFF2-40B4-BE49-F238E27FC236}">
-                <a16:creationId xmlns:a16="http://schemas.microsoft.com/office/drawing/2014/main" id="{742120BA-0098-49AD-AB34-055857AC37B6}"/>
-              </a:ext>
-            </a:extLst>
-          </p:cNvPr>
-          <p:cNvSpPr>
-            <a:spLocks noGrp="1"/>
-          </p:cNvSpPr>
-          <p:nvPr>
-            <p:ph type="body" sz="quarter" idx="15"/>
-          </p:nvPr>
-        </p:nvSpPr>
-        <p:spPr/>
-        <p:txBody>
-          <a:bodyPr/>
-          <a:lstStyle/>
-          <a:p>
-            <a:r>
-              <a:rPr lang="pt-BR" dirty="0">
-                <a:latin typeface="Verdana" panose="020B0604030504040204" pitchFamily="34" charset="0"/>
-                <a:ea typeface="Verdana" panose="020B0604030504040204" pitchFamily="34" charset="0"/>
-              </a:rPr>
-              <a:t>CONTENTE</a:t>
-            </a:r>
-            <a:endParaRPr lang="en-US" dirty="0">
-              <a:latin typeface="Verdana" panose="020B0604030504040204" pitchFamily="34" charset="0"/>
-              <a:ea typeface="Verdana" panose="020B0604030504040204" pitchFamily="34" charset="0"/>
-            </a:endParaRPr>
-          </a:p>
-        </p:txBody>
-      </p:sp>
-      <p:sp>
-        <p:nvSpPr>
-          <p:cNvPr id="7" name="Espaço Reservado para Número de Slide 6"/>
-          <p:cNvSpPr>
-            <a:spLocks noGrp="1"/>
-          </p:cNvSpPr>
-          <p:nvPr>
-            <p:ph type="sldNum" sz="quarter" idx="4294967295"/>
-          </p:nvPr>
-        </p:nvSpPr>
-        <p:spPr>
-          <a:xfrm>
-            <a:off x="9448800" y="6451600"/>
-            <a:ext cx="2743200" cy="365125"/>
-          </a:xfrm>
-          <a:prstGeom prst="rect">
-            <a:avLst/>
-          </a:prstGeom>
-        </p:spPr>
-        <p:txBody>
-          <a:bodyPr/>
-          <a:lstStyle/>
-          <a:p>
-            <a:fld id="{BC7BA7F7-9ECA-4650-BA2A-F44574574266}" type="slidenum">
-              <a:rPr lang="pt-BR" smtClean="0"/>
-              <a:pPr/>
-              <a:t>4</a:t>
-            </a:fld>
-            <a:endParaRPr lang="pt-BR"/>
-          </a:p>
-        </p:txBody>
-      </p:sp>
-      <p:cxnSp>
-        <p:nvCxnSpPr>
-          <p:cNvPr id="4" name="Conector reto 3"/>
-          <p:cNvCxnSpPr/>
-          <p:nvPr/>
-        </p:nvCxnSpPr>
-        <p:spPr>
-          <a:xfrm flipH="1">
-            <a:off x="3810248" y="1535091"/>
-            <a:ext cx="0" cy="4211779"/>
-          </a:xfrm>
-          <a:prstGeom prst="line">
-            <a:avLst/>
-          </a:prstGeom>
-          <a:ln w="38100">
-            <a:solidFill>
-              <a:schemeClr val="tx1"/>
-            </a:solidFill>
-          </a:ln>
-        </p:spPr>
-        <p:style>
-          <a:lnRef idx="1">
-            <a:schemeClr val="accent1"/>
-          </a:lnRef>
-          <a:fillRef idx="0">
-            <a:schemeClr val="accent1"/>
-          </a:fillRef>
-          <a:effectRef idx="0">
-            <a:schemeClr val="accent1"/>
-          </a:effectRef>
-          <a:fontRef idx="minor">
-            <a:schemeClr val="tx1"/>
-          </a:fontRef>
-        </p:style>
-      </p:cxnSp>
-      <p:cxnSp>
-        <p:nvCxnSpPr>
-          <p:cNvPr id="5" name="Conector reto 4"/>
-          <p:cNvCxnSpPr/>
-          <p:nvPr/>
-        </p:nvCxnSpPr>
-        <p:spPr>
-          <a:xfrm flipH="1">
-            <a:off x="7924584" y="1507104"/>
-            <a:ext cx="7256" cy="4338263"/>
-          </a:xfrm>
-          <a:prstGeom prst="line">
-            <a:avLst/>
-          </a:prstGeom>
-          <a:ln w="38100">
-            <a:solidFill>
-              <a:schemeClr val="tx1"/>
-            </a:solidFill>
-          </a:ln>
-        </p:spPr>
-        <p:style>
-          <a:lnRef idx="1">
-            <a:schemeClr val="accent1"/>
-          </a:lnRef>
-          <a:fillRef idx="0">
-            <a:schemeClr val="accent1"/>
-          </a:fillRef>
-          <a:effectRef idx="0">
-            <a:schemeClr val="accent1"/>
-          </a:effectRef>
-          <a:fontRef idx="minor">
-            <a:schemeClr val="tx1"/>
-          </a:fontRef>
-        </p:style>
-      </p:cxnSp>
-      <p:sp>
-        <p:nvSpPr>
-          <p:cNvPr id="11" name="Retângulo 10">
-            <a:extLst>
-              <a:ext uri="{FF2B5EF4-FFF2-40B4-BE49-F238E27FC236}">
-                <a16:creationId xmlns:a16="http://schemas.microsoft.com/office/drawing/2014/main" id="{4997F601-006F-4BC7-9604-88E30DA500D9}"/>
-              </a:ext>
-            </a:extLst>
-          </p:cNvPr>
-          <p:cNvSpPr/>
-          <p:nvPr/>
-        </p:nvSpPr>
-        <p:spPr>
-          <a:xfrm>
-            <a:off x="605948" y="2576304"/>
-            <a:ext cx="1512200" cy="791959"/>
-          </a:xfrm>
-          <a:prstGeom prst="rect">
-            <a:avLst/>
-          </a:prstGeom>
-          <a:solidFill>
-            <a:srgbClr val="FFC000"/>
-          </a:solidFill>
-          <a:ln>
-            <a:noFill/>
-          </a:ln>
-          <a:effectLst>
-            <a:outerShdw blurRad="25400" dist="38100" dir="5400000" algn="t" rotWithShape="0">
-              <a:schemeClr val="bg1">
-                <a:lumMod val="85000"/>
-                <a:alpha val="40000"/>
-              </a:schemeClr>
-            </a:outerShdw>
-          </a:effectLst>
-        </p:spPr>
-        <p:style>
-          <a:lnRef idx="2">
-            <a:schemeClr val="accent1">
-              <a:shade val="50000"/>
-            </a:schemeClr>
-          </a:lnRef>
-          <a:fillRef idx="1">
-            <a:schemeClr val="accent1"/>
-          </a:fillRef>
-          <a:effectRef idx="0">
-            <a:schemeClr val="accent1"/>
-          </a:effectRef>
-          <a:fontRef idx="minor">
-            <a:schemeClr val="lt1"/>
-          </a:fontRef>
-        </p:style>
-        <p:txBody>
-          <a:bodyPr rtlCol="0" anchor="ctr"/>
-          <a:lstStyle/>
-          <a:p>
-            <a:pPr algn="ctr" defTabSz="1042907"/>
-            <a:r>
-              <a:rPr lang="pt-BR" sz="1400" dirty="0">
-                <a:solidFill>
-                  <a:schemeClr val="tx1"/>
-                </a:solidFill>
-                <a:latin typeface="MV Boli" panose="02000500030200090000" pitchFamily="2" charset="0"/>
-                <a:cs typeface="MV Boli" panose="02000500030200090000" pitchFamily="2" charset="0"/>
-              </a:rPr>
-              <a:t>API de PI</a:t>
-            </a:r>
-          </a:p>
-        </p:txBody>
-      </p:sp>
-      <p:sp>
-        <p:nvSpPr>
-          <p:cNvPr id="16" name="Retângulo 15">
-            <a:extLst>
-              <a:ext uri="{FF2B5EF4-FFF2-40B4-BE49-F238E27FC236}">
-                <a16:creationId xmlns:a16="http://schemas.microsoft.com/office/drawing/2014/main" id="{4997F601-006F-4BC7-9604-88E30DA500D9}"/>
-              </a:ext>
-            </a:extLst>
-          </p:cNvPr>
-          <p:cNvSpPr/>
-          <p:nvPr/>
-        </p:nvSpPr>
-        <p:spPr>
-          <a:xfrm>
-            <a:off x="4223974" y="1926935"/>
-            <a:ext cx="1512200" cy="791959"/>
-          </a:xfrm>
-          <a:prstGeom prst="rect">
-            <a:avLst/>
-          </a:prstGeom>
-          <a:solidFill>
-            <a:srgbClr val="99FF99"/>
-          </a:solidFill>
-          <a:ln w="3175">
-            <a:solidFill>
-              <a:schemeClr val="bg1">
-                <a:lumMod val="85000"/>
-              </a:schemeClr>
-            </a:solidFill>
-          </a:ln>
-          <a:effectLst>
-            <a:outerShdw blurRad="25400" dist="38100" dir="5400000" algn="t" rotWithShape="0">
-              <a:schemeClr val="bg1">
-                <a:lumMod val="85000"/>
-                <a:alpha val="40000"/>
-              </a:schemeClr>
-            </a:outerShdw>
-          </a:effectLst>
-        </p:spPr>
-        <p:style>
-          <a:lnRef idx="2">
-            <a:schemeClr val="accent1">
-              <a:shade val="50000"/>
-            </a:schemeClr>
-          </a:lnRef>
-          <a:fillRef idx="1">
-            <a:schemeClr val="accent1"/>
-          </a:fillRef>
-          <a:effectRef idx="0">
-            <a:schemeClr val="accent1"/>
-          </a:effectRef>
-          <a:fontRef idx="minor">
-            <a:schemeClr val="lt1"/>
-          </a:fontRef>
-        </p:style>
-        <p:txBody>
-          <a:bodyPr rtlCol="0" anchor="ctr"/>
-          <a:lstStyle/>
-          <a:p>
-            <a:pPr algn="ctr"/>
-            <a:r>
-              <a:rPr lang="pt-BR" sz="1400">
-                <a:solidFill>
-                  <a:schemeClr val="tx1"/>
-                </a:solidFill>
-                <a:latin typeface="MV Boli" panose="02000500030200090000" pitchFamily="2" charset="0"/>
-                <a:cs typeface="MV Boli" panose="02000500030200090000" pitchFamily="2" charset="0"/>
-              </a:rPr>
-              <a:t>Saída de Integrantes</a:t>
-            </a:r>
-          </a:p>
-        </p:txBody>
-      </p:sp>
-      <p:sp>
-        <p:nvSpPr>
-          <p:cNvPr id="17" name="Retângulo 16">
-            <a:extLst>
-              <a:ext uri="{FF2B5EF4-FFF2-40B4-BE49-F238E27FC236}">
-                <a16:creationId xmlns:a16="http://schemas.microsoft.com/office/drawing/2014/main" id="{4997F601-006F-4BC7-9604-88E30DA500D9}"/>
-              </a:ext>
-            </a:extLst>
-          </p:cNvPr>
-          <p:cNvSpPr/>
-          <p:nvPr/>
-        </p:nvSpPr>
-        <p:spPr>
-          <a:xfrm>
-            <a:off x="6187054" y="1926935"/>
-            <a:ext cx="1512200" cy="791959"/>
-          </a:xfrm>
-          <a:prstGeom prst="rect">
-            <a:avLst/>
-          </a:prstGeom>
-          <a:solidFill>
-            <a:srgbClr val="99FF99"/>
-          </a:solidFill>
-          <a:ln w="3175">
-            <a:solidFill>
-              <a:schemeClr val="bg1">
-                <a:lumMod val="85000"/>
-              </a:schemeClr>
-            </a:solidFill>
-          </a:ln>
-          <a:effectLst>
-            <a:outerShdw blurRad="25400" dist="38100" dir="5400000" algn="t" rotWithShape="0">
-              <a:schemeClr val="bg1">
-                <a:lumMod val="85000"/>
-                <a:alpha val="40000"/>
-              </a:schemeClr>
-            </a:outerShdw>
-          </a:effectLst>
-        </p:spPr>
-        <p:style>
-          <a:lnRef idx="2">
-            <a:schemeClr val="accent1">
-              <a:shade val="50000"/>
-            </a:schemeClr>
-          </a:lnRef>
-          <a:fillRef idx="1">
-            <a:schemeClr val="accent1"/>
-          </a:fillRef>
-          <a:effectRef idx="0">
-            <a:schemeClr val="accent1"/>
-          </a:effectRef>
-          <a:fontRef idx="minor">
-            <a:schemeClr val="lt1"/>
-          </a:fontRef>
-        </p:style>
-        <p:txBody>
-          <a:bodyPr rtlCol="0" anchor="ctr"/>
-          <a:lstStyle/>
-          <a:p>
-            <a:pPr algn="ctr"/>
-            <a:r>
-              <a:rPr lang="pt-BR" sz="1400">
-                <a:solidFill>
-                  <a:schemeClr val="tx1"/>
-                </a:solidFill>
-                <a:latin typeface="MV Boli" panose="02000500030200090000" pitchFamily="2" charset="0"/>
-                <a:cs typeface="MV Boli" panose="02000500030200090000" pitchFamily="2" charset="0"/>
-              </a:rPr>
-              <a:t>ITEM </a:t>
-            </a:r>
-          </a:p>
-        </p:txBody>
-      </p:sp>
-      <p:sp>
-        <p:nvSpPr>
-          <p:cNvPr id="26" name="Retângulo 25">
-            <a:extLst>
-              <a:ext uri="{FF2B5EF4-FFF2-40B4-BE49-F238E27FC236}">
-                <a16:creationId xmlns:a16="http://schemas.microsoft.com/office/drawing/2014/main" id="{4997F601-006F-4BC7-9604-88E30DA500D9}"/>
-              </a:ext>
-            </a:extLst>
-          </p:cNvPr>
-          <p:cNvSpPr/>
-          <p:nvPr/>
-        </p:nvSpPr>
-        <p:spPr>
-          <a:xfrm>
-            <a:off x="8938071" y="2079122"/>
-            <a:ext cx="1766136" cy="791959"/>
-          </a:xfrm>
-          <a:prstGeom prst="rect">
-            <a:avLst/>
-          </a:prstGeom>
-          <a:solidFill>
-            <a:srgbClr val="FFFF99"/>
-          </a:solidFill>
-          <a:ln>
-            <a:noFill/>
-          </a:ln>
-          <a:effectLst>
-            <a:outerShdw blurRad="25400" dist="38100" dir="5400000" algn="t" rotWithShape="0">
-              <a:schemeClr val="bg1">
-                <a:lumMod val="85000"/>
-                <a:alpha val="40000"/>
-              </a:schemeClr>
-            </a:outerShdw>
-          </a:effectLst>
-        </p:spPr>
-        <p:style>
-          <a:lnRef idx="2">
-            <a:schemeClr val="accent1">
-              <a:shade val="50000"/>
-            </a:schemeClr>
-          </a:lnRef>
-          <a:fillRef idx="1">
-            <a:schemeClr val="accent1"/>
-          </a:fillRef>
-          <a:effectRef idx="0">
-            <a:schemeClr val="accent1"/>
-          </a:effectRef>
-          <a:fontRef idx="minor">
-            <a:schemeClr val="lt1"/>
-          </a:fontRef>
-        </p:style>
-        <p:txBody>
-          <a:bodyPr rtlCol="0" anchor="ctr"/>
-          <a:lstStyle/>
-          <a:p>
-            <a:pPr algn="ctr"/>
-            <a:r>
-              <a:rPr lang="pt-BR" sz="1400">
-                <a:solidFill>
-                  <a:schemeClr val="tx1"/>
-                </a:solidFill>
-                <a:latin typeface="MV Boli" panose="02000500030200090000" pitchFamily="2" charset="0"/>
-                <a:cs typeface="MV Boli" panose="02000500030200090000" pitchFamily="2" charset="0"/>
-              </a:rPr>
-              <a:t>Entrega</a:t>
-            </a:r>
-          </a:p>
-        </p:txBody>
-      </p:sp>
-      <p:sp>
-        <p:nvSpPr>
-          <p:cNvPr id="27" name="Retângulo 26">
-            <a:extLst>
-              <a:ext uri="{FF2B5EF4-FFF2-40B4-BE49-F238E27FC236}">
-                <a16:creationId xmlns:a16="http://schemas.microsoft.com/office/drawing/2014/main" id="{4997F601-006F-4BC7-9604-88E30DA500D9}"/>
-              </a:ext>
-            </a:extLst>
-          </p:cNvPr>
-          <p:cNvSpPr/>
-          <p:nvPr/>
-        </p:nvSpPr>
-        <p:spPr>
-          <a:xfrm>
-            <a:off x="8970760" y="3145485"/>
-            <a:ext cx="1758880" cy="791959"/>
-          </a:xfrm>
-          <a:prstGeom prst="rect">
-            <a:avLst/>
-          </a:prstGeom>
-          <a:solidFill>
-            <a:srgbClr val="FFFF99"/>
-          </a:solidFill>
-          <a:ln>
-            <a:noFill/>
-          </a:ln>
-          <a:effectLst>
-            <a:outerShdw blurRad="25400" dist="38100" dir="5400000" algn="t" rotWithShape="0">
-              <a:schemeClr val="bg1">
-                <a:lumMod val="85000"/>
-                <a:alpha val="40000"/>
-              </a:schemeClr>
-            </a:outerShdw>
-          </a:effectLst>
-        </p:spPr>
-        <p:style>
-          <a:lnRef idx="2">
-            <a:schemeClr val="accent1">
-              <a:shade val="50000"/>
-            </a:schemeClr>
-          </a:lnRef>
-          <a:fillRef idx="1">
-            <a:schemeClr val="accent1"/>
-          </a:fillRef>
-          <a:effectRef idx="0">
-            <a:schemeClr val="accent1"/>
-          </a:effectRef>
-          <a:fontRef idx="minor">
-            <a:schemeClr val="lt1"/>
-          </a:fontRef>
-        </p:style>
-        <p:txBody>
-          <a:bodyPr rtlCol="0" anchor="ctr"/>
-          <a:lstStyle/>
-          <a:p>
-            <a:pPr algn="ctr"/>
-            <a:r>
-              <a:rPr lang="pt-BR" sz="1400">
-                <a:solidFill>
-                  <a:schemeClr val="tx1"/>
-                </a:solidFill>
-                <a:latin typeface="MV Boli" panose="02000500030200090000" pitchFamily="2" charset="0"/>
-                <a:cs typeface="MV Boli" panose="02000500030200090000" pitchFamily="2" charset="0"/>
-              </a:rPr>
-              <a:t>Fazer a API Funcionar</a:t>
-            </a:r>
-          </a:p>
-        </p:txBody>
-      </p:sp>
-      <p:sp>
-        <p:nvSpPr>
-          <p:cNvPr id="35" name="Retângulo 34">
-            <a:extLst>
-              <a:ext uri="{FF2B5EF4-FFF2-40B4-BE49-F238E27FC236}">
-                <a16:creationId xmlns:a16="http://schemas.microsoft.com/office/drawing/2014/main" id="{4997F601-006F-4BC7-9604-88E30DA500D9}"/>
-              </a:ext>
-            </a:extLst>
-          </p:cNvPr>
-          <p:cNvSpPr/>
-          <p:nvPr/>
-        </p:nvSpPr>
-        <p:spPr>
-          <a:xfrm>
-            <a:off x="4267398" y="3159499"/>
-            <a:ext cx="1622606" cy="791959"/>
-          </a:xfrm>
-          <a:prstGeom prst="rect">
-            <a:avLst/>
-          </a:prstGeom>
-          <a:solidFill>
-            <a:srgbClr val="00D22E"/>
-          </a:solidFill>
-          <a:ln w="3175">
-            <a:solidFill>
-              <a:schemeClr val="bg1">
-                <a:lumMod val="85000"/>
-              </a:schemeClr>
-            </a:solidFill>
-          </a:ln>
-          <a:effectLst>
-            <a:outerShdw blurRad="25400" dist="38100" dir="5400000" algn="t" rotWithShape="0">
-              <a:schemeClr val="bg1">
-                <a:lumMod val="85000"/>
-                <a:alpha val="40000"/>
-              </a:schemeClr>
-            </a:outerShdw>
-          </a:effectLst>
-        </p:spPr>
-        <p:style>
-          <a:lnRef idx="2">
-            <a:schemeClr val="accent1">
-              <a:shade val="50000"/>
-            </a:schemeClr>
-          </a:lnRef>
-          <a:fillRef idx="1">
-            <a:schemeClr val="accent1"/>
-          </a:fillRef>
-          <a:effectRef idx="0">
-            <a:schemeClr val="accent1"/>
-          </a:effectRef>
-          <a:fontRef idx="minor">
-            <a:schemeClr val="lt1"/>
-          </a:fontRef>
-        </p:style>
-        <p:txBody>
-          <a:bodyPr rtlCol="0" anchor="ctr"/>
-          <a:lstStyle/>
-          <a:p>
-            <a:pPr algn="ctr"/>
-            <a:r>
-              <a:rPr lang="pt-BR" sz="1400">
-                <a:solidFill>
-                  <a:schemeClr val="tx1"/>
-                </a:solidFill>
-                <a:latin typeface="MV Boli" panose="02000500030200090000" pitchFamily="2" charset="0"/>
-                <a:cs typeface="MV Boli" panose="02000500030200090000" pitchFamily="2" charset="0"/>
-              </a:rPr>
-              <a:t>Falta de proatividade</a:t>
-            </a:r>
-          </a:p>
-        </p:txBody>
-      </p:sp>
-      <p:pic>
-        <p:nvPicPr>
-          <p:cNvPr id="65" name="Picture 4" descr="Resultado de imagem para icone voltar">
-            <a:hlinkClick r:id="" action="ppaction://noaction"/>
-          </p:cNvPr>
-          <p:cNvPicPr>
-            <a:picLocks noChangeAspect="1" noChangeArrowheads="1"/>
-          </p:cNvPicPr>
-          <p:nvPr/>
-        </p:nvPicPr>
-        <p:blipFill>
-          <a:blip r:embed="rId3" cstate="print">
-            <a:duotone>
-              <a:schemeClr val="accent4">
-                <a:shade val="45000"/>
-                <a:satMod val="135000"/>
-              </a:schemeClr>
-              <a:prstClr val="white"/>
-            </a:duotone>
-            <a:extLst>
-              <a:ext uri="{28A0092B-C50C-407E-A947-70E740481C1C}">
-                <a14:useLocalDpi xmlns:a14="http://schemas.microsoft.com/office/drawing/2010/main" val="0"/>
-              </a:ext>
-            </a:extLst>
-          </a:blip>
-          <a:srcRect/>
-          <a:stretch>
-            <a:fillRect/>
-          </a:stretch>
-        </p:blipFill>
-        <p:spPr bwMode="auto">
-          <a:xfrm>
-            <a:off x="11402104" y="6483988"/>
-            <a:ext cx="320990" cy="320990"/>
-          </a:xfrm>
-          <a:prstGeom prst="rect">
-            <a:avLst/>
-          </a:prstGeom>
-          <a:noFill/>
-          <a:extLst>
-            <a:ext uri="{909E8E84-426E-40DD-AFC4-6F175D3DCCD1}">
-              <a14:hiddenFill xmlns:a14="http://schemas.microsoft.com/office/drawing/2010/main">
-                <a:solidFill>
-                  <a:srgbClr val="FFFFFF"/>
-                </a:solidFill>
-              </a14:hiddenFill>
-            </a:ext>
-          </a:extLst>
-        </p:spPr>
-      </p:pic>
-      <p:sp>
-        <p:nvSpPr>
-          <p:cNvPr id="19" name="Retângulo 18">
-            <a:extLst>
-              <a:ext uri="{FF2B5EF4-FFF2-40B4-BE49-F238E27FC236}">
-                <a16:creationId xmlns:a16="http://schemas.microsoft.com/office/drawing/2014/main" id="{4997F601-006F-4BC7-9604-88E30DA500D9}"/>
-              </a:ext>
-            </a:extLst>
-          </p:cNvPr>
-          <p:cNvSpPr/>
-          <p:nvPr/>
-        </p:nvSpPr>
-        <p:spPr>
-          <a:xfrm>
-            <a:off x="1936529" y="2364900"/>
-            <a:ext cx="1115512" cy="580779"/>
-          </a:xfrm>
-          <a:prstGeom prst="rect">
-            <a:avLst/>
-          </a:prstGeom>
-          <a:solidFill>
-            <a:srgbClr val="FF99CC"/>
-          </a:solidFill>
-          <a:ln>
-            <a:noFill/>
-          </a:ln>
-          <a:effectLst>
-            <a:outerShdw blurRad="25400" dist="38100" dir="5400000" algn="t" rotWithShape="0">
-              <a:schemeClr val="bg1">
-                <a:lumMod val="85000"/>
-                <a:alpha val="40000"/>
-              </a:schemeClr>
-            </a:outerShdw>
-          </a:effectLst>
-        </p:spPr>
-        <p:style>
-          <a:lnRef idx="2">
-            <a:schemeClr val="accent1">
-              <a:shade val="50000"/>
-            </a:schemeClr>
-          </a:lnRef>
-          <a:fillRef idx="1">
-            <a:schemeClr val="accent1"/>
-          </a:fillRef>
-          <a:effectRef idx="0">
-            <a:schemeClr val="accent1"/>
-          </a:effectRef>
-          <a:fontRef idx="minor">
-            <a:schemeClr val="lt1"/>
-          </a:fontRef>
-        </p:style>
-        <p:txBody>
-          <a:bodyPr rtlCol="0" anchor="ctr"/>
-          <a:lstStyle/>
-          <a:p>
-            <a:pPr algn="ctr" defTabSz="945947"/>
-            <a:r>
-              <a:rPr lang="pt-BR" sz="1270" dirty="0">
-                <a:solidFill>
-                  <a:schemeClr val="tx1"/>
-                </a:solidFill>
-                <a:latin typeface="MV Boli" panose="02000500030200090000" pitchFamily="2" charset="0"/>
-                <a:cs typeface="MV Boli" panose="02000500030200090000" pitchFamily="2" charset="0"/>
-              </a:rPr>
-              <a:t>Ajuda</a:t>
-            </a:r>
-          </a:p>
-        </p:txBody>
-      </p:sp>
-      <p:sp>
-        <p:nvSpPr>
-          <p:cNvPr id="20" name="Retângulo 19">
-            <a:extLst>
-              <a:ext uri="{FF2B5EF4-FFF2-40B4-BE49-F238E27FC236}">
-                <a16:creationId xmlns:a16="http://schemas.microsoft.com/office/drawing/2014/main" id="{4997F601-006F-4BC7-9604-88E30DA500D9}"/>
-              </a:ext>
-            </a:extLst>
-          </p:cNvPr>
-          <p:cNvSpPr/>
-          <p:nvPr/>
-        </p:nvSpPr>
-        <p:spPr>
-          <a:xfrm>
-            <a:off x="1958364" y="3037591"/>
-            <a:ext cx="1115512" cy="580779"/>
-          </a:xfrm>
-          <a:prstGeom prst="rect">
-            <a:avLst/>
-          </a:prstGeom>
-          <a:solidFill>
-            <a:srgbClr val="FF99CC"/>
-          </a:solidFill>
-          <a:ln>
-            <a:noFill/>
-          </a:ln>
-          <a:effectLst>
-            <a:outerShdw blurRad="25400" dist="38100" dir="5400000" algn="t" rotWithShape="0">
-              <a:schemeClr val="bg1">
-                <a:lumMod val="85000"/>
-                <a:alpha val="40000"/>
-              </a:schemeClr>
-            </a:outerShdw>
-          </a:effectLst>
-        </p:spPr>
-        <p:style>
-          <a:lnRef idx="2">
-            <a:schemeClr val="accent1">
-              <a:shade val="50000"/>
-            </a:schemeClr>
-          </a:lnRef>
-          <a:fillRef idx="1">
-            <a:schemeClr val="accent1"/>
-          </a:fillRef>
-          <a:effectRef idx="0">
-            <a:schemeClr val="accent1"/>
-          </a:effectRef>
-          <a:fontRef idx="minor">
-            <a:schemeClr val="lt1"/>
-          </a:fontRef>
-        </p:style>
-        <p:txBody>
-          <a:bodyPr rtlCol="0" anchor="ctr"/>
-          <a:lstStyle/>
-          <a:p>
-            <a:pPr algn="ctr" defTabSz="945947"/>
-            <a:r>
-              <a:rPr lang="pt-BR" sz="1270" dirty="0">
-                <a:solidFill>
-                  <a:schemeClr val="tx1"/>
-                </a:solidFill>
-                <a:latin typeface="MV Boli" panose="02000500030200090000" pitchFamily="2" charset="0"/>
-                <a:cs typeface="MV Boli" panose="02000500030200090000" pitchFamily="2" charset="0"/>
-              </a:rPr>
-              <a:t>Estudar</a:t>
-            </a:r>
-          </a:p>
-        </p:txBody>
-      </p:sp>
-      <p:sp>
-        <p:nvSpPr>
-          <p:cNvPr id="23" name="Retângulo 22">
-            <a:extLst>
-              <a:ext uri="{FF2B5EF4-FFF2-40B4-BE49-F238E27FC236}">
-                <a16:creationId xmlns:a16="http://schemas.microsoft.com/office/drawing/2014/main" id="{4997F601-006F-4BC7-9604-88E30DA500D9}"/>
-              </a:ext>
-            </a:extLst>
-          </p:cNvPr>
-          <p:cNvSpPr/>
-          <p:nvPr/>
-        </p:nvSpPr>
-        <p:spPr>
-          <a:xfrm>
-            <a:off x="6487843" y="3370679"/>
-            <a:ext cx="1115512" cy="580779"/>
-          </a:xfrm>
-          <a:prstGeom prst="rect">
-            <a:avLst/>
-          </a:prstGeom>
-          <a:solidFill>
-            <a:srgbClr val="FF99CC"/>
-          </a:solidFill>
-          <a:ln>
-            <a:noFill/>
-          </a:ln>
-          <a:effectLst>
-            <a:outerShdw blurRad="25400" dist="38100" dir="5400000" algn="t" rotWithShape="0">
-              <a:schemeClr val="bg1">
-                <a:lumMod val="85000"/>
-                <a:alpha val="40000"/>
-              </a:schemeClr>
-            </a:outerShdw>
-          </a:effectLst>
-        </p:spPr>
-        <p:style>
-          <a:lnRef idx="2">
-            <a:schemeClr val="accent1">
-              <a:shade val="50000"/>
-            </a:schemeClr>
-          </a:lnRef>
-          <a:fillRef idx="1">
-            <a:schemeClr val="accent1"/>
-          </a:fillRef>
-          <a:effectRef idx="0">
-            <a:schemeClr val="accent1"/>
-          </a:effectRef>
-          <a:fontRef idx="minor">
-            <a:schemeClr val="lt1"/>
-          </a:fontRef>
-        </p:style>
-        <p:txBody>
-          <a:bodyPr rtlCol="0" anchor="ctr"/>
-          <a:lstStyle/>
-          <a:p>
-            <a:pPr algn="ctr" defTabSz="945947"/>
-            <a:r>
-              <a:rPr lang="pt-BR" sz="1270">
-                <a:solidFill>
-                  <a:schemeClr val="tx1"/>
-                </a:solidFill>
-                <a:latin typeface="MV Boli" panose="02000500030200090000" pitchFamily="2" charset="0"/>
-                <a:cs typeface="MV Boli" panose="02000500030200090000" pitchFamily="2" charset="0"/>
-              </a:rPr>
-              <a:t>FAZER ISSO</a:t>
-            </a:r>
-          </a:p>
-        </p:txBody>
-      </p:sp>
-      <p:sp>
-        <p:nvSpPr>
-          <p:cNvPr id="24" name="Retângulo 23">
-            <a:extLst>
-              <a:ext uri="{FF2B5EF4-FFF2-40B4-BE49-F238E27FC236}">
-                <a16:creationId xmlns:a16="http://schemas.microsoft.com/office/drawing/2014/main" id="{4997F601-006F-4BC7-9604-88E30DA500D9}"/>
-              </a:ext>
-            </a:extLst>
-          </p:cNvPr>
-          <p:cNvSpPr/>
-          <p:nvPr/>
-        </p:nvSpPr>
-        <p:spPr>
-          <a:xfrm>
-            <a:off x="6487843" y="4147380"/>
-            <a:ext cx="1115512" cy="580779"/>
-          </a:xfrm>
-          <a:prstGeom prst="rect">
-            <a:avLst/>
-          </a:prstGeom>
-          <a:solidFill>
-            <a:srgbClr val="FF99CC"/>
-          </a:solidFill>
-          <a:ln>
-            <a:noFill/>
-          </a:ln>
-          <a:effectLst>
-            <a:outerShdw blurRad="25400" dist="38100" dir="5400000" algn="t" rotWithShape="0">
-              <a:schemeClr val="bg1">
-                <a:lumMod val="85000"/>
-                <a:alpha val="40000"/>
-              </a:schemeClr>
-            </a:outerShdw>
-          </a:effectLst>
-        </p:spPr>
-        <p:style>
-          <a:lnRef idx="2">
-            <a:schemeClr val="accent1">
-              <a:shade val="50000"/>
-            </a:schemeClr>
-          </a:lnRef>
-          <a:fillRef idx="1">
-            <a:schemeClr val="accent1"/>
-          </a:fillRef>
-          <a:effectRef idx="0">
-            <a:schemeClr val="accent1"/>
-          </a:effectRef>
-          <a:fontRef idx="minor">
-            <a:schemeClr val="lt1"/>
-          </a:fontRef>
-        </p:style>
-        <p:txBody>
-          <a:bodyPr rtlCol="0" anchor="ctr"/>
-          <a:lstStyle/>
-          <a:p>
-            <a:pPr algn="ctr" defTabSz="945947"/>
-            <a:r>
-              <a:rPr lang="pt-BR" sz="1270">
-                <a:solidFill>
-                  <a:schemeClr val="tx1"/>
-                </a:solidFill>
-                <a:latin typeface="MV Boli" panose="02000500030200090000" pitchFamily="2" charset="0"/>
-                <a:cs typeface="MV Boli" panose="02000500030200090000" pitchFamily="2" charset="0"/>
-              </a:rPr>
-              <a:t>FAZER AQUILO</a:t>
-            </a:r>
-          </a:p>
-        </p:txBody>
-      </p:sp>
-      <p:sp>
-        <p:nvSpPr>
-          <p:cNvPr id="21" name="Retângulo 20">
-            <a:extLst>
-              <a:ext uri="{FF2B5EF4-FFF2-40B4-BE49-F238E27FC236}">
-                <a16:creationId xmlns:a16="http://schemas.microsoft.com/office/drawing/2014/main" id="{E197219E-5B1B-4E37-AE29-C4A63966C51A}"/>
-              </a:ext>
-            </a:extLst>
-          </p:cNvPr>
-          <p:cNvSpPr/>
-          <p:nvPr/>
-        </p:nvSpPr>
-        <p:spPr>
-          <a:xfrm>
-            <a:off x="628409" y="3774487"/>
-            <a:ext cx="1512200" cy="791959"/>
-          </a:xfrm>
-          <a:prstGeom prst="rect">
-            <a:avLst/>
-          </a:prstGeom>
-          <a:solidFill>
-            <a:srgbClr val="FFC000"/>
-          </a:solidFill>
-          <a:ln>
-            <a:noFill/>
-          </a:ln>
-          <a:effectLst>
-            <a:outerShdw blurRad="25400" dist="38100" dir="5400000" algn="t" rotWithShape="0">
-              <a:schemeClr val="bg1">
-                <a:lumMod val="85000"/>
-                <a:alpha val="40000"/>
-              </a:schemeClr>
-            </a:outerShdw>
-          </a:effectLst>
-        </p:spPr>
-        <p:style>
-          <a:lnRef idx="2">
-            <a:schemeClr val="accent1">
-              <a:shade val="50000"/>
-            </a:schemeClr>
-          </a:lnRef>
-          <a:fillRef idx="1">
-            <a:schemeClr val="accent1"/>
-          </a:fillRef>
-          <a:effectRef idx="0">
-            <a:schemeClr val="accent1"/>
-          </a:effectRef>
-          <a:fontRef idx="minor">
-            <a:schemeClr val="lt1"/>
-          </a:fontRef>
-        </p:style>
-        <p:txBody>
-          <a:bodyPr rtlCol="0" anchor="ctr"/>
-          <a:lstStyle/>
-          <a:p>
-            <a:pPr algn="ctr" defTabSz="1042907"/>
-            <a:r>
-              <a:rPr lang="pt-BR" sz="1400">
-                <a:solidFill>
-                  <a:schemeClr val="tx1"/>
-                </a:solidFill>
-                <a:latin typeface="MV Boli" panose="02000500030200090000" pitchFamily="2" charset="0"/>
-                <a:cs typeface="MV Boli" panose="02000500030200090000" pitchFamily="2" charset="0"/>
-              </a:rPr>
-              <a:t>Procrastinação</a:t>
-            </a:r>
-          </a:p>
-        </p:txBody>
-      </p:sp>
-      <p:sp>
-        <p:nvSpPr>
-          <p:cNvPr id="22" name="Retângulo 21">
-            <a:extLst>
-              <a:ext uri="{FF2B5EF4-FFF2-40B4-BE49-F238E27FC236}">
-                <a16:creationId xmlns:a16="http://schemas.microsoft.com/office/drawing/2014/main" id="{5CE4889F-0E92-43E0-8D1A-7C43B3A5858C}"/>
-              </a:ext>
-            </a:extLst>
-          </p:cNvPr>
-          <p:cNvSpPr/>
-          <p:nvPr/>
-        </p:nvSpPr>
-        <p:spPr>
-          <a:xfrm>
-            <a:off x="9068304" y="4332178"/>
-            <a:ext cx="1758880" cy="791959"/>
-          </a:xfrm>
-          <a:prstGeom prst="rect">
-            <a:avLst/>
-          </a:prstGeom>
-          <a:solidFill>
-            <a:srgbClr val="FFFF99"/>
-          </a:solidFill>
-          <a:ln>
-            <a:noFill/>
-          </a:ln>
-          <a:effectLst>
-            <a:outerShdw blurRad="25400" dist="38100" dir="5400000" algn="t" rotWithShape="0">
-              <a:schemeClr val="bg1">
-                <a:lumMod val="85000"/>
-                <a:alpha val="40000"/>
-              </a:schemeClr>
-            </a:outerShdw>
-          </a:effectLst>
-        </p:spPr>
-        <p:style>
-          <a:lnRef idx="2">
-            <a:schemeClr val="accent1">
-              <a:shade val="50000"/>
-            </a:schemeClr>
-          </a:lnRef>
-          <a:fillRef idx="1">
-            <a:schemeClr val="accent1"/>
-          </a:fillRef>
-          <a:effectRef idx="0">
-            <a:schemeClr val="accent1"/>
-          </a:effectRef>
-          <a:fontRef idx="minor">
-            <a:schemeClr val="lt1"/>
-          </a:fontRef>
-        </p:style>
-        <p:txBody>
-          <a:bodyPr rtlCol="0" anchor="ctr"/>
-          <a:lstStyle/>
-          <a:p>
-            <a:pPr algn="ctr"/>
-            <a:r>
-              <a:rPr lang="pt-BR" sz="1400">
-                <a:solidFill>
-                  <a:schemeClr val="tx1"/>
-                </a:solidFill>
-                <a:latin typeface="MV Boli" panose="02000500030200090000" pitchFamily="2" charset="0"/>
-                <a:cs typeface="MV Boli" panose="02000500030200090000" pitchFamily="2" charset="0"/>
-              </a:rPr>
-              <a:t>feliz</a:t>
+              <a:t>Magna – Grupo 6</a:t>
             </a:r>
           </a:p>
         </p:txBody>
@@ -12082,1548 +16526,7 @@
     </p:spTree>
     <p:extLst>
       <p:ext uri="{BB962C8B-B14F-4D97-AF65-F5344CB8AC3E}">
-        <p14:creationId xmlns:p14="http://schemas.microsoft.com/office/powerpoint/2010/main" val="2106379755"/>
-      </p:ext>
-    </p:extLst>
-  </p:cSld>
-  <p:clrMapOvr>
-    <a:masterClrMapping/>
-  </p:clrMapOvr>
-</p:sld>
-</file>
-
-<file path=ppt/slides/slide5.xml><?xml version="1.0" encoding="utf-8"?>
-<p:sld xmlns:a="http://schemas.openxmlformats.org/drawingml/2006/main" xmlns:r="http://schemas.openxmlformats.org/officeDocument/2006/relationships" xmlns:p="http://schemas.openxmlformats.org/presentationml/2006/main">
-  <p:cSld>
-    <p:spTree>
-      <p:nvGrpSpPr>
-        <p:cNvPr id="1" name=""/>
-        <p:cNvGrpSpPr/>
-        <p:nvPr/>
-      </p:nvGrpSpPr>
-      <p:grpSpPr>
-        <a:xfrm>
-          <a:off x="0" y="0"/>
-          <a:ext cx="0" cy="0"/>
-          <a:chOff x="0" y="0"/>
-          <a:chExt cx="0" cy="0"/>
-        </a:xfrm>
-      </p:grpSpPr>
-      <p:sp>
-        <p:nvSpPr>
-          <p:cNvPr id="12" name="Título 5"/>
-          <p:cNvSpPr txBox="1">
-            <a:spLocks/>
-          </p:cNvSpPr>
-          <p:nvPr/>
-        </p:nvSpPr>
-        <p:spPr>
-          <a:xfrm>
-            <a:off x="256614" y="169187"/>
-            <a:ext cx="9828080" cy="1135619"/>
-          </a:xfrm>
-          <a:prstGeom prst="rect">
-            <a:avLst/>
-          </a:prstGeom>
-        </p:spPr>
-        <p:txBody>
-          <a:bodyPr/>
-          <a:lstStyle>
-            <a:lvl1pPr algn="l" defTabSz="914400" rtl="0" eaLnBrk="1" latinLnBrk="0" hangingPunct="1">
-              <a:lnSpc>
-                <a:spcPct val="90000"/>
-              </a:lnSpc>
-              <a:spcBef>
-                <a:spcPct val="0"/>
-              </a:spcBef>
-              <a:buNone/>
-              <a:defRPr sz="4400" kern="1200">
-                <a:solidFill>
-                  <a:schemeClr val="tx1"/>
-                </a:solidFill>
-                <a:latin typeface="+mj-lt"/>
-                <a:ea typeface="+mj-ea"/>
-                <a:cs typeface="+mj-cs"/>
-              </a:defRPr>
-            </a:lvl1pPr>
-          </a:lstStyle>
-          <a:p>
-            <a:pPr>
-              <a:lnSpc>
-                <a:spcPct val="100000"/>
-              </a:lnSpc>
-              <a:spcAft>
-                <a:spcPts val="600"/>
-              </a:spcAft>
-            </a:pPr>
-            <a:r>
-              <a:rPr lang="pt-BR" sz="2800" dirty="0">
-                <a:solidFill>
-                  <a:schemeClr val="tx1">
-                    <a:lumMod val="75000"/>
-                    <a:lumOff val="25000"/>
-                  </a:schemeClr>
-                </a:solidFill>
-                <a:latin typeface="Verdana" panose="020B0604030504040204" pitchFamily="34" charset="0"/>
-                <a:ea typeface="Verdana" panose="020B0604030504040204" pitchFamily="34" charset="0"/>
-              </a:rPr>
-              <a:t>PROJETO &lt;NOME DO PROJETO&gt; – PLANO DE AÇÃO</a:t>
-            </a:r>
-          </a:p>
-        </p:txBody>
-      </p:sp>
-      <p:sp>
-        <p:nvSpPr>
-          <p:cNvPr id="13" name="Espaço Reservado para Texto 12">
-            <a:extLst>
-              <a:ext uri="{FF2B5EF4-FFF2-40B4-BE49-F238E27FC236}">
-                <a16:creationId xmlns:a16="http://schemas.microsoft.com/office/drawing/2014/main" id="{563160AF-B8A6-4536-81D4-876E51AF2F93}"/>
-              </a:ext>
-            </a:extLst>
-          </p:cNvPr>
-          <p:cNvSpPr>
-            <a:spLocks noGrp="1"/>
-          </p:cNvSpPr>
-          <p:nvPr>
-            <p:ph type="body" sz="quarter" idx="13"/>
-          </p:nvPr>
-        </p:nvSpPr>
-        <p:spPr/>
-        <p:txBody>
-          <a:bodyPr/>
-          <a:lstStyle/>
-          <a:p>
-            <a:r>
-              <a:rPr lang="pt-BR" dirty="0">
-                <a:latin typeface="Verdana" panose="020B0604030504040204" pitchFamily="34" charset="0"/>
-                <a:ea typeface="Verdana" panose="020B0604030504040204" pitchFamily="34" charset="0"/>
-              </a:rPr>
-              <a:t>LOUCO</a:t>
-            </a:r>
-            <a:endParaRPr lang="en-US" dirty="0">
-              <a:latin typeface="Verdana" panose="020B0604030504040204" pitchFamily="34" charset="0"/>
-              <a:ea typeface="Verdana" panose="020B0604030504040204" pitchFamily="34" charset="0"/>
-            </a:endParaRPr>
-          </a:p>
-        </p:txBody>
-      </p:sp>
-      <p:sp>
-        <p:nvSpPr>
-          <p:cNvPr id="14" name="Espaço Reservado para Texto 13">
-            <a:extLst>
-              <a:ext uri="{FF2B5EF4-FFF2-40B4-BE49-F238E27FC236}">
-                <a16:creationId xmlns:a16="http://schemas.microsoft.com/office/drawing/2014/main" id="{5DF917B8-55DB-4568-ACE9-8AA30555F533}"/>
-              </a:ext>
-            </a:extLst>
-          </p:cNvPr>
-          <p:cNvSpPr>
-            <a:spLocks noGrp="1"/>
-          </p:cNvSpPr>
-          <p:nvPr>
-            <p:ph type="body" sz="quarter" idx="14"/>
-          </p:nvPr>
-        </p:nvSpPr>
-        <p:spPr/>
-        <p:txBody>
-          <a:bodyPr/>
-          <a:lstStyle/>
-          <a:p>
-            <a:r>
-              <a:rPr lang="pt-BR" dirty="0">
-                <a:latin typeface="Verdana" panose="020B0604030504040204" pitchFamily="34" charset="0"/>
-                <a:ea typeface="Verdana" panose="020B0604030504040204" pitchFamily="34" charset="0"/>
-              </a:rPr>
-              <a:t>TRISTE</a:t>
-            </a:r>
-            <a:endParaRPr lang="en-US" dirty="0">
-              <a:latin typeface="Verdana" panose="020B0604030504040204" pitchFamily="34" charset="0"/>
-              <a:ea typeface="Verdana" panose="020B0604030504040204" pitchFamily="34" charset="0"/>
-            </a:endParaRPr>
-          </a:p>
-        </p:txBody>
-      </p:sp>
-      <p:sp>
-        <p:nvSpPr>
-          <p:cNvPr id="15" name="Espaço Reservado para Texto 14">
-            <a:extLst>
-              <a:ext uri="{FF2B5EF4-FFF2-40B4-BE49-F238E27FC236}">
-                <a16:creationId xmlns:a16="http://schemas.microsoft.com/office/drawing/2014/main" id="{742120BA-0098-49AD-AB34-055857AC37B6}"/>
-              </a:ext>
-            </a:extLst>
-          </p:cNvPr>
-          <p:cNvSpPr>
-            <a:spLocks noGrp="1"/>
-          </p:cNvSpPr>
-          <p:nvPr>
-            <p:ph type="body" sz="quarter" idx="15"/>
-          </p:nvPr>
-        </p:nvSpPr>
-        <p:spPr/>
-        <p:txBody>
-          <a:bodyPr/>
-          <a:lstStyle/>
-          <a:p>
-            <a:r>
-              <a:rPr lang="pt-BR" dirty="0">
-                <a:latin typeface="Verdana" panose="020B0604030504040204" pitchFamily="34" charset="0"/>
-                <a:ea typeface="Verdana" panose="020B0604030504040204" pitchFamily="34" charset="0"/>
-              </a:rPr>
-              <a:t>CONTENTE</a:t>
-            </a:r>
-            <a:endParaRPr lang="en-US" dirty="0">
-              <a:latin typeface="Verdana" panose="020B0604030504040204" pitchFamily="34" charset="0"/>
-              <a:ea typeface="Verdana" panose="020B0604030504040204" pitchFamily="34" charset="0"/>
-            </a:endParaRPr>
-          </a:p>
-        </p:txBody>
-      </p:sp>
-      <p:sp>
-        <p:nvSpPr>
-          <p:cNvPr id="7" name="Espaço Reservado para Número de Slide 6"/>
-          <p:cNvSpPr>
-            <a:spLocks noGrp="1"/>
-          </p:cNvSpPr>
-          <p:nvPr>
-            <p:ph type="sldNum" sz="quarter" idx="4294967295"/>
-          </p:nvPr>
-        </p:nvSpPr>
-        <p:spPr>
-          <a:xfrm>
-            <a:off x="9448800" y="6451600"/>
-            <a:ext cx="2743200" cy="365125"/>
-          </a:xfrm>
-          <a:prstGeom prst="rect">
-            <a:avLst/>
-          </a:prstGeom>
-        </p:spPr>
-        <p:txBody>
-          <a:bodyPr/>
-          <a:lstStyle/>
-          <a:p>
-            <a:fld id="{BC7BA7F7-9ECA-4650-BA2A-F44574574266}" type="slidenum">
-              <a:rPr lang="pt-BR" smtClean="0"/>
-              <a:pPr/>
-              <a:t>5</a:t>
-            </a:fld>
-            <a:endParaRPr lang="pt-BR"/>
-          </a:p>
-        </p:txBody>
-      </p:sp>
-      <p:cxnSp>
-        <p:nvCxnSpPr>
-          <p:cNvPr id="5" name="Conector reto 4"/>
-          <p:cNvCxnSpPr/>
-          <p:nvPr/>
-        </p:nvCxnSpPr>
-        <p:spPr>
-          <a:xfrm flipH="1">
-            <a:off x="7924584" y="1507104"/>
-            <a:ext cx="7256" cy="4338263"/>
-          </a:xfrm>
-          <a:prstGeom prst="line">
-            <a:avLst/>
-          </a:prstGeom>
-          <a:ln w="38100">
-            <a:solidFill>
-              <a:schemeClr val="tx1"/>
-            </a:solidFill>
-          </a:ln>
-        </p:spPr>
-        <p:style>
-          <a:lnRef idx="1">
-            <a:schemeClr val="accent1"/>
-          </a:lnRef>
-          <a:fillRef idx="0">
-            <a:schemeClr val="accent1"/>
-          </a:fillRef>
-          <a:effectRef idx="0">
-            <a:schemeClr val="accent1"/>
-          </a:effectRef>
-          <a:fontRef idx="minor">
-            <a:schemeClr val="tx1"/>
-          </a:fontRef>
-        </p:style>
-      </p:cxnSp>
-      <p:pic>
-        <p:nvPicPr>
-          <p:cNvPr id="65" name="Picture 4" descr="Resultado de imagem para icone voltar">
-            <a:hlinkClick r:id="" action="ppaction://noaction"/>
-          </p:cNvPr>
-          <p:cNvPicPr>
-            <a:picLocks noChangeAspect="1" noChangeArrowheads="1"/>
-          </p:cNvPicPr>
-          <p:nvPr/>
-        </p:nvPicPr>
-        <p:blipFill>
-          <a:blip r:embed="rId3" cstate="print">
-            <a:duotone>
-              <a:schemeClr val="accent4">
-                <a:shade val="45000"/>
-                <a:satMod val="135000"/>
-              </a:schemeClr>
-              <a:prstClr val="white"/>
-            </a:duotone>
-            <a:extLst>
-              <a:ext uri="{28A0092B-C50C-407E-A947-70E740481C1C}">
-                <a14:useLocalDpi xmlns:a14="http://schemas.microsoft.com/office/drawing/2010/main" val="0"/>
-              </a:ext>
-            </a:extLst>
-          </a:blip>
-          <a:srcRect/>
-          <a:stretch>
-            <a:fillRect/>
-          </a:stretch>
-        </p:blipFill>
-        <p:spPr bwMode="auto">
-          <a:xfrm>
-            <a:off x="11402104" y="6483988"/>
-            <a:ext cx="320990" cy="320990"/>
-          </a:xfrm>
-          <a:prstGeom prst="rect">
-            <a:avLst/>
-          </a:prstGeom>
-          <a:noFill/>
-          <a:extLst>
-            <a:ext uri="{909E8E84-426E-40DD-AFC4-6F175D3DCCD1}">
-              <a14:hiddenFill xmlns:a14="http://schemas.microsoft.com/office/drawing/2010/main">
-                <a:solidFill>
-                  <a:srgbClr val="FFFFFF"/>
-                </a:solidFill>
-              </a14:hiddenFill>
-            </a:ext>
-          </a:extLst>
-        </p:spPr>
-      </p:pic>
-      <p:cxnSp>
-        <p:nvCxnSpPr>
-          <p:cNvPr id="25" name="Conector reto 24">
-            <a:extLst>
-              <a:ext uri="{FF2B5EF4-FFF2-40B4-BE49-F238E27FC236}">
-                <a16:creationId xmlns:a16="http://schemas.microsoft.com/office/drawing/2014/main" id="{338BBDB9-978C-49D1-9F17-6A02115BFBE1}"/>
-              </a:ext>
-            </a:extLst>
-          </p:cNvPr>
-          <p:cNvCxnSpPr/>
-          <p:nvPr/>
-        </p:nvCxnSpPr>
-        <p:spPr>
-          <a:xfrm flipH="1">
-            <a:off x="4006169" y="1535091"/>
-            <a:ext cx="0" cy="4211779"/>
-          </a:xfrm>
-          <a:prstGeom prst="line">
-            <a:avLst/>
-          </a:prstGeom>
-          <a:ln w="38100">
-            <a:solidFill>
-              <a:schemeClr val="tx1"/>
-            </a:solidFill>
-          </a:ln>
-        </p:spPr>
-        <p:style>
-          <a:lnRef idx="1">
-            <a:schemeClr val="accent1"/>
-          </a:lnRef>
-          <a:fillRef idx="0">
-            <a:schemeClr val="accent1"/>
-          </a:fillRef>
-          <a:effectRef idx="0">
-            <a:schemeClr val="accent1"/>
-          </a:effectRef>
-          <a:fontRef idx="minor">
-            <a:schemeClr val="tx1"/>
-          </a:fontRef>
-        </p:style>
-      </p:cxnSp>
-      <p:sp>
-        <p:nvSpPr>
-          <p:cNvPr id="29" name="Retângulo 28">
-            <a:extLst>
-              <a:ext uri="{FF2B5EF4-FFF2-40B4-BE49-F238E27FC236}">
-                <a16:creationId xmlns:a16="http://schemas.microsoft.com/office/drawing/2014/main" id="{6AA68280-AA08-4769-A993-B91D21B957D0}"/>
-              </a:ext>
-            </a:extLst>
-          </p:cNvPr>
-          <p:cNvSpPr/>
-          <p:nvPr/>
-        </p:nvSpPr>
-        <p:spPr>
-          <a:xfrm>
-            <a:off x="507305" y="2188163"/>
-            <a:ext cx="2258024" cy="791959"/>
-          </a:xfrm>
-          <a:prstGeom prst="rect">
-            <a:avLst/>
-          </a:prstGeom>
-          <a:solidFill>
-            <a:srgbClr val="FFC000"/>
-          </a:solidFill>
-          <a:ln>
-            <a:noFill/>
-          </a:ln>
-          <a:effectLst>
-            <a:outerShdw blurRad="25400" dist="38100" dir="5400000" algn="t" rotWithShape="0">
-              <a:schemeClr val="bg1">
-                <a:lumMod val="85000"/>
-                <a:alpha val="40000"/>
-              </a:schemeClr>
-            </a:outerShdw>
-          </a:effectLst>
-        </p:spPr>
-        <p:style>
-          <a:lnRef idx="2">
-            <a:schemeClr val="accent1">
-              <a:shade val="50000"/>
-            </a:schemeClr>
-          </a:lnRef>
-          <a:fillRef idx="1">
-            <a:schemeClr val="accent1"/>
-          </a:fillRef>
-          <a:effectRef idx="0">
-            <a:schemeClr val="accent1"/>
-          </a:effectRef>
-          <a:fontRef idx="minor">
-            <a:schemeClr val="lt1"/>
-          </a:fontRef>
-        </p:style>
-        <p:txBody>
-          <a:bodyPr rtlCol="0" anchor="ctr"/>
-          <a:lstStyle/>
-          <a:p>
-            <a:pPr algn="ctr" defTabSz="1042907"/>
-            <a:r>
-              <a:rPr lang="pt-BR" sz="1400">
-                <a:solidFill>
-                  <a:schemeClr val="tx1"/>
-                </a:solidFill>
-                <a:latin typeface="MV Boli" panose="02000500030200090000" pitchFamily="2" charset="0"/>
-                <a:cs typeface="MV Boli" panose="02000500030200090000" pitchFamily="2" charset="0"/>
-              </a:rPr>
-              <a:t>API DA MARISE (DESCONHECER NODE)</a:t>
-            </a:r>
-          </a:p>
-        </p:txBody>
-      </p:sp>
-      <p:sp>
-        <p:nvSpPr>
-          <p:cNvPr id="30" name="Retângulo 29">
-            <a:extLst>
-              <a:ext uri="{FF2B5EF4-FFF2-40B4-BE49-F238E27FC236}">
-                <a16:creationId xmlns:a16="http://schemas.microsoft.com/office/drawing/2014/main" id="{A2A86190-9509-41CA-B6CA-28E5E79A7F2C}"/>
-              </a:ext>
-            </a:extLst>
-          </p:cNvPr>
-          <p:cNvSpPr/>
-          <p:nvPr/>
-        </p:nvSpPr>
-        <p:spPr>
-          <a:xfrm>
-            <a:off x="4223974" y="2188163"/>
-            <a:ext cx="1512200" cy="791959"/>
-          </a:xfrm>
-          <a:prstGeom prst="rect">
-            <a:avLst/>
-          </a:prstGeom>
-          <a:solidFill>
-            <a:srgbClr val="99FF99"/>
-          </a:solidFill>
-          <a:ln w="3175">
-            <a:solidFill>
-              <a:schemeClr val="bg1">
-                <a:lumMod val="85000"/>
-              </a:schemeClr>
-            </a:solidFill>
-          </a:ln>
-          <a:effectLst>
-            <a:outerShdw blurRad="25400" dist="38100" dir="5400000" algn="t" rotWithShape="0">
-              <a:schemeClr val="bg1">
-                <a:lumMod val="85000"/>
-                <a:alpha val="40000"/>
-              </a:schemeClr>
-            </a:outerShdw>
-          </a:effectLst>
-        </p:spPr>
-        <p:style>
-          <a:lnRef idx="2">
-            <a:schemeClr val="accent1">
-              <a:shade val="50000"/>
-            </a:schemeClr>
-          </a:lnRef>
-          <a:fillRef idx="1">
-            <a:schemeClr val="accent1"/>
-          </a:fillRef>
-          <a:effectRef idx="0">
-            <a:schemeClr val="accent1"/>
-          </a:effectRef>
-          <a:fontRef idx="minor">
-            <a:schemeClr val="lt1"/>
-          </a:fontRef>
-        </p:style>
-        <p:txBody>
-          <a:bodyPr rtlCol="0" anchor="ctr"/>
-          <a:lstStyle/>
-          <a:p>
-            <a:pPr algn="ctr"/>
-            <a:r>
-              <a:rPr lang="pt-BR" sz="1400">
-                <a:solidFill>
-                  <a:schemeClr val="tx1"/>
-                </a:solidFill>
-                <a:latin typeface="MV Boli" panose="02000500030200090000" pitchFamily="2" charset="0"/>
-                <a:cs typeface="MV Boli" panose="02000500030200090000" pitchFamily="2" charset="0"/>
-              </a:rPr>
-              <a:t>PERDA DE UM INTEGRANTE</a:t>
-            </a:r>
-          </a:p>
-        </p:txBody>
-      </p:sp>
-      <p:sp>
-        <p:nvSpPr>
-          <p:cNvPr id="31" name="Retângulo 30">
-            <a:extLst>
-              <a:ext uri="{FF2B5EF4-FFF2-40B4-BE49-F238E27FC236}">
-                <a16:creationId xmlns:a16="http://schemas.microsoft.com/office/drawing/2014/main" id="{F7ECC0B3-343A-4EEC-8496-8EEE21C0641F}"/>
-              </a:ext>
-            </a:extLst>
-          </p:cNvPr>
-          <p:cNvSpPr/>
-          <p:nvPr/>
-        </p:nvSpPr>
-        <p:spPr>
-          <a:xfrm>
-            <a:off x="4368280" y="4409841"/>
-            <a:ext cx="1512200" cy="791959"/>
-          </a:xfrm>
-          <a:prstGeom prst="rect">
-            <a:avLst/>
-          </a:prstGeom>
-          <a:solidFill>
-            <a:srgbClr val="99FF99"/>
-          </a:solidFill>
-          <a:ln w="3175">
-            <a:solidFill>
-              <a:schemeClr val="bg1">
-                <a:lumMod val="85000"/>
-              </a:schemeClr>
-            </a:solidFill>
-          </a:ln>
-          <a:effectLst>
-            <a:outerShdw blurRad="25400" dist="38100" dir="5400000" algn="t" rotWithShape="0">
-              <a:schemeClr val="bg1">
-                <a:lumMod val="85000"/>
-                <a:alpha val="40000"/>
-              </a:schemeClr>
-            </a:outerShdw>
-          </a:effectLst>
-        </p:spPr>
-        <p:style>
-          <a:lnRef idx="2">
-            <a:schemeClr val="accent1">
-              <a:shade val="50000"/>
-            </a:schemeClr>
-          </a:lnRef>
-          <a:fillRef idx="1">
-            <a:schemeClr val="accent1"/>
-          </a:fillRef>
-          <a:effectRef idx="0">
-            <a:schemeClr val="accent1"/>
-          </a:effectRef>
-          <a:fontRef idx="minor">
-            <a:schemeClr val="lt1"/>
-          </a:fontRef>
-        </p:style>
-        <p:txBody>
-          <a:bodyPr rtlCol="0" anchor="ctr"/>
-          <a:lstStyle/>
-          <a:p>
-            <a:pPr algn="ctr"/>
-            <a:r>
-              <a:rPr lang="pt-BR" sz="1400">
-                <a:solidFill>
-                  <a:schemeClr val="tx1"/>
-                </a:solidFill>
-                <a:latin typeface="MV Boli" panose="02000500030200090000" pitchFamily="2" charset="0"/>
-                <a:cs typeface="MV Boli" panose="02000500030200090000" pitchFamily="2" charset="0"/>
-              </a:rPr>
-              <a:t>ADAPTAR AO REMOTO (PANDEMIA)</a:t>
-            </a:r>
-          </a:p>
-        </p:txBody>
-      </p:sp>
-      <p:sp>
-        <p:nvSpPr>
-          <p:cNvPr id="32" name="Retângulo 31">
-            <a:extLst>
-              <a:ext uri="{FF2B5EF4-FFF2-40B4-BE49-F238E27FC236}">
-                <a16:creationId xmlns:a16="http://schemas.microsoft.com/office/drawing/2014/main" id="{0F8F64F6-FEA9-47DE-A490-A0383800DFB1}"/>
-              </a:ext>
-            </a:extLst>
-          </p:cNvPr>
-          <p:cNvSpPr/>
-          <p:nvPr/>
-        </p:nvSpPr>
-        <p:spPr>
-          <a:xfrm>
-            <a:off x="544888" y="4016765"/>
-            <a:ext cx="2202400" cy="791959"/>
-          </a:xfrm>
-          <a:prstGeom prst="rect">
-            <a:avLst/>
-          </a:prstGeom>
-          <a:solidFill>
-            <a:srgbClr val="FFC000"/>
-          </a:solidFill>
-          <a:ln>
-            <a:noFill/>
-          </a:ln>
-          <a:effectLst>
-            <a:outerShdw blurRad="25400" dist="38100" dir="5400000" algn="t" rotWithShape="0">
-              <a:schemeClr val="bg1">
-                <a:lumMod val="85000"/>
-                <a:alpha val="40000"/>
-              </a:schemeClr>
-            </a:outerShdw>
-          </a:effectLst>
-        </p:spPr>
-        <p:style>
-          <a:lnRef idx="2">
-            <a:schemeClr val="accent1">
-              <a:shade val="50000"/>
-            </a:schemeClr>
-          </a:lnRef>
-          <a:fillRef idx="1">
-            <a:schemeClr val="accent1"/>
-          </a:fillRef>
-          <a:effectRef idx="0">
-            <a:schemeClr val="accent1"/>
-          </a:effectRef>
-          <a:fontRef idx="minor">
-            <a:schemeClr val="lt1"/>
-          </a:fontRef>
-        </p:style>
-        <p:txBody>
-          <a:bodyPr rtlCol="0" anchor="ctr"/>
-          <a:lstStyle/>
-          <a:p>
-            <a:pPr algn="ctr" defTabSz="1042907"/>
-            <a:r>
-              <a:rPr lang="pt-BR" sz="1400">
-                <a:solidFill>
-                  <a:schemeClr val="tx1"/>
-                </a:solidFill>
-                <a:latin typeface="MV Boli" panose="02000500030200090000" pitchFamily="2" charset="0"/>
-                <a:cs typeface="MV Boli" panose="02000500030200090000" pitchFamily="2" charset="0"/>
-              </a:rPr>
-              <a:t>PRESSÃO DO PRAZO</a:t>
-            </a:r>
-          </a:p>
-        </p:txBody>
-      </p:sp>
-      <p:sp>
-        <p:nvSpPr>
-          <p:cNvPr id="33" name="Retângulo 32">
-            <a:extLst>
-              <a:ext uri="{FF2B5EF4-FFF2-40B4-BE49-F238E27FC236}">
-                <a16:creationId xmlns:a16="http://schemas.microsoft.com/office/drawing/2014/main" id="{F38310AC-C429-4A18-B264-6F13623A666D}"/>
-              </a:ext>
-            </a:extLst>
-          </p:cNvPr>
-          <p:cNvSpPr/>
-          <p:nvPr/>
-        </p:nvSpPr>
-        <p:spPr>
-          <a:xfrm>
-            <a:off x="8938071" y="2079122"/>
-            <a:ext cx="1766136" cy="791959"/>
-          </a:xfrm>
-          <a:prstGeom prst="rect">
-            <a:avLst/>
-          </a:prstGeom>
-          <a:solidFill>
-            <a:srgbClr val="FFFF99"/>
-          </a:solidFill>
-          <a:ln>
-            <a:noFill/>
-          </a:ln>
-          <a:effectLst>
-            <a:outerShdw blurRad="25400" dist="38100" dir="5400000" algn="t" rotWithShape="0">
-              <a:schemeClr val="bg1">
-                <a:lumMod val="85000"/>
-                <a:alpha val="40000"/>
-              </a:schemeClr>
-            </a:outerShdw>
-          </a:effectLst>
-        </p:spPr>
-        <p:style>
-          <a:lnRef idx="2">
-            <a:schemeClr val="accent1">
-              <a:shade val="50000"/>
-            </a:schemeClr>
-          </a:lnRef>
-          <a:fillRef idx="1">
-            <a:schemeClr val="accent1"/>
-          </a:fillRef>
-          <a:effectRef idx="0">
-            <a:schemeClr val="accent1"/>
-          </a:effectRef>
-          <a:fontRef idx="minor">
-            <a:schemeClr val="lt1"/>
-          </a:fontRef>
-        </p:style>
-        <p:txBody>
-          <a:bodyPr rtlCol="0" anchor="ctr"/>
-          <a:lstStyle/>
-          <a:p>
-            <a:pPr algn="ctr"/>
-            <a:r>
-              <a:rPr lang="pt-BR" sz="1400">
-                <a:solidFill>
-                  <a:schemeClr val="tx1"/>
-                </a:solidFill>
-                <a:latin typeface="MV Boli" panose="02000500030200090000" pitchFamily="2" charset="0"/>
-                <a:cs typeface="MV Boli" panose="02000500030200090000" pitchFamily="2" charset="0"/>
-              </a:rPr>
-              <a:t>ENTREGRAR O PROJETO</a:t>
-            </a:r>
-          </a:p>
-        </p:txBody>
-      </p:sp>
-      <p:sp>
-        <p:nvSpPr>
-          <p:cNvPr id="34" name="Retângulo 33">
-            <a:extLst>
-              <a:ext uri="{FF2B5EF4-FFF2-40B4-BE49-F238E27FC236}">
-                <a16:creationId xmlns:a16="http://schemas.microsoft.com/office/drawing/2014/main" id="{AA192D43-0287-4AEB-B00E-762F62863192}"/>
-              </a:ext>
-            </a:extLst>
-          </p:cNvPr>
-          <p:cNvSpPr/>
-          <p:nvPr/>
-        </p:nvSpPr>
-        <p:spPr>
-          <a:xfrm>
-            <a:off x="8970760" y="3145485"/>
-            <a:ext cx="1758880" cy="791959"/>
-          </a:xfrm>
-          <a:prstGeom prst="rect">
-            <a:avLst/>
-          </a:prstGeom>
-          <a:solidFill>
-            <a:srgbClr val="FFFF99"/>
-          </a:solidFill>
-          <a:ln>
-            <a:noFill/>
-          </a:ln>
-          <a:effectLst>
-            <a:outerShdw blurRad="25400" dist="38100" dir="5400000" algn="t" rotWithShape="0">
-              <a:schemeClr val="bg1">
-                <a:lumMod val="85000"/>
-                <a:alpha val="40000"/>
-              </a:schemeClr>
-            </a:outerShdw>
-          </a:effectLst>
-        </p:spPr>
-        <p:style>
-          <a:lnRef idx="2">
-            <a:schemeClr val="accent1">
-              <a:shade val="50000"/>
-            </a:schemeClr>
-          </a:lnRef>
-          <a:fillRef idx="1">
-            <a:schemeClr val="accent1"/>
-          </a:fillRef>
-          <a:effectRef idx="0">
-            <a:schemeClr val="accent1"/>
-          </a:effectRef>
-          <a:fontRef idx="minor">
-            <a:schemeClr val="lt1"/>
-          </a:fontRef>
-        </p:style>
-        <p:txBody>
-          <a:bodyPr rtlCol="0" anchor="ctr"/>
-          <a:lstStyle/>
-          <a:p>
-            <a:pPr algn="ctr"/>
-            <a:r>
-              <a:rPr lang="pt-BR" sz="1400">
-                <a:solidFill>
-                  <a:schemeClr val="tx1"/>
-                </a:solidFill>
-                <a:latin typeface="MV Boli" panose="02000500030200090000" pitchFamily="2" charset="0"/>
-                <a:cs typeface="MV Boli" panose="02000500030200090000" pitchFamily="2" charset="0"/>
-              </a:rPr>
-              <a:t>APRENDIZADO</a:t>
-            </a:r>
-          </a:p>
-        </p:txBody>
-      </p:sp>
-      <p:sp>
-        <p:nvSpPr>
-          <p:cNvPr id="36" name="Retângulo 35">
-            <a:extLst>
-              <a:ext uri="{FF2B5EF4-FFF2-40B4-BE49-F238E27FC236}">
-                <a16:creationId xmlns:a16="http://schemas.microsoft.com/office/drawing/2014/main" id="{2DFC3A86-0016-4459-AD72-D7B5B9D99F99}"/>
-              </a:ext>
-            </a:extLst>
-          </p:cNvPr>
-          <p:cNvSpPr/>
-          <p:nvPr/>
-        </p:nvSpPr>
-        <p:spPr>
-          <a:xfrm>
-            <a:off x="582786" y="5314637"/>
-            <a:ext cx="2182547" cy="791959"/>
-          </a:xfrm>
-          <a:prstGeom prst="rect">
-            <a:avLst/>
-          </a:prstGeom>
-          <a:solidFill>
-            <a:srgbClr val="00D22E"/>
-          </a:solidFill>
-          <a:ln w="3175">
-            <a:solidFill>
-              <a:schemeClr val="bg1">
-                <a:lumMod val="85000"/>
-              </a:schemeClr>
-            </a:solidFill>
-          </a:ln>
-          <a:effectLst>
-            <a:outerShdw blurRad="25400" dist="38100" dir="5400000" algn="t" rotWithShape="0">
-              <a:schemeClr val="bg1">
-                <a:lumMod val="85000"/>
-                <a:alpha val="40000"/>
-              </a:schemeClr>
-            </a:outerShdw>
-          </a:effectLst>
-        </p:spPr>
-        <p:style>
-          <a:lnRef idx="2">
-            <a:schemeClr val="accent1">
-              <a:shade val="50000"/>
-            </a:schemeClr>
-          </a:lnRef>
-          <a:fillRef idx="1">
-            <a:schemeClr val="accent1"/>
-          </a:fillRef>
-          <a:effectRef idx="0">
-            <a:schemeClr val="accent1"/>
-          </a:effectRef>
-          <a:fontRef idx="minor">
-            <a:schemeClr val="lt1"/>
-          </a:fontRef>
-        </p:style>
-        <p:txBody>
-          <a:bodyPr rtlCol="0" anchor="ctr"/>
-          <a:lstStyle/>
-          <a:p>
-            <a:pPr algn="ctr"/>
-            <a:r>
-              <a:rPr lang="pt-BR" sz="1400">
-                <a:solidFill>
-                  <a:schemeClr val="tx1"/>
-                </a:solidFill>
-                <a:latin typeface="MV Boli" panose="02000500030200090000" pitchFamily="2" charset="0"/>
-                <a:cs typeface="MV Boli" panose="02000500030200090000" pitchFamily="2" charset="0"/>
-              </a:rPr>
-              <a:t>CONFIGURAR O GRÁFICO</a:t>
-            </a:r>
-          </a:p>
-        </p:txBody>
-      </p:sp>
-      <p:sp>
-        <p:nvSpPr>
-          <p:cNvPr id="37" name="Retângulo 36">
-            <a:extLst>
-              <a:ext uri="{FF2B5EF4-FFF2-40B4-BE49-F238E27FC236}">
-                <a16:creationId xmlns:a16="http://schemas.microsoft.com/office/drawing/2014/main" id="{2A4349E7-FE97-4960-9D00-DF8EB112C940}"/>
-              </a:ext>
-            </a:extLst>
-          </p:cNvPr>
-          <p:cNvSpPr/>
-          <p:nvPr/>
-        </p:nvSpPr>
-        <p:spPr>
-          <a:xfrm>
-            <a:off x="2123911" y="1737999"/>
-            <a:ext cx="1816952" cy="580779"/>
-          </a:xfrm>
-          <a:prstGeom prst="rect">
-            <a:avLst/>
-          </a:prstGeom>
-          <a:solidFill>
-            <a:srgbClr val="FF99CC"/>
-          </a:solidFill>
-          <a:ln>
-            <a:noFill/>
-          </a:ln>
-          <a:effectLst>
-            <a:outerShdw blurRad="25400" dist="38100" dir="5400000" algn="t" rotWithShape="0">
-              <a:schemeClr val="bg1">
-                <a:lumMod val="85000"/>
-                <a:alpha val="40000"/>
-              </a:schemeClr>
-            </a:outerShdw>
-          </a:effectLst>
-        </p:spPr>
-        <p:style>
-          <a:lnRef idx="2">
-            <a:schemeClr val="accent1">
-              <a:shade val="50000"/>
-            </a:schemeClr>
-          </a:lnRef>
-          <a:fillRef idx="1">
-            <a:schemeClr val="accent1"/>
-          </a:fillRef>
-          <a:effectRef idx="0">
-            <a:schemeClr val="accent1"/>
-          </a:effectRef>
-          <a:fontRef idx="minor">
-            <a:schemeClr val="lt1"/>
-          </a:fontRef>
-        </p:style>
-        <p:txBody>
-          <a:bodyPr rtlCol="0" anchor="ctr"/>
-          <a:lstStyle/>
-          <a:p>
-            <a:pPr algn="ctr" defTabSz="945947"/>
-            <a:r>
-              <a:rPr lang="pt-BR" sz="1270">
-                <a:solidFill>
-                  <a:schemeClr val="tx1"/>
-                </a:solidFill>
-                <a:latin typeface="MV Boli" panose="02000500030200090000" pitchFamily="2" charset="0"/>
-                <a:cs typeface="MV Boli" panose="02000500030200090000" pitchFamily="2" charset="0"/>
-              </a:rPr>
-              <a:t>PRATICAR O USO</a:t>
-            </a:r>
-          </a:p>
-        </p:txBody>
-      </p:sp>
-      <p:sp>
-        <p:nvSpPr>
-          <p:cNvPr id="38" name="Retângulo 37">
-            <a:extLst>
-              <a:ext uri="{FF2B5EF4-FFF2-40B4-BE49-F238E27FC236}">
-                <a16:creationId xmlns:a16="http://schemas.microsoft.com/office/drawing/2014/main" id="{339B77FD-8ACD-4154-A556-A452A5A681D8}"/>
-              </a:ext>
-            </a:extLst>
-          </p:cNvPr>
-          <p:cNvSpPr/>
-          <p:nvPr/>
-        </p:nvSpPr>
-        <p:spPr>
-          <a:xfrm>
-            <a:off x="1689516" y="2848222"/>
-            <a:ext cx="1816952" cy="580779"/>
-          </a:xfrm>
-          <a:prstGeom prst="rect">
-            <a:avLst/>
-          </a:prstGeom>
-          <a:solidFill>
-            <a:srgbClr val="FF99CC"/>
-          </a:solidFill>
-          <a:ln>
-            <a:noFill/>
-          </a:ln>
-          <a:effectLst>
-            <a:outerShdw blurRad="25400" dist="38100" dir="5400000" algn="t" rotWithShape="0">
-              <a:schemeClr val="bg1">
-                <a:lumMod val="85000"/>
-                <a:alpha val="40000"/>
-              </a:schemeClr>
-            </a:outerShdw>
-          </a:effectLst>
-        </p:spPr>
-        <p:style>
-          <a:lnRef idx="2">
-            <a:schemeClr val="accent1">
-              <a:shade val="50000"/>
-            </a:schemeClr>
-          </a:lnRef>
-          <a:fillRef idx="1">
-            <a:schemeClr val="accent1"/>
-          </a:fillRef>
-          <a:effectRef idx="0">
-            <a:schemeClr val="accent1"/>
-          </a:effectRef>
-          <a:fontRef idx="minor">
-            <a:schemeClr val="lt1"/>
-          </a:fontRef>
-        </p:style>
-        <p:txBody>
-          <a:bodyPr rtlCol="0" anchor="ctr"/>
-          <a:lstStyle/>
-          <a:p>
-            <a:pPr algn="ctr" defTabSz="945947"/>
-            <a:r>
-              <a:rPr lang="pt-BR" sz="1270">
-                <a:solidFill>
-                  <a:schemeClr val="tx1"/>
-                </a:solidFill>
-                <a:latin typeface="MV Boli" panose="02000500030200090000" pitchFamily="2" charset="0"/>
-                <a:cs typeface="MV Boli" panose="02000500030200090000" pitchFamily="2" charset="0"/>
-              </a:rPr>
-              <a:t>ESTUDAR A PARTE</a:t>
-            </a:r>
-          </a:p>
-        </p:txBody>
-      </p:sp>
-      <p:sp>
-        <p:nvSpPr>
-          <p:cNvPr id="39" name="Retângulo 38">
-            <a:extLst>
-              <a:ext uri="{FF2B5EF4-FFF2-40B4-BE49-F238E27FC236}">
-                <a16:creationId xmlns:a16="http://schemas.microsoft.com/office/drawing/2014/main" id="{F7D48DED-4FA7-4C07-ADC8-3128DF136274}"/>
-              </a:ext>
-            </a:extLst>
-          </p:cNvPr>
-          <p:cNvSpPr/>
-          <p:nvPr/>
-        </p:nvSpPr>
-        <p:spPr>
-          <a:xfrm>
-            <a:off x="99387" y="1737999"/>
-            <a:ext cx="1816952" cy="580779"/>
-          </a:xfrm>
-          <a:prstGeom prst="rect">
-            <a:avLst/>
-          </a:prstGeom>
-          <a:solidFill>
-            <a:srgbClr val="FF99CC"/>
-          </a:solidFill>
-          <a:ln>
-            <a:noFill/>
-          </a:ln>
-          <a:effectLst>
-            <a:outerShdw blurRad="25400" dist="38100" dir="5400000" algn="t" rotWithShape="0">
-              <a:schemeClr val="bg1">
-                <a:lumMod val="85000"/>
-                <a:alpha val="40000"/>
-              </a:schemeClr>
-            </a:outerShdw>
-          </a:effectLst>
-        </p:spPr>
-        <p:style>
-          <a:lnRef idx="2">
-            <a:schemeClr val="accent1">
-              <a:shade val="50000"/>
-            </a:schemeClr>
-          </a:lnRef>
-          <a:fillRef idx="1">
-            <a:schemeClr val="accent1"/>
-          </a:fillRef>
-          <a:effectRef idx="0">
-            <a:schemeClr val="accent1"/>
-          </a:effectRef>
-          <a:fontRef idx="minor">
-            <a:schemeClr val="lt1"/>
-          </a:fontRef>
-        </p:style>
-        <p:txBody>
-          <a:bodyPr rtlCol="0" anchor="ctr"/>
-          <a:lstStyle/>
-          <a:p>
-            <a:pPr algn="ctr" defTabSz="945947"/>
-            <a:r>
-              <a:rPr lang="pt-BR" sz="1270">
-                <a:solidFill>
-                  <a:schemeClr val="tx1"/>
-                </a:solidFill>
-                <a:latin typeface="MV Boli" panose="02000500030200090000" pitchFamily="2" charset="0"/>
-                <a:cs typeface="MV Boli" panose="02000500030200090000" pitchFamily="2" charset="0"/>
-              </a:rPr>
-              <a:t>PEDIR AJUDA (ANTES)</a:t>
-            </a:r>
-          </a:p>
-        </p:txBody>
-      </p:sp>
-      <p:sp>
-        <p:nvSpPr>
-          <p:cNvPr id="40" name="Retângulo 39">
-            <a:extLst>
-              <a:ext uri="{FF2B5EF4-FFF2-40B4-BE49-F238E27FC236}">
-                <a16:creationId xmlns:a16="http://schemas.microsoft.com/office/drawing/2014/main" id="{34277F6D-125F-45C7-92CA-38E86964C98B}"/>
-              </a:ext>
-            </a:extLst>
-          </p:cNvPr>
-          <p:cNvSpPr/>
-          <p:nvPr/>
-        </p:nvSpPr>
-        <p:spPr>
-          <a:xfrm>
-            <a:off x="-369413" y="2841235"/>
-            <a:ext cx="1816952" cy="580779"/>
-          </a:xfrm>
-          <a:prstGeom prst="rect">
-            <a:avLst/>
-          </a:prstGeom>
-          <a:solidFill>
-            <a:srgbClr val="FF99CC"/>
-          </a:solidFill>
-          <a:ln>
-            <a:noFill/>
-          </a:ln>
-          <a:effectLst>
-            <a:outerShdw blurRad="25400" dist="38100" dir="5400000" algn="t" rotWithShape="0">
-              <a:schemeClr val="bg1">
-                <a:lumMod val="85000"/>
-                <a:alpha val="40000"/>
-              </a:schemeClr>
-            </a:outerShdw>
-          </a:effectLst>
-        </p:spPr>
-        <p:style>
-          <a:lnRef idx="2">
-            <a:schemeClr val="accent1">
-              <a:shade val="50000"/>
-            </a:schemeClr>
-          </a:lnRef>
-          <a:fillRef idx="1">
-            <a:schemeClr val="accent1"/>
-          </a:fillRef>
-          <a:effectRef idx="0">
-            <a:schemeClr val="accent1"/>
-          </a:effectRef>
-          <a:fontRef idx="minor">
-            <a:schemeClr val="lt1"/>
-          </a:fontRef>
-        </p:style>
-        <p:txBody>
-          <a:bodyPr rtlCol="0" anchor="ctr"/>
-          <a:lstStyle/>
-          <a:p>
-            <a:pPr algn="ctr" defTabSz="945947"/>
-            <a:r>
-              <a:rPr lang="pt-BR" sz="1270">
-                <a:solidFill>
-                  <a:schemeClr val="tx1"/>
-                </a:solidFill>
-                <a:latin typeface="MV Boli" panose="02000500030200090000" pitchFamily="2" charset="0"/>
-                <a:cs typeface="MV Boli" panose="02000500030200090000" pitchFamily="2" charset="0"/>
-              </a:rPr>
-              <a:t>TER UM PLANO B</a:t>
-            </a:r>
-          </a:p>
-        </p:txBody>
-      </p:sp>
-      <p:sp>
-        <p:nvSpPr>
-          <p:cNvPr id="41" name="Retângulo 40">
-            <a:extLst>
-              <a:ext uri="{FF2B5EF4-FFF2-40B4-BE49-F238E27FC236}">
-                <a16:creationId xmlns:a16="http://schemas.microsoft.com/office/drawing/2014/main" id="{816ED27A-B569-4139-8ECB-B90C96CB68AF}"/>
-              </a:ext>
-            </a:extLst>
-          </p:cNvPr>
-          <p:cNvSpPr/>
-          <p:nvPr/>
-        </p:nvSpPr>
-        <p:spPr>
-          <a:xfrm>
-            <a:off x="5161403" y="1731026"/>
-            <a:ext cx="1816952" cy="580779"/>
-          </a:xfrm>
-          <a:prstGeom prst="rect">
-            <a:avLst/>
-          </a:prstGeom>
-          <a:solidFill>
-            <a:srgbClr val="FF99CC"/>
-          </a:solidFill>
-          <a:ln>
-            <a:noFill/>
-          </a:ln>
-          <a:effectLst>
-            <a:outerShdw blurRad="25400" dist="38100" dir="5400000" algn="t" rotWithShape="0">
-              <a:schemeClr val="bg1">
-                <a:lumMod val="85000"/>
-                <a:alpha val="40000"/>
-              </a:schemeClr>
-            </a:outerShdw>
-          </a:effectLst>
-        </p:spPr>
-        <p:style>
-          <a:lnRef idx="2">
-            <a:schemeClr val="accent1">
-              <a:shade val="50000"/>
-            </a:schemeClr>
-          </a:lnRef>
-          <a:fillRef idx="1">
-            <a:schemeClr val="accent1"/>
-          </a:fillRef>
-          <a:effectRef idx="0">
-            <a:schemeClr val="accent1"/>
-          </a:effectRef>
-          <a:fontRef idx="minor">
-            <a:schemeClr val="lt1"/>
-          </a:fontRef>
-        </p:style>
-        <p:txBody>
-          <a:bodyPr rtlCol="0" anchor="ctr"/>
-          <a:lstStyle/>
-          <a:p>
-            <a:pPr algn="ctr" defTabSz="945947"/>
-            <a:r>
-              <a:rPr lang="pt-BR" sz="1270">
-                <a:solidFill>
-                  <a:schemeClr val="tx1"/>
-                </a:solidFill>
-                <a:latin typeface="MV Boli" panose="02000500030200090000" pitchFamily="2" charset="0"/>
-                <a:cs typeface="MV Boli" panose="02000500030200090000" pitchFamily="2" charset="0"/>
-              </a:rPr>
-              <a:t>REDISTRIBUIR TAREFAS</a:t>
-            </a:r>
-          </a:p>
-        </p:txBody>
-      </p:sp>
-      <p:sp>
-        <p:nvSpPr>
-          <p:cNvPr id="42" name="Retângulo 41">
-            <a:extLst>
-              <a:ext uri="{FF2B5EF4-FFF2-40B4-BE49-F238E27FC236}">
-                <a16:creationId xmlns:a16="http://schemas.microsoft.com/office/drawing/2014/main" id="{B78C9C1D-39FD-474B-93C4-857C45E00C81}"/>
-              </a:ext>
-            </a:extLst>
-          </p:cNvPr>
-          <p:cNvSpPr/>
-          <p:nvPr/>
-        </p:nvSpPr>
-        <p:spPr>
-          <a:xfrm>
-            <a:off x="5704157" y="2449392"/>
-            <a:ext cx="1816952" cy="580779"/>
-          </a:xfrm>
-          <a:prstGeom prst="rect">
-            <a:avLst/>
-          </a:prstGeom>
-          <a:solidFill>
-            <a:srgbClr val="FF99CC"/>
-          </a:solidFill>
-          <a:ln>
-            <a:noFill/>
-          </a:ln>
-          <a:effectLst>
-            <a:outerShdw blurRad="25400" dist="38100" dir="5400000" algn="t" rotWithShape="0">
-              <a:schemeClr val="bg1">
-                <a:lumMod val="85000"/>
-                <a:alpha val="40000"/>
-              </a:schemeClr>
-            </a:outerShdw>
-          </a:effectLst>
-        </p:spPr>
-        <p:style>
-          <a:lnRef idx="2">
-            <a:schemeClr val="accent1">
-              <a:shade val="50000"/>
-            </a:schemeClr>
-          </a:lnRef>
-          <a:fillRef idx="1">
-            <a:schemeClr val="accent1"/>
-          </a:fillRef>
-          <a:effectRef idx="0">
-            <a:schemeClr val="accent1"/>
-          </a:effectRef>
-          <a:fontRef idx="minor">
-            <a:schemeClr val="lt1"/>
-          </a:fontRef>
-        </p:style>
-        <p:txBody>
-          <a:bodyPr rtlCol="0" anchor="ctr"/>
-          <a:lstStyle/>
-          <a:p>
-            <a:pPr algn="ctr" defTabSz="945947"/>
-            <a:r>
-              <a:rPr lang="pt-BR" sz="1270">
-                <a:solidFill>
-                  <a:schemeClr val="tx1"/>
-                </a:solidFill>
-                <a:latin typeface="MV Boli" panose="02000500030200090000" pitchFamily="2" charset="0"/>
-                <a:cs typeface="MV Boli" panose="02000500030200090000" pitchFamily="2" charset="0"/>
-              </a:rPr>
-              <a:t>DOCUMENTAR O QUE ESTÁ FAZENDO</a:t>
-            </a:r>
-          </a:p>
-        </p:txBody>
-      </p:sp>
-      <p:sp>
-        <p:nvSpPr>
-          <p:cNvPr id="43" name="Retângulo 42">
-            <a:extLst>
-              <a:ext uri="{FF2B5EF4-FFF2-40B4-BE49-F238E27FC236}">
-                <a16:creationId xmlns:a16="http://schemas.microsoft.com/office/drawing/2014/main" id="{659049F7-6531-400D-B6D7-EEF747EA30E4}"/>
-              </a:ext>
-            </a:extLst>
-          </p:cNvPr>
-          <p:cNvSpPr/>
-          <p:nvPr/>
-        </p:nvSpPr>
-        <p:spPr>
-          <a:xfrm>
-            <a:off x="3824632" y="2823813"/>
-            <a:ext cx="1816952" cy="580779"/>
-          </a:xfrm>
-          <a:prstGeom prst="rect">
-            <a:avLst/>
-          </a:prstGeom>
-          <a:solidFill>
-            <a:srgbClr val="FF99CC"/>
-          </a:solidFill>
-          <a:ln>
-            <a:noFill/>
-          </a:ln>
-          <a:effectLst>
-            <a:outerShdw blurRad="25400" dist="38100" dir="5400000" algn="t" rotWithShape="0">
-              <a:schemeClr val="bg1">
-                <a:lumMod val="85000"/>
-                <a:alpha val="40000"/>
-              </a:schemeClr>
-            </a:outerShdw>
-          </a:effectLst>
-        </p:spPr>
-        <p:style>
-          <a:lnRef idx="2">
-            <a:schemeClr val="accent1">
-              <a:shade val="50000"/>
-            </a:schemeClr>
-          </a:lnRef>
-          <a:fillRef idx="1">
-            <a:schemeClr val="accent1"/>
-          </a:fillRef>
-          <a:effectRef idx="0">
-            <a:schemeClr val="accent1"/>
-          </a:effectRef>
-          <a:fontRef idx="minor">
-            <a:schemeClr val="lt1"/>
-          </a:fontRef>
-        </p:style>
-        <p:txBody>
-          <a:bodyPr rtlCol="0" anchor="ctr"/>
-          <a:lstStyle/>
-          <a:p>
-            <a:pPr algn="ctr" defTabSz="945947"/>
-            <a:r>
-              <a:rPr lang="pt-BR" sz="1270">
-                <a:solidFill>
-                  <a:schemeClr val="tx1"/>
-                </a:solidFill>
-                <a:latin typeface="MV Boli" panose="02000500030200090000" pitchFamily="2" charset="0"/>
-                <a:cs typeface="MV Boli" panose="02000500030200090000" pitchFamily="2" charset="0"/>
-              </a:rPr>
-              <a:t>INCENTIVAR</a:t>
-            </a:r>
-          </a:p>
-        </p:txBody>
-      </p:sp>
-      <p:sp>
-        <p:nvSpPr>
-          <p:cNvPr id="44" name="Retângulo 43">
-            <a:extLst>
-              <a:ext uri="{FF2B5EF4-FFF2-40B4-BE49-F238E27FC236}">
-                <a16:creationId xmlns:a16="http://schemas.microsoft.com/office/drawing/2014/main" id="{1673F165-F232-4A47-8CB8-277F5C48C75D}"/>
-              </a:ext>
-            </a:extLst>
-          </p:cNvPr>
-          <p:cNvSpPr/>
-          <p:nvPr/>
-        </p:nvSpPr>
-        <p:spPr>
-          <a:xfrm>
-            <a:off x="5310725" y="3194768"/>
-            <a:ext cx="1816952" cy="580779"/>
-          </a:xfrm>
-          <a:prstGeom prst="rect">
-            <a:avLst/>
-          </a:prstGeom>
-          <a:solidFill>
-            <a:srgbClr val="FF99CC"/>
-          </a:solidFill>
-          <a:ln>
-            <a:noFill/>
-          </a:ln>
-          <a:effectLst>
-            <a:outerShdw blurRad="25400" dist="38100" dir="5400000" algn="t" rotWithShape="0">
-              <a:schemeClr val="bg1">
-                <a:lumMod val="85000"/>
-                <a:alpha val="40000"/>
-              </a:schemeClr>
-            </a:outerShdw>
-          </a:effectLst>
-        </p:spPr>
-        <p:style>
-          <a:lnRef idx="2">
-            <a:schemeClr val="accent1">
-              <a:shade val="50000"/>
-            </a:schemeClr>
-          </a:lnRef>
-          <a:fillRef idx="1">
-            <a:schemeClr val="accent1"/>
-          </a:fillRef>
-          <a:effectRef idx="0">
-            <a:schemeClr val="accent1"/>
-          </a:effectRef>
-          <a:fontRef idx="minor">
-            <a:schemeClr val="lt1"/>
-          </a:fontRef>
-        </p:style>
-        <p:txBody>
-          <a:bodyPr rtlCol="0" anchor="ctr"/>
-          <a:lstStyle/>
-          <a:p>
-            <a:pPr algn="ctr" defTabSz="945947"/>
-            <a:r>
-              <a:rPr lang="pt-BR" sz="1270">
-                <a:solidFill>
-                  <a:schemeClr val="tx1"/>
-                </a:solidFill>
-                <a:latin typeface="MV Boli" panose="02000500030200090000" pitchFamily="2" charset="0"/>
-                <a:cs typeface="MV Boli" panose="02000500030200090000" pitchFamily="2" charset="0"/>
-              </a:rPr>
-              <a:t>NÃO CENTRALIZAR EM 1 PESSOA SÓ</a:t>
-            </a:r>
-          </a:p>
-        </p:txBody>
-      </p:sp>
-      <p:sp>
-        <p:nvSpPr>
-          <p:cNvPr id="45" name="Retângulo 44">
-            <a:extLst>
-              <a:ext uri="{FF2B5EF4-FFF2-40B4-BE49-F238E27FC236}">
-                <a16:creationId xmlns:a16="http://schemas.microsoft.com/office/drawing/2014/main" id="{EB86FA46-1FCE-4613-931C-4771028707D9}"/>
-              </a:ext>
-            </a:extLst>
-          </p:cNvPr>
-          <p:cNvSpPr/>
-          <p:nvPr/>
-        </p:nvSpPr>
-        <p:spPr>
-          <a:xfrm>
-            <a:off x="10068091" y="1582092"/>
-            <a:ext cx="1816952" cy="580779"/>
-          </a:xfrm>
-          <a:prstGeom prst="rect">
-            <a:avLst/>
-          </a:prstGeom>
-          <a:solidFill>
-            <a:srgbClr val="FF99CC"/>
-          </a:solidFill>
-          <a:ln>
-            <a:noFill/>
-          </a:ln>
-          <a:effectLst>
-            <a:outerShdw blurRad="25400" dist="38100" dir="5400000" algn="t" rotWithShape="0">
-              <a:schemeClr val="bg1">
-                <a:lumMod val="85000"/>
-                <a:alpha val="40000"/>
-              </a:schemeClr>
-            </a:outerShdw>
-          </a:effectLst>
-        </p:spPr>
-        <p:style>
-          <a:lnRef idx="2">
-            <a:schemeClr val="accent1">
-              <a:shade val="50000"/>
-            </a:schemeClr>
-          </a:lnRef>
-          <a:fillRef idx="1">
-            <a:schemeClr val="accent1"/>
-          </a:fillRef>
-          <a:effectRef idx="0">
-            <a:schemeClr val="accent1"/>
-          </a:effectRef>
-          <a:fontRef idx="minor">
-            <a:schemeClr val="lt1"/>
-          </a:fontRef>
-        </p:style>
-        <p:txBody>
-          <a:bodyPr rtlCol="0" anchor="ctr"/>
-          <a:lstStyle/>
-          <a:p>
-            <a:pPr algn="ctr" defTabSz="945947"/>
-            <a:r>
-              <a:rPr lang="pt-BR" sz="1270">
-                <a:solidFill>
-                  <a:schemeClr val="tx1"/>
-                </a:solidFill>
-                <a:latin typeface="MV Boli" panose="02000500030200090000" pitchFamily="2" charset="0"/>
-                <a:cs typeface="MV Boli" panose="02000500030200090000" pitchFamily="2" charset="0"/>
-              </a:rPr>
-              <a:t>KANBAN – DATA + DONO + PRAZO</a:t>
-            </a:r>
-          </a:p>
-        </p:txBody>
-      </p:sp>
-      <p:sp>
-        <p:nvSpPr>
-          <p:cNvPr id="46" name="Retângulo 45">
-            <a:extLst>
-              <a:ext uri="{FF2B5EF4-FFF2-40B4-BE49-F238E27FC236}">
-                <a16:creationId xmlns:a16="http://schemas.microsoft.com/office/drawing/2014/main" id="{2CB8BE6B-B0E9-4119-AADE-4CBF259A6F2A}"/>
-              </a:ext>
-            </a:extLst>
-          </p:cNvPr>
-          <p:cNvSpPr/>
-          <p:nvPr/>
-        </p:nvSpPr>
-        <p:spPr>
-          <a:xfrm>
-            <a:off x="10374740" y="2489678"/>
-            <a:ext cx="1816952" cy="580779"/>
-          </a:xfrm>
-          <a:prstGeom prst="rect">
-            <a:avLst/>
-          </a:prstGeom>
-          <a:solidFill>
-            <a:srgbClr val="FF99CC"/>
-          </a:solidFill>
-          <a:ln>
-            <a:noFill/>
-          </a:ln>
-          <a:effectLst>
-            <a:outerShdw blurRad="25400" dist="38100" dir="5400000" algn="t" rotWithShape="0">
-              <a:schemeClr val="bg1">
-                <a:lumMod val="85000"/>
-                <a:alpha val="40000"/>
-              </a:schemeClr>
-            </a:outerShdw>
-          </a:effectLst>
-        </p:spPr>
-        <p:style>
-          <a:lnRef idx="2">
-            <a:schemeClr val="accent1">
-              <a:shade val="50000"/>
-            </a:schemeClr>
-          </a:lnRef>
-          <a:fillRef idx="1">
-            <a:schemeClr val="accent1"/>
-          </a:fillRef>
-          <a:effectRef idx="0">
-            <a:schemeClr val="accent1"/>
-          </a:effectRef>
-          <a:fontRef idx="minor">
-            <a:schemeClr val="lt1"/>
-          </a:fontRef>
-        </p:style>
-        <p:txBody>
-          <a:bodyPr rtlCol="0" anchor="ctr"/>
-          <a:lstStyle/>
-          <a:p>
-            <a:pPr algn="ctr" defTabSz="945947"/>
-            <a:r>
-              <a:rPr lang="pt-BR" sz="1270">
-                <a:solidFill>
-                  <a:schemeClr val="tx1"/>
-                </a:solidFill>
-                <a:latin typeface="MV Boli" panose="02000500030200090000" pitchFamily="2" charset="0"/>
-                <a:cs typeface="MV Boli" panose="02000500030200090000" pitchFamily="2" charset="0"/>
-              </a:rPr>
-              <a:t>REUNIÕES SEMANAIS DE STATUS</a:t>
-            </a:r>
-          </a:p>
-        </p:txBody>
-      </p:sp>
-    </p:spTree>
-    <p:extLst>
-      <p:ext uri="{BB962C8B-B14F-4D97-AF65-F5344CB8AC3E}">
-        <p14:creationId xmlns:p14="http://schemas.microsoft.com/office/powerpoint/2010/main" val="3498290696"/>
+        <p14:creationId xmlns:p14="http://schemas.microsoft.com/office/powerpoint/2010/main" val="4235997455"/>
       </p:ext>
     </p:extLst>
   </p:cSld>
@@ -14130,9 +17033,12 @@
 </file>
 
 <file path=customXml/item1.xml><?xml version="1.0" encoding="utf-8"?>
-<p:properties xmlns:p="http://schemas.microsoft.com/office/2006/metadata/properties" xmlns:xsi="http://www.w3.org/2001/XMLSchema-instance" xmlns:pc="http://schemas.microsoft.com/office/infopath/2007/PartnerControls">
-  <documentManagement/>
-</p:properties>
+<?mso-contentType ?>
+<FormTemplates xmlns="http://schemas.microsoft.com/sharepoint/v3/contenttype/forms">
+  <Display>DocumentLibraryForm</Display>
+  <Edit>DocumentLibraryForm</Edit>
+  <New>DocumentLibraryForm</New>
+</FormTemplates>
 </file>
 
 <file path=customXml/item2.xml><?xml version="1.0" encoding="utf-8"?>
@@ -14282,26 +17188,15 @@
 </file>
 
 <file path=customXml/item3.xml><?xml version="1.0" encoding="utf-8"?>
-<?mso-contentType ?>
-<FormTemplates xmlns="http://schemas.microsoft.com/sharepoint/v3/contenttype/forms">
-  <Display>DocumentLibraryForm</Display>
-  <Edit>DocumentLibraryForm</Edit>
-  <New>DocumentLibraryForm</New>
-</FormTemplates>
+<p:properties xmlns:p="http://schemas.microsoft.com/office/2006/metadata/properties" xmlns:xsi="http://www.w3.org/2001/XMLSchema-instance" xmlns:pc="http://schemas.microsoft.com/office/infopath/2007/PartnerControls">
+  <documentManagement/>
+</p:properties>
 </file>
 
 <file path=customXml/itemProps1.xml><?xml version="1.0" encoding="utf-8"?>
-<ds:datastoreItem xmlns:ds="http://schemas.openxmlformats.org/officeDocument/2006/customXml" ds:itemID="{8C6D5030-9AA2-4901-9903-314081232E77}">
+<ds:datastoreItem xmlns:ds="http://schemas.openxmlformats.org/officeDocument/2006/customXml" ds:itemID="{7B7E5500-1E1C-4DD3-A9B7-CDF199E77632}">
   <ds:schemaRefs>
-    <ds:schemaRef ds:uri="http://schemas.microsoft.com/office/infopath/2007/PartnerControls"/>
-    <ds:schemaRef ds:uri="http://purl.org/dc/terms/"/>
-    <ds:schemaRef ds:uri="http://schemas.microsoft.com/office/2006/documentManagement/types"/>
-    <ds:schemaRef ds:uri="http://www.w3.org/XML/1998/namespace"/>
-    <ds:schemaRef ds:uri="8d73c667-0e32-466c-9097-a1f484c201cc"/>
-    <ds:schemaRef ds:uri="http://purl.org/dc/elements/1.1/"/>
-    <ds:schemaRef ds:uri="http://purl.org/dc/dcmitype/"/>
-    <ds:schemaRef ds:uri="http://schemas.openxmlformats.org/package/2006/metadata/core-properties"/>
-    <ds:schemaRef ds:uri="http://schemas.microsoft.com/office/2006/metadata/properties"/>
+    <ds:schemaRef ds:uri="http://schemas.microsoft.com/sharepoint/v3/contenttype/forms"/>
   </ds:schemaRefs>
 </ds:datastoreItem>
 </file>
@@ -14325,9 +17220,17 @@
 </file>
 
 <file path=customXml/itemProps3.xml><?xml version="1.0" encoding="utf-8"?>
-<ds:datastoreItem xmlns:ds="http://schemas.openxmlformats.org/officeDocument/2006/customXml" ds:itemID="{7B7E5500-1E1C-4DD3-A9B7-CDF199E77632}">
+<ds:datastoreItem xmlns:ds="http://schemas.openxmlformats.org/officeDocument/2006/customXml" ds:itemID="{8C6D5030-9AA2-4901-9903-314081232E77}">
   <ds:schemaRefs>
-    <ds:schemaRef ds:uri="http://schemas.microsoft.com/sharepoint/v3/contenttype/forms"/>
+    <ds:schemaRef ds:uri="http://schemas.microsoft.com/office/infopath/2007/PartnerControls"/>
+    <ds:schemaRef ds:uri="http://purl.org/dc/terms/"/>
+    <ds:schemaRef ds:uri="http://schemas.microsoft.com/office/2006/documentManagement/types"/>
+    <ds:schemaRef ds:uri="http://www.w3.org/XML/1998/namespace"/>
+    <ds:schemaRef ds:uri="8d73c667-0e32-466c-9097-a1f484c201cc"/>
+    <ds:schemaRef ds:uri="http://purl.org/dc/elements/1.1/"/>
+    <ds:schemaRef ds:uri="http://purl.org/dc/dcmitype/"/>
+    <ds:schemaRef ds:uri="http://schemas.openxmlformats.org/package/2006/metadata/core-properties"/>
+    <ds:schemaRef ds:uri="http://schemas.microsoft.com/office/2006/metadata/properties"/>
   </ds:schemaRefs>
 </ds:datastoreItem>
 </file>